--- a/linguappt/en/templates/phrase_english_classic.pptx
+++ b/linguappt/en/templates/phrase_english_classic.pptx
@@ -208,7 +208,7 @@
           <a:p>
             <a:fld id="{49827307-2D32-1C49-A664-3E09AADAF8D1}" type="datetimeFigureOut">
               <a:rPr lang="en-CN" smtClean="0"/>
-              <a:t>4/4/21</a:t>
+              <a:t>2021/4/20</a:t>
             </a:fld>
             <a:endParaRPr lang="en-CN"/>
           </a:p>

--- a/linguappt/en/templates/phrase_english_classic.pptx
+++ b/linguappt/en/templates/phrase_english_classic.pptx
@@ -208,7 +208,7 @@
           <a:p>
             <a:fld id="{49827307-2D32-1C49-A664-3E09AADAF8D1}" type="datetimeFigureOut">
               <a:rPr lang="en-CN" smtClean="0"/>
-              <a:t>2021/4/20</a:t>
+              <a:t>9/20/21</a:t>
             </a:fld>
             <a:endParaRPr lang="en-CN"/>
           </a:p>
@@ -4434,4958 +4434,6 @@
 
 <file path=ppt/slideLayouts/slideLayout5.xml><?xml version="1.0" encoding="utf-8"?>
 <p:sldLayout xmlns:a="http://schemas.openxmlformats.org/drawingml/2006/main" xmlns:r="http://schemas.openxmlformats.org/officeDocument/2006/relationships" xmlns:p="http://schemas.openxmlformats.org/presentationml/2006/main" preserve="1" userDrawn="1">
-  <p:cSld name="Verb phrase and extension">
-    <p:bg>
-      <p:bgPr>
-        <a:solidFill>
-          <a:schemeClr val="bg1"/>
-        </a:solidFill>
-        <a:effectLst/>
-      </p:bgPr>
-    </p:bg>
-    <p:spTree>
-      <p:nvGrpSpPr>
-        <p:cNvPr id="1" name=""/>
-        <p:cNvGrpSpPr/>
-        <p:nvPr/>
-      </p:nvGrpSpPr>
-      <p:grpSpPr>
-        <a:xfrm>
-          <a:off x="0" y="0"/>
-          <a:ext cx="0" cy="0"/>
-          <a:chOff x="0" y="0"/>
-          <a:chExt cx="0" cy="0"/>
-        </a:xfrm>
-      </p:grpSpPr>
-      <p:pic>
-        <p:nvPicPr>
-          <p:cNvPr id="20" name="Picture 19">
-            <a:extLst>
-              <a:ext uri="{FF2B5EF4-FFF2-40B4-BE49-F238E27FC236}">
-                <a16:creationId xmlns:a16="http://schemas.microsoft.com/office/drawing/2014/main" id="{64CE1A7C-CAD8-744A-811C-8777A474C7EE}"/>
-              </a:ext>
-            </a:extLst>
-          </p:cNvPr>
-          <p:cNvPicPr>
-            <a:picLocks noChangeAspect="1"/>
-          </p:cNvPicPr>
-          <p:nvPr userDrawn="1"/>
-        </p:nvPicPr>
-        <p:blipFill>
-          <a:blip r:embed="rId2"/>
-          <a:stretch>
-            <a:fillRect/>
-          </a:stretch>
-        </p:blipFill>
-        <p:spPr>
-          <a:xfrm>
-            <a:off x="-33914" y="0"/>
-            <a:ext cx="12221225" cy="6870536"/>
-          </a:xfrm>
-          <a:prstGeom prst="rect">
-            <a:avLst/>
-          </a:prstGeom>
-        </p:spPr>
-      </p:pic>
-      <p:sp>
-        <p:nvSpPr>
-          <p:cNvPr id="5" name="Rounded Rectangle 4">
-            <a:extLst>
-              <a:ext uri="{FF2B5EF4-FFF2-40B4-BE49-F238E27FC236}">
-                <a16:creationId xmlns:a16="http://schemas.microsoft.com/office/drawing/2014/main" id="{B0AC6BDF-BC56-7E42-AC49-F897B1E1B0FA}"/>
-              </a:ext>
-            </a:extLst>
-          </p:cNvPr>
-          <p:cNvSpPr/>
-          <p:nvPr userDrawn="1"/>
-        </p:nvSpPr>
-        <p:spPr>
-          <a:xfrm>
-            <a:off x="839416" y="2145394"/>
-            <a:ext cx="10657182" cy="369332"/>
-          </a:xfrm>
-          <a:prstGeom prst="roundRect">
-            <a:avLst>
-              <a:gd name="adj" fmla="val 15851"/>
-            </a:avLst>
-          </a:prstGeom>
-          <a:noFill/>
-          <a:ln>
-            <a:noFill/>
-          </a:ln>
-        </p:spPr>
-        <p:style>
-          <a:lnRef idx="2">
-            <a:schemeClr val="accent1">
-              <a:shade val="50000"/>
-            </a:schemeClr>
-          </a:lnRef>
-          <a:fillRef idx="1">
-            <a:schemeClr val="accent1"/>
-          </a:fillRef>
-          <a:effectRef idx="0">
-            <a:schemeClr val="accent1"/>
-          </a:effectRef>
-          <a:fontRef idx="minor">
-            <a:schemeClr val="lt1"/>
-          </a:fontRef>
-        </p:style>
-        <p:txBody>
-          <a:bodyPr rtlCol="0" anchor="ctr"/>
-          <a:lstStyle/>
-          <a:p>
-            <a:r>
-              <a:rPr lang="en-US" altLang="zh-CN" sz="1200" b="1" dirty="0">
-                <a:solidFill>
-                  <a:schemeClr val="tx2">
-                    <a:lumMod val="50000"/>
-                    <a:lumOff val="50000"/>
-                  </a:schemeClr>
-                </a:solidFill>
-                <a:latin typeface="PingFang SC" panose="020B0400000000000000" pitchFamily="34" charset="-122"/>
-                <a:ea typeface="PingFang SC" panose="020B0400000000000000" pitchFamily="34" charset="-122"/>
-              </a:rPr>
-              <a:t>//</a:t>
-            </a:r>
-            <a:r>
-              <a:rPr lang="zh-CN" altLang="en-US" sz="1200" b="1" dirty="0">
-                <a:solidFill>
-                  <a:schemeClr val="tx2">
-                    <a:lumMod val="50000"/>
-                    <a:lumOff val="50000"/>
-                  </a:schemeClr>
-                </a:solidFill>
-                <a:latin typeface="PingFang SC" panose="020B0400000000000000" pitchFamily="34" charset="-122"/>
-                <a:ea typeface="PingFang SC" panose="020B0400000000000000" pitchFamily="34" charset="-122"/>
-              </a:rPr>
-              <a:t> 动</a:t>
-            </a:r>
-            <a:r>
-              <a:rPr lang="zh-CN" altLang="en-JP" sz="1200" b="1" dirty="0">
-                <a:solidFill>
-                  <a:schemeClr val="tx2">
-                    <a:lumMod val="50000"/>
-                    <a:lumOff val="50000"/>
-                  </a:schemeClr>
-                </a:solidFill>
-                <a:latin typeface="PingFang SC" panose="020B0400000000000000" pitchFamily="34" charset="-122"/>
-                <a:ea typeface="PingFang SC" panose="020B0400000000000000" pitchFamily="34" charset="-122"/>
-              </a:rPr>
-              <a:t>词</a:t>
-            </a:r>
-            <a:r>
-              <a:rPr lang="zh-CN" altLang="en-US" sz="1200" b="1" dirty="0">
-                <a:solidFill>
-                  <a:schemeClr val="tx2">
-                    <a:lumMod val="50000"/>
-                    <a:lumOff val="50000"/>
-                  </a:schemeClr>
-                </a:solidFill>
-                <a:latin typeface="PingFang SC" panose="020B0400000000000000" pitchFamily="34" charset="-122"/>
-                <a:ea typeface="PingFang SC" panose="020B0400000000000000" pitchFamily="34" charset="-122"/>
-              </a:rPr>
-              <a:t>短语</a:t>
-            </a:r>
-            <a:endParaRPr lang="en-JP" sz="1200" b="1" dirty="0">
-              <a:solidFill>
-                <a:schemeClr val="tx2">
-                  <a:lumMod val="50000"/>
-                  <a:lumOff val="50000"/>
-                </a:schemeClr>
-              </a:solidFill>
-              <a:latin typeface="PingFang SC" panose="020B0400000000000000" pitchFamily="34" charset="-122"/>
-              <a:ea typeface="PingFang SC" panose="020B0400000000000000" pitchFamily="34" charset="-122"/>
-            </a:endParaRPr>
-          </a:p>
-        </p:txBody>
-      </p:sp>
-      <p:cxnSp>
-        <p:nvCxnSpPr>
-          <p:cNvPr id="6" name="Straight Connector 5">
-            <a:extLst>
-              <a:ext uri="{FF2B5EF4-FFF2-40B4-BE49-F238E27FC236}">
-                <a16:creationId xmlns:a16="http://schemas.microsoft.com/office/drawing/2014/main" id="{66DAF027-AD6F-4E4F-81BD-A5336E837421}"/>
-              </a:ext>
-            </a:extLst>
-          </p:cNvPr>
-          <p:cNvCxnSpPr>
-            <a:cxnSpLocks/>
-          </p:cNvCxnSpPr>
-          <p:nvPr userDrawn="1"/>
-        </p:nvCxnSpPr>
-        <p:spPr>
-          <a:xfrm>
-            <a:off x="767408" y="2514726"/>
-            <a:ext cx="10809774" cy="0"/>
-          </a:xfrm>
-          <a:prstGeom prst="line">
-            <a:avLst/>
-          </a:prstGeom>
-          <a:ln w="12700">
-            <a:solidFill>
-              <a:schemeClr val="bg1">
-                <a:lumMod val="85000"/>
-              </a:schemeClr>
-            </a:solidFill>
-          </a:ln>
-        </p:spPr>
-        <p:style>
-          <a:lnRef idx="1">
-            <a:schemeClr val="accent1"/>
-          </a:lnRef>
-          <a:fillRef idx="0">
-            <a:schemeClr val="accent1"/>
-          </a:fillRef>
-          <a:effectRef idx="0">
-            <a:schemeClr val="accent1"/>
-          </a:effectRef>
-          <a:fontRef idx="minor">
-            <a:schemeClr val="tx1"/>
-          </a:fontRef>
-        </p:style>
-      </p:cxnSp>
-      <p:sp>
-        <p:nvSpPr>
-          <p:cNvPr id="7" name="Rounded Rectangle 6">
-            <a:extLst>
-              <a:ext uri="{FF2B5EF4-FFF2-40B4-BE49-F238E27FC236}">
-                <a16:creationId xmlns:a16="http://schemas.microsoft.com/office/drawing/2014/main" id="{5C22D74B-5387-594F-B8E3-91C25028DC63}"/>
-              </a:ext>
-            </a:extLst>
-          </p:cNvPr>
-          <p:cNvSpPr/>
-          <p:nvPr userDrawn="1"/>
-        </p:nvSpPr>
-        <p:spPr>
-          <a:xfrm>
-            <a:off x="767407" y="4888510"/>
-            <a:ext cx="10729191" cy="369332"/>
-          </a:xfrm>
-          <a:prstGeom prst="roundRect">
-            <a:avLst>
-              <a:gd name="adj" fmla="val 15851"/>
-            </a:avLst>
-          </a:prstGeom>
-          <a:noFill/>
-          <a:ln>
-            <a:noFill/>
-          </a:ln>
-        </p:spPr>
-        <p:style>
-          <a:lnRef idx="2">
-            <a:schemeClr val="accent1">
-              <a:shade val="50000"/>
-            </a:schemeClr>
-          </a:lnRef>
-          <a:fillRef idx="1">
-            <a:schemeClr val="accent1"/>
-          </a:fillRef>
-          <a:effectRef idx="0">
-            <a:schemeClr val="accent1"/>
-          </a:effectRef>
-          <a:fontRef idx="minor">
-            <a:schemeClr val="lt1"/>
-          </a:fontRef>
-        </p:style>
-        <p:txBody>
-          <a:bodyPr rtlCol="0" anchor="ctr"/>
-          <a:lstStyle/>
-          <a:p>
-            <a:r>
-              <a:rPr lang="en-US" altLang="zh-CN" sz="1200" b="1" dirty="0">
-                <a:solidFill>
-                  <a:schemeClr val="tx2">
-                    <a:lumMod val="50000"/>
-                    <a:lumOff val="50000"/>
-                  </a:schemeClr>
-                </a:solidFill>
-                <a:latin typeface="PingFang SC" panose="020B0400000000000000" pitchFamily="34" charset="-122"/>
-                <a:ea typeface="PingFang SC" panose="020B0400000000000000" pitchFamily="34" charset="-122"/>
-              </a:rPr>
-              <a:t>//</a:t>
-            </a:r>
-            <a:r>
-              <a:rPr lang="zh-CN" altLang="en-US" sz="1200" b="1" dirty="0">
-                <a:solidFill>
-                  <a:schemeClr val="tx2">
-                    <a:lumMod val="50000"/>
-                    <a:lumOff val="50000"/>
-                  </a:schemeClr>
-                </a:solidFill>
-                <a:latin typeface="PingFang SC" panose="020B0400000000000000" pitchFamily="34" charset="-122"/>
-                <a:ea typeface="PingFang SC" panose="020B0400000000000000" pitchFamily="34" charset="-122"/>
-              </a:rPr>
-              <a:t> 动词介绍</a:t>
-            </a:r>
-            <a:endParaRPr lang="en-JP" sz="1200" b="1" dirty="0">
-              <a:solidFill>
-                <a:schemeClr val="tx2">
-                  <a:lumMod val="50000"/>
-                  <a:lumOff val="50000"/>
-                </a:schemeClr>
-              </a:solidFill>
-              <a:latin typeface="PingFang SC" panose="020B0400000000000000" pitchFamily="34" charset="-122"/>
-              <a:ea typeface="PingFang SC" panose="020B0400000000000000" pitchFamily="34" charset="-122"/>
-            </a:endParaRPr>
-          </a:p>
-        </p:txBody>
-      </p:sp>
-      <p:cxnSp>
-        <p:nvCxnSpPr>
-          <p:cNvPr id="8" name="Straight Connector 7">
-            <a:extLst>
-              <a:ext uri="{FF2B5EF4-FFF2-40B4-BE49-F238E27FC236}">
-                <a16:creationId xmlns:a16="http://schemas.microsoft.com/office/drawing/2014/main" id="{DDB5FE00-EF28-8D4A-B01F-79CBD54B904A}"/>
-              </a:ext>
-            </a:extLst>
-          </p:cNvPr>
-          <p:cNvCxnSpPr>
-            <a:cxnSpLocks/>
-          </p:cNvCxnSpPr>
-          <p:nvPr userDrawn="1"/>
-        </p:nvCxnSpPr>
-        <p:spPr>
-          <a:xfrm>
-            <a:off x="767407" y="5257842"/>
-            <a:ext cx="10729195" cy="0"/>
-          </a:xfrm>
-          <a:prstGeom prst="line">
-            <a:avLst/>
-          </a:prstGeom>
-          <a:ln w="12700">
-            <a:solidFill>
-              <a:schemeClr val="bg1">
-                <a:lumMod val="85000"/>
-              </a:schemeClr>
-            </a:solidFill>
-          </a:ln>
-        </p:spPr>
-        <p:style>
-          <a:lnRef idx="1">
-            <a:schemeClr val="accent1"/>
-          </a:lnRef>
-          <a:fillRef idx="0">
-            <a:schemeClr val="accent1"/>
-          </a:fillRef>
-          <a:effectRef idx="0">
-            <a:schemeClr val="accent1"/>
-          </a:effectRef>
-          <a:fontRef idx="minor">
-            <a:schemeClr val="tx1"/>
-          </a:fontRef>
-        </p:style>
-      </p:cxnSp>
-      <p:sp>
-        <p:nvSpPr>
-          <p:cNvPr id="9" name="Rounded Rectangle 8">
-            <a:extLst>
-              <a:ext uri="{FF2B5EF4-FFF2-40B4-BE49-F238E27FC236}">
-                <a16:creationId xmlns:a16="http://schemas.microsoft.com/office/drawing/2014/main" id="{12CDE54F-87FF-5349-9FC3-49A6A856FEB9}"/>
-              </a:ext>
-            </a:extLst>
-          </p:cNvPr>
-          <p:cNvSpPr/>
-          <p:nvPr userDrawn="1"/>
-        </p:nvSpPr>
-        <p:spPr>
-          <a:xfrm>
-            <a:off x="749272" y="548680"/>
-            <a:ext cx="10747327" cy="1420811"/>
-          </a:xfrm>
-          <a:prstGeom prst="roundRect">
-            <a:avLst>
-              <a:gd name="adj" fmla="val 4715"/>
-            </a:avLst>
-          </a:prstGeom>
-          <a:solidFill>
-            <a:schemeClr val="tx2">
-              <a:lumMod val="10000"/>
-              <a:lumOff val="90000"/>
-              <a:alpha val="42000"/>
-            </a:schemeClr>
-          </a:solidFill>
-          <a:ln>
-            <a:noFill/>
-          </a:ln>
-        </p:spPr>
-        <p:style>
-          <a:lnRef idx="2">
-            <a:schemeClr val="accent1">
-              <a:shade val="50000"/>
-            </a:schemeClr>
-          </a:lnRef>
-          <a:fillRef idx="1">
-            <a:schemeClr val="accent1"/>
-          </a:fillRef>
-          <a:effectRef idx="0">
-            <a:schemeClr val="accent1"/>
-          </a:effectRef>
-          <a:fontRef idx="minor">
-            <a:schemeClr val="lt1"/>
-          </a:fontRef>
-        </p:style>
-        <p:txBody>
-          <a:bodyPr rtlCol="0" anchor="ctr"/>
-          <a:lstStyle/>
-          <a:p>
-            <a:pPr algn="ctr"/>
-            <a:endParaRPr lang="en-JP"/>
-          </a:p>
-        </p:txBody>
-      </p:sp>
-      <p:sp>
-        <p:nvSpPr>
-          <p:cNvPr id="3" name="Text Placeholder 2">
-            <a:extLst>
-              <a:ext uri="{FF2B5EF4-FFF2-40B4-BE49-F238E27FC236}">
-                <a16:creationId xmlns:a16="http://schemas.microsoft.com/office/drawing/2014/main" id="{CB2E5D19-67B2-6F4A-8619-6C4E98AEE3C4}"/>
-              </a:ext>
-            </a:extLst>
-          </p:cNvPr>
-          <p:cNvSpPr>
-            <a:spLocks noGrp="1"/>
-          </p:cNvSpPr>
-          <p:nvPr>
-            <p:ph type="body" sz="quarter" idx="10" hasCustomPrompt="1"/>
-          </p:nvPr>
-        </p:nvSpPr>
-        <p:spPr>
-          <a:xfrm>
-            <a:off x="839416" y="636298"/>
-            <a:ext cx="10584606" cy="720626"/>
-          </a:xfrm>
-          <a:prstGeom prst="rect">
-            <a:avLst/>
-          </a:prstGeom>
-        </p:spPr>
-        <p:txBody>
-          <a:bodyPr anchor="b"/>
-          <a:lstStyle>
-            <a:lvl1pPr marL="0" marR="0" indent="0" algn="ctr" defTabSz="457200" rtl="0" eaLnBrk="1" fontAlgn="auto" latinLnBrk="0" hangingPunct="1">
-              <a:lnSpc>
-                <a:spcPct val="100000"/>
-              </a:lnSpc>
-              <a:spcBef>
-                <a:spcPct val="20000"/>
-              </a:spcBef>
-              <a:spcAft>
-                <a:spcPts val="600"/>
-              </a:spcAft>
-              <a:buClr>
-                <a:schemeClr val="accent2"/>
-              </a:buClr>
-              <a:buSzPct val="92000"/>
-              <a:buFont typeface="Wingdings 2" panose="05020102010507070707" pitchFamily="18" charset="2"/>
-              <a:buNone/>
-              <a:tabLst/>
-              <a:defRPr sz="1800" b="0" i="0">
-                <a:latin typeface="Roboto Medium" pitchFamily="2" charset="0"/>
-                <a:ea typeface="Roboto Medium" pitchFamily="2" charset="0"/>
-              </a:defRPr>
-            </a:lvl1pPr>
-            <a:lvl2pPr marL="324000" indent="0" algn="ctr">
-              <a:buNone/>
-              <a:defRPr sz="1800"/>
-            </a:lvl2pPr>
-            <a:lvl3pPr marL="630000" indent="0" algn="ctr">
-              <a:buNone/>
-              <a:defRPr sz="1800"/>
-            </a:lvl3pPr>
-            <a:lvl4pPr marL="1008000" indent="0" algn="ctr">
-              <a:buNone/>
-              <a:defRPr sz="1800"/>
-            </a:lvl4pPr>
-            <a:lvl5pPr marL="1368000" indent="0" algn="ctr">
-              <a:buNone/>
-              <a:defRPr sz="1800"/>
-            </a:lvl5pPr>
-          </a:lstStyle>
-          <a:p>
-            <a:pPr marL="0" marR="0" lvl="0" indent="0" algn="ctr" defTabSz="457200" rtl="0" eaLnBrk="1" fontAlgn="auto" latinLnBrk="0" hangingPunct="1">
-              <a:lnSpc>
-                <a:spcPct val="100000"/>
-              </a:lnSpc>
-              <a:spcBef>
-                <a:spcPct val="20000"/>
-              </a:spcBef>
-              <a:spcAft>
-                <a:spcPts val="600"/>
-              </a:spcAft>
-              <a:buClr>
-                <a:schemeClr val="accent2"/>
-              </a:buClr>
-              <a:buSzPct val="92000"/>
-              <a:buFont typeface="Wingdings 2" panose="05020102010507070707" pitchFamily="18" charset="2"/>
-              <a:buNone/>
-              <a:tabLst/>
-              <a:defRPr/>
-            </a:pPr>
-            <a:r>
-              <a:rPr lang="en-JP" altLang="zh-CN" dirty="0">
-                <a:solidFill>
-                  <a:schemeClr val="accent3">
-                    <a:lumMod val="75000"/>
-                  </a:schemeClr>
-                </a:solidFill>
-                <a:latin typeface="Roboto Medium" pitchFamily="2" charset="0"/>
-                <a:ea typeface="Roboto Medium" pitchFamily="2" charset="0"/>
-              </a:rPr>
-              <a:t>Sentence</a:t>
-            </a:r>
-            <a:endParaRPr lang="en-US" dirty="0">
-              <a:solidFill>
-                <a:schemeClr val="accent3">
-                  <a:lumMod val="75000"/>
-                </a:schemeClr>
-              </a:solidFill>
-              <a:latin typeface="Roboto Medium" pitchFamily="2" charset="0"/>
-              <a:ea typeface="Roboto Medium" pitchFamily="2" charset="0"/>
-            </a:endParaRPr>
-          </a:p>
-        </p:txBody>
-      </p:sp>
-      <p:sp>
-        <p:nvSpPr>
-          <p:cNvPr id="14" name="Text Placeholder 13">
-            <a:extLst>
-              <a:ext uri="{FF2B5EF4-FFF2-40B4-BE49-F238E27FC236}">
-                <a16:creationId xmlns:a16="http://schemas.microsoft.com/office/drawing/2014/main" id="{5A1F2A23-3F55-0347-A2FF-B10D26BD97CA}"/>
-              </a:ext>
-            </a:extLst>
-          </p:cNvPr>
-          <p:cNvSpPr>
-            <a:spLocks noGrp="1"/>
-          </p:cNvSpPr>
-          <p:nvPr>
-            <p:ph type="body" sz="quarter" idx="11" hasCustomPrompt="1"/>
-          </p:nvPr>
-        </p:nvSpPr>
-        <p:spPr>
-          <a:xfrm>
-            <a:off x="839416" y="1444542"/>
-            <a:ext cx="10584606" cy="412750"/>
-          </a:xfrm>
-          <a:prstGeom prst="rect">
-            <a:avLst/>
-          </a:prstGeom>
-        </p:spPr>
-        <p:txBody>
-          <a:bodyPr anchor="t"/>
-          <a:lstStyle>
-            <a:lvl1pPr marL="0" indent="0" algn="ctr">
-              <a:buNone/>
-              <a:defRPr sz="1600" b="0" i="0">
-                <a:solidFill>
-                  <a:schemeClr val="accent3">
-                    <a:lumMod val="75000"/>
-                  </a:schemeClr>
-                </a:solidFill>
-                <a:latin typeface="PingFang SC Light" panose="020B0300000000000000" pitchFamily="34" charset="-122"/>
-                <a:ea typeface="PingFang SC Light" panose="020B0300000000000000" pitchFamily="34" charset="-122"/>
-              </a:defRPr>
-            </a:lvl1pPr>
-          </a:lstStyle>
-          <a:p>
-            <a:pPr lvl="0"/>
-            <a:r>
-              <a:rPr lang="zh-CN" altLang="en-US" dirty="0"/>
-              <a:t>翻译</a:t>
-            </a:r>
-            <a:endParaRPr lang="en-JP" dirty="0"/>
-          </a:p>
-        </p:txBody>
-      </p:sp>
-      <p:sp>
-        <p:nvSpPr>
-          <p:cNvPr id="21" name="Text Placeholder 13">
-            <a:extLst>
-              <a:ext uri="{FF2B5EF4-FFF2-40B4-BE49-F238E27FC236}">
-                <a16:creationId xmlns:a16="http://schemas.microsoft.com/office/drawing/2014/main" id="{B8708FAC-FFD3-924D-9A8A-81CA5EE786CE}"/>
-              </a:ext>
-            </a:extLst>
-          </p:cNvPr>
-          <p:cNvSpPr>
-            <a:spLocks noGrp="1"/>
-          </p:cNvSpPr>
-          <p:nvPr>
-            <p:ph type="body" sz="quarter" idx="12" hasCustomPrompt="1"/>
-          </p:nvPr>
-        </p:nvSpPr>
-        <p:spPr>
-          <a:xfrm>
-            <a:off x="839417" y="2690629"/>
-            <a:ext cx="5029172" cy="360835"/>
-          </a:xfrm>
-          <a:prstGeom prst="rect">
-            <a:avLst/>
-          </a:prstGeom>
-        </p:spPr>
-        <p:txBody>
-          <a:bodyPr anchor="b"/>
-          <a:lstStyle>
-            <a:lvl1pPr marL="0" indent="0" algn="l">
-              <a:buNone/>
-              <a:defRPr sz="1600" b="0" i="0">
-                <a:solidFill>
-                  <a:schemeClr val="accent4">
-                    <a:lumMod val="60000"/>
-                    <a:lumOff val="40000"/>
-                  </a:schemeClr>
-                </a:solidFill>
-                <a:latin typeface="Roboto Medium" pitchFamily="2" charset="0"/>
-                <a:ea typeface="Roboto Medium" pitchFamily="2" charset="0"/>
-              </a:defRPr>
-            </a:lvl1pPr>
-          </a:lstStyle>
-          <a:p>
-            <a:pPr lvl="0"/>
-            <a:r>
-              <a:rPr lang="en-US" altLang="zh-CN" dirty="0"/>
-              <a:t>Phrase</a:t>
-            </a:r>
-            <a:r>
-              <a:rPr lang="zh-CN" altLang="en-US" dirty="0"/>
-              <a:t> </a:t>
-            </a:r>
-            <a:r>
-              <a:rPr lang="en-US" altLang="zh-CN" dirty="0"/>
-              <a:t>01</a:t>
-            </a:r>
-            <a:endParaRPr lang="en-JP" dirty="0"/>
-          </a:p>
-        </p:txBody>
-      </p:sp>
-      <p:sp>
-        <p:nvSpPr>
-          <p:cNvPr id="22" name="Text Placeholder 13">
-            <a:extLst>
-              <a:ext uri="{FF2B5EF4-FFF2-40B4-BE49-F238E27FC236}">
-                <a16:creationId xmlns:a16="http://schemas.microsoft.com/office/drawing/2014/main" id="{B17DB7C6-B794-D34E-814A-87584E9988AB}"/>
-              </a:ext>
-            </a:extLst>
-          </p:cNvPr>
-          <p:cNvSpPr>
-            <a:spLocks noGrp="1"/>
-          </p:cNvSpPr>
-          <p:nvPr>
-            <p:ph type="body" sz="quarter" idx="13" hasCustomPrompt="1"/>
-          </p:nvPr>
-        </p:nvSpPr>
-        <p:spPr>
-          <a:xfrm>
-            <a:off x="839417" y="3083215"/>
-            <a:ext cx="5029172" cy="360835"/>
-          </a:xfrm>
-          <a:prstGeom prst="rect">
-            <a:avLst/>
-          </a:prstGeom>
-        </p:spPr>
-        <p:txBody>
-          <a:bodyPr anchor="t"/>
-          <a:lstStyle>
-            <a:lvl1pPr marL="0" indent="0" algn="l">
-              <a:buNone/>
-              <a:defRPr sz="1200" b="0" i="0">
-                <a:solidFill>
-                  <a:schemeClr val="accent3">
-                    <a:lumMod val="75000"/>
-                  </a:schemeClr>
-                </a:solidFill>
-                <a:latin typeface="PingFang SC Light" panose="020B0300000000000000" pitchFamily="34" charset="-122"/>
-                <a:ea typeface="PingFang SC Light" panose="020B0300000000000000" pitchFamily="34" charset="-122"/>
-              </a:defRPr>
-            </a:lvl1pPr>
-          </a:lstStyle>
-          <a:p>
-            <a:pPr lvl="0"/>
-            <a:r>
-              <a:rPr lang="zh-CN" altLang="en-JP" dirty="0"/>
-              <a:t>翻译</a:t>
-            </a:r>
-            <a:endParaRPr lang="en-JP" dirty="0"/>
-          </a:p>
-        </p:txBody>
-      </p:sp>
-      <p:sp>
-        <p:nvSpPr>
-          <p:cNvPr id="33" name="Rounded Rectangle 32">
-            <a:extLst>
-              <a:ext uri="{FF2B5EF4-FFF2-40B4-BE49-F238E27FC236}">
-                <a16:creationId xmlns:a16="http://schemas.microsoft.com/office/drawing/2014/main" id="{644FBA47-731F-934D-9EB8-2ACF167ED837}"/>
-              </a:ext>
-            </a:extLst>
-          </p:cNvPr>
-          <p:cNvSpPr/>
-          <p:nvPr userDrawn="1"/>
-        </p:nvSpPr>
-        <p:spPr>
-          <a:xfrm>
-            <a:off x="767408" y="3975956"/>
-            <a:ext cx="5101180" cy="368260"/>
-          </a:xfrm>
-          <a:prstGeom prst="roundRect">
-            <a:avLst>
-              <a:gd name="adj" fmla="val 15851"/>
-            </a:avLst>
-          </a:prstGeom>
-          <a:solidFill>
-            <a:schemeClr val="accent4">
-              <a:lumMod val="20000"/>
-              <a:lumOff val="80000"/>
-              <a:alpha val="15000"/>
-            </a:schemeClr>
-          </a:solidFill>
-          <a:ln>
-            <a:noFill/>
-          </a:ln>
-        </p:spPr>
-        <p:style>
-          <a:lnRef idx="2">
-            <a:schemeClr val="accent1">
-              <a:shade val="50000"/>
-            </a:schemeClr>
-          </a:lnRef>
-          <a:fillRef idx="1">
-            <a:schemeClr val="accent1"/>
-          </a:fillRef>
-          <a:effectRef idx="0">
-            <a:schemeClr val="accent1"/>
-          </a:effectRef>
-          <a:fontRef idx="minor">
-            <a:schemeClr val="lt1"/>
-          </a:fontRef>
-        </p:style>
-        <p:txBody>
-          <a:bodyPr rtlCol="0" anchor="ctr"/>
-          <a:lstStyle/>
-          <a:p>
-            <a:endParaRPr lang="en-JP" sz="1400" dirty="0">
-              <a:solidFill>
-                <a:schemeClr val="accent3">
-                  <a:lumMod val="75000"/>
-                </a:schemeClr>
-              </a:solidFill>
-              <a:latin typeface="Roboto Medium" pitchFamily="2" charset="0"/>
-              <a:ea typeface="Roboto Medium" pitchFamily="2" charset="0"/>
-            </a:endParaRPr>
-          </a:p>
-        </p:txBody>
-      </p:sp>
-      <p:sp>
-        <p:nvSpPr>
-          <p:cNvPr id="34" name="Rectangle 33">
-            <a:extLst>
-              <a:ext uri="{FF2B5EF4-FFF2-40B4-BE49-F238E27FC236}">
-                <a16:creationId xmlns:a16="http://schemas.microsoft.com/office/drawing/2014/main" id="{0609D3B1-67ED-6946-826E-926DC8B81F0F}"/>
-              </a:ext>
-            </a:extLst>
-          </p:cNvPr>
-          <p:cNvSpPr/>
-          <p:nvPr userDrawn="1"/>
-        </p:nvSpPr>
-        <p:spPr>
-          <a:xfrm>
-            <a:off x="794700" y="4021587"/>
-            <a:ext cx="819979" cy="276999"/>
-          </a:xfrm>
-          <a:prstGeom prst="rect">
-            <a:avLst/>
-          </a:prstGeom>
-        </p:spPr>
-        <p:txBody>
-          <a:bodyPr wrap="square">
-            <a:spAutoFit/>
-          </a:bodyPr>
-          <a:lstStyle/>
-          <a:p>
-            <a:pPr algn="ctr"/>
-            <a:r>
-              <a:rPr lang="zh-CN" altLang="en-US" sz="1200" dirty="0">
-                <a:solidFill>
-                  <a:schemeClr val="accent3">
-                    <a:lumMod val="75000"/>
-                    <a:alpha val="80000"/>
-                  </a:schemeClr>
-                </a:solidFill>
-                <a:latin typeface="PingFang SC Light" panose="020B0300000000000000" pitchFamily="34" charset="-122"/>
-                <a:ea typeface="PingFang SC Light" panose="020B0300000000000000" pitchFamily="34" charset="-122"/>
-              </a:rPr>
-              <a:t>直接宾语 </a:t>
-            </a:r>
-            <a:endParaRPr lang="en-US" altLang="zh-CN" sz="1200" dirty="0">
-              <a:solidFill>
-                <a:schemeClr val="accent3">
-                  <a:lumMod val="75000"/>
-                  <a:alpha val="80000"/>
-                </a:schemeClr>
-              </a:solidFill>
-              <a:latin typeface="PingFang SC Light" panose="020B0300000000000000" pitchFamily="34" charset="-122"/>
-              <a:ea typeface="PingFang SC Light" panose="020B0300000000000000" pitchFamily="34" charset="-122"/>
-            </a:endParaRPr>
-          </a:p>
-        </p:txBody>
-      </p:sp>
-      <p:sp>
-        <p:nvSpPr>
-          <p:cNvPr id="35" name="Rounded Rectangle 34">
-            <a:extLst>
-              <a:ext uri="{FF2B5EF4-FFF2-40B4-BE49-F238E27FC236}">
-                <a16:creationId xmlns:a16="http://schemas.microsoft.com/office/drawing/2014/main" id="{A2EE2736-2E42-F942-B6E2-1D6D45D611F3}"/>
-              </a:ext>
-            </a:extLst>
-          </p:cNvPr>
-          <p:cNvSpPr/>
-          <p:nvPr userDrawn="1"/>
-        </p:nvSpPr>
-        <p:spPr>
-          <a:xfrm>
-            <a:off x="767408" y="3571601"/>
-            <a:ext cx="5101180" cy="370139"/>
-          </a:xfrm>
-          <a:prstGeom prst="roundRect">
-            <a:avLst>
-              <a:gd name="adj" fmla="val 15851"/>
-            </a:avLst>
-          </a:prstGeom>
-          <a:solidFill>
-            <a:schemeClr val="accent4">
-              <a:lumMod val="20000"/>
-              <a:lumOff val="80000"/>
-              <a:alpha val="15000"/>
-            </a:schemeClr>
-          </a:solidFill>
-          <a:ln>
-            <a:noFill/>
-          </a:ln>
-        </p:spPr>
-        <p:style>
-          <a:lnRef idx="2">
-            <a:schemeClr val="accent1">
-              <a:shade val="50000"/>
-            </a:schemeClr>
-          </a:lnRef>
-          <a:fillRef idx="1">
-            <a:schemeClr val="accent1"/>
-          </a:fillRef>
-          <a:effectRef idx="0">
-            <a:schemeClr val="accent1"/>
-          </a:effectRef>
-          <a:fontRef idx="minor">
-            <a:schemeClr val="lt1"/>
-          </a:fontRef>
-        </p:style>
-        <p:txBody>
-          <a:bodyPr rtlCol="0" anchor="ctr"/>
-          <a:lstStyle/>
-          <a:p>
-            <a:endParaRPr lang="en-JP" sz="1400" dirty="0">
-              <a:solidFill>
-                <a:schemeClr val="accent3">
-                  <a:lumMod val="75000"/>
-                </a:schemeClr>
-              </a:solidFill>
-              <a:latin typeface="Roboto Medium" pitchFamily="2" charset="0"/>
-              <a:ea typeface="Roboto Medium" pitchFamily="2" charset="0"/>
-            </a:endParaRPr>
-          </a:p>
-        </p:txBody>
-      </p:sp>
-      <p:sp>
-        <p:nvSpPr>
-          <p:cNvPr id="36" name="Rectangle 35">
-            <a:extLst>
-              <a:ext uri="{FF2B5EF4-FFF2-40B4-BE49-F238E27FC236}">
-                <a16:creationId xmlns:a16="http://schemas.microsoft.com/office/drawing/2014/main" id="{3F330AC9-CB1A-3B48-A2DB-3DFB4CB3D62A}"/>
-              </a:ext>
-            </a:extLst>
-          </p:cNvPr>
-          <p:cNvSpPr/>
-          <p:nvPr userDrawn="1"/>
-        </p:nvSpPr>
-        <p:spPr>
-          <a:xfrm>
-            <a:off x="794258" y="3618171"/>
-            <a:ext cx="819978" cy="276999"/>
-          </a:xfrm>
-          <a:prstGeom prst="rect">
-            <a:avLst/>
-          </a:prstGeom>
-        </p:spPr>
-        <p:txBody>
-          <a:bodyPr wrap="square">
-            <a:spAutoFit/>
-          </a:bodyPr>
-          <a:lstStyle/>
-          <a:p>
-            <a:pPr algn="ctr"/>
-            <a:r>
-              <a:rPr lang="zh-CN" altLang="en-US" sz="1200" dirty="0">
-                <a:solidFill>
-                  <a:schemeClr val="accent3">
-                    <a:lumMod val="75000"/>
-                    <a:alpha val="80000"/>
-                  </a:schemeClr>
-                </a:solidFill>
-                <a:latin typeface="PingFang SC Light" panose="020B0300000000000000" pitchFamily="34" charset="-122"/>
-                <a:ea typeface="PingFang SC Light" panose="020B0300000000000000" pitchFamily="34" charset="-122"/>
-              </a:rPr>
-              <a:t>动     词</a:t>
-            </a:r>
-            <a:endParaRPr lang="en-US" altLang="zh-CN" sz="1200" dirty="0">
-              <a:solidFill>
-                <a:schemeClr val="accent3">
-                  <a:lumMod val="75000"/>
-                  <a:alpha val="80000"/>
-                </a:schemeClr>
-              </a:solidFill>
-              <a:latin typeface="PingFang SC Light" panose="020B0300000000000000" pitchFamily="34" charset="-122"/>
-              <a:ea typeface="PingFang SC Light" panose="020B0300000000000000" pitchFamily="34" charset="-122"/>
-            </a:endParaRPr>
-          </a:p>
-        </p:txBody>
-      </p:sp>
-      <p:sp>
-        <p:nvSpPr>
-          <p:cNvPr id="39" name="Rounded Rectangle 38">
-            <a:extLst>
-              <a:ext uri="{FF2B5EF4-FFF2-40B4-BE49-F238E27FC236}">
-                <a16:creationId xmlns:a16="http://schemas.microsoft.com/office/drawing/2014/main" id="{43007A86-97B2-7540-BB61-E6E90594C30D}"/>
-              </a:ext>
-            </a:extLst>
-          </p:cNvPr>
-          <p:cNvSpPr/>
-          <p:nvPr userDrawn="1"/>
-        </p:nvSpPr>
-        <p:spPr>
-          <a:xfrm>
-            <a:off x="767408" y="4383222"/>
-            <a:ext cx="5101180" cy="368260"/>
-          </a:xfrm>
-          <a:prstGeom prst="roundRect">
-            <a:avLst>
-              <a:gd name="adj" fmla="val 15851"/>
-            </a:avLst>
-          </a:prstGeom>
-          <a:solidFill>
-            <a:schemeClr val="accent4">
-              <a:lumMod val="20000"/>
-              <a:lumOff val="80000"/>
-              <a:alpha val="15000"/>
-            </a:schemeClr>
-          </a:solidFill>
-          <a:ln>
-            <a:noFill/>
-          </a:ln>
-        </p:spPr>
-        <p:style>
-          <a:lnRef idx="2">
-            <a:schemeClr val="accent1">
-              <a:shade val="50000"/>
-            </a:schemeClr>
-          </a:lnRef>
-          <a:fillRef idx="1">
-            <a:schemeClr val="accent1"/>
-          </a:fillRef>
-          <a:effectRef idx="0">
-            <a:schemeClr val="accent1"/>
-          </a:effectRef>
-          <a:fontRef idx="minor">
-            <a:schemeClr val="lt1"/>
-          </a:fontRef>
-        </p:style>
-        <p:txBody>
-          <a:bodyPr rtlCol="0" anchor="ctr"/>
-          <a:lstStyle/>
-          <a:p>
-            <a:endParaRPr lang="en-JP" sz="1400" dirty="0">
-              <a:solidFill>
-                <a:schemeClr val="accent3">
-                  <a:lumMod val="75000"/>
-                </a:schemeClr>
-              </a:solidFill>
-              <a:latin typeface="Roboto Medium" pitchFamily="2" charset="0"/>
-              <a:ea typeface="Roboto Medium" pitchFamily="2" charset="0"/>
-            </a:endParaRPr>
-          </a:p>
-        </p:txBody>
-      </p:sp>
-      <p:sp>
-        <p:nvSpPr>
-          <p:cNvPr id="40" name="Rectangle 39">
-            <a:extLst>
-              <a:ext uri="{FF2B5EF4-FFF2-40B4-BE49-F238E27FC236}">
-                <a16:creationId xmlns:a16="http://schemas.microsoft.com/office/drawing/2014/main" id="{A1770A85-3476-D345-91E8-A68B565F1B1B}"/>
-              </a:ext>
-            </a:extLst>
-          </p:cNvPr>
-          <p:cNvSpPr/>
-          <p:nvPr userDrawn="1"/>
-        </p:nvSpPr>
-        <p:spPr>
-          <a:xfrm>
-            <a:off x="794700" y="4428853"/>
-            <a:ext cx="819979" cy="276999"/>
-          </a:xfrm>
-          <a:prstGeom prst="rect">
-            <a:avLst/>
-          </a:prstGeom>
-        </p:spPr>
-        <p:txBody>
-          <a:bodyPr wrap="square">
-            <a:spAutoFit/>
-          </a:bodyPr>
-          <a:lstStyle/>
-          <a:p>
-            <a:pPr algn="ctr"/>
-            <a:r>
-              <a:rPr lang="zh-CN" altLang="en-US" sz="1200" dirty="0">
-                <a:solidFill>
-                  <a:schemeClr val="accent3">
-                    <a:lumMod val="75000"/>
-                    <a:alpha val="80000"/>
-                  </a:schemeClr>
-                </a:solidFill>
-                <a:latin typeface="PingFang SC Light" panose="020B0300000000000000" pitchFamily="34" charset="-122"/>
-                <a:ea typeface="PingFang SC Light" panose="020B0300000000000000" pitchFamily="34" charset="-122"/>
-              </a:rPr>
-              <a:t>间接宾语 </a:t>
-            </a:r>
-            <a:endParaRPr lang="en-US" altLang="zh-CN" sz="1200" dirty="0">
-              <a:solidFill>
-                <a:schemeClr val="accent3">
-                  <a:lumMod val="75000"/>
-                  <a:alpha val="80000"/>
-                </a:schemeClr>
-              </a:solidFill>
-              <a:latin typeface="PingFang SC Light" panose="020B0300000000000000" pitchFamily="34" charset="-122"/>
-              <a:ea typeface="PingFang SC Light" panose="020B0300000000000000" pitchFamily="34" charset="-122"/>
-            </a:endParaRPr>
-          </a:p>
-        </p:txBody>
-      </p:sp>
-      <p:sp>
-        <p:nvSpPr>
-          <p:cNvPr id="41" name="Text Placeholder 13">
-            <a:extLst>
-              <a:ext uri="{FF2B5EF4-FFF2-40B4-BE49-F238E27FC236}">
-                <a16:creationId xmlns:a16="http://schemas.microsoft.com/office/drawing/2014/main" id="{11F9A4E4-F9C1-B846-8B5B-D10F1B4B7EC8}"/>
-              </a:ext>
-            </a:extLst>
-          </p:cNvPr>
-          <p:cNvSpPr>
-            <a:spLocks noGrp="1"/>
-          </p:cNvSpPr>
-          <p:nvPr>
-            <p:ph type="body" sz="quarter" idx="14" hasCustomPrompt="1"/>
-          </p:nvPr>
-        </p:nvSpPr>
-        <p:spPr>
-          <a:xfrm>
-            <a:off x="1570937" y="3617787"/>
-            <a:ext cx="4297651" cy="276999"/>
-          </a:xfrm>
-          <a:prstGeom prst="rect">
-            <a:avLst/>
-          </a:prstGeom>
-        </p:spPr>
-        <p:txBody>
-          <a:bodyPr anchor="ctr"/>
-          <a:lstStyle>
-            <a:lvl1pPr marL="0" indent="0" algn="l">
-              <a:buNone/>
-              <a:defRPr sz="1200" b="0" i="0">
-                <a:solidFill>
-                  <a:schemeClr val="accent3">
-                    <a:lumMod val="75000"/>
-                  </a:schemeClr>
-                </a:solidFill>
-                <a:latin typeface="Roboto Medium" pitchFamily="2" charset="0"/>
-                <a:ea typeface="Roboto Medium" pitchFamily="2" charset="0"/>
-              </a:defRPr>
-            </a:lvl1pPr>
-          </a:lstStyle>
-          <a:p>
-            <a:pPr lvl="0"/>
-            <a:r>
-              <a:rPr lang="en-US" altLang="zh-CN" dirty="0"/>
-              <a:t>Verb</a:t>
-            </a:r>
-            <a:endParaRPr lang="en-JP" dirty="0"/>
-          </a:p>
-        </p:txBody>
-      </p:sp>
-      <p:sp>
-        <p:nvSpPr>
-          <p:cNvPr id="43" name="Text Placeholder 13">
-            <a:extLst>
-              <a:ext uri="{FF2B5EF4-FFF2-40B4-BE49-F238E27FC236}">
-                <a16:creationId xmlns:a16="http://schemas.microsoft.com/office/drawing/2014/main" id="{28249DD7-634D-874F-8C09-9A82460F2EA0}"/>
-              </a:ext>
-            </a:extLst>
-          </p:cNvPr>
-          <p:cNvSpPr>
-            <a:spLocks noGrp="1"/>
-          </p:cNvSpPr>
-          <p:nvPr>
-            <p:ph type="body" sz="quarter" idx="15" hasCustomPrompt="1"/>
-          </p:nvPr>
-        </p:nvSpPr>
-        <p:spPr>
-          <a:xfrm>
-            <a:off x="1570937" y="4023423"/>
-            <a:ext cx="4297651" cy="276999"/>
-          </a:xfrm>
-          <a:prstGeom prst="rect">
-            <a:avLst/>
-          </a:prstGeom>
-        </p:spPr>
-        <p:txBody>
-          <a:bodyPr anchor="ctr"/>
-          <a:lstStyle>
-            <a:lvl1pPr marL="0" indent="0" algn="l">
-              <a:buNone/>
-              <a:defRPr sz="1200" b="0" i="0">
-                <a:solidFill>
-                  <a:schemeClr val="accent3">
-                    <a:lumMod val="75000"/>
-                  </a:schemeClr>
-                </a:solidFill>
-                <a:latin typeface="Roboto Medium" pitchFamily="2" charset="0"/>
-                <a:ea typeface="Roboto Medium" pitchFamily="2" charset="0"/>
-              </a:defRPr>
-            </a:lvl1pPr>
-          </a:lstStyle>
-          <a:p>
-            <a:pPr lvl="0"/>
-            <a:r>
-              <a:rPr lang="en-US" altLang="zh-CN" dirty="0"/>
-              <a:t>Direct</a:t>
-            </a:r>
-            <a:r>
-              <a:rPr lang="zh-CN" altLang="en-US" dirty="0"/>
-              <a:t> </a:t>
-            </a:r>
-            <a:r>
-              <a:rPr lang="en-US" altLang="zh-CN" dirty="0"/>
-              <a:t>object</a:t>
-            </a:r>
-            <a:endParaRPr lang="en-JP" dirty="0"/>
-          </a:p>
-        </p:txBody>
-      </p:sp>
-      <p:sp>
-        <p:nvSpPr>
-          <p:cNvPr id="44" name="Text Placeholder 13">
-            <a:extLst>
-              <a:ext uri="{FF2B5EF4-FFF2-40B4-BE49-F238E27FC236}">
-                <a16:creationId xmlns:a16="http://schemas.microsoft.com/office/drawing/2014/main" id="{682D2B46-0612-7A4A-9DC0-F787446288FB}"/>
-              </a:ext>
-            </a:extLst>
-          </p:cNvPr>
-          <p:cNvSpPr>
-            <a:spLocks noGrp="1"/>
-          </p:cNvSpPr>
-          <p:nvPr>
-            <p:ph type="body" sz="quarter" idx="16" hasCustomPrompt="1"/>
-          </p:nvPr>
-        </p:nvSpPr>
-        <p:spPr>
-          <a:xfrm>
-            <a:off x="1570937" y="4429059"/>
-            <a:ext cx="4297651" cy="276999"/>
-          </a:xfrm>
-          <a:prstGeom prst="rect">
-            <a:avLst/>
-          </a:prstGeom>
-        </p:spPr>
-        <p:txBody>
-          <a:bodyPr anchor="ctr"/>
-          <a:lstStyle>
-            <a:lvl1pPr marL="0" indent="0" algn="l">
-              <a:buNone/>
-              <a:defRPr sz="1200" b="0" i="0">
-                <a:solidFill>
-                  <a:schemeClr val="accent3">
-                    <a:lumMod val="75000"/>
-                  </a:schemeClr>
-                </a:solidFill>
-                <a:latin typeface="Roboto Medium" pitchFamily="2" charset="0"/>
-                <a:ea typeface="Roboto Medium" pitchFamily="2" charset="0"/>
-              </a:defRPr>
-            </a:lvl1pPr>
-          </a:lstStyle>
-          <a:p>
-            <a:pPr lvl="0"/>
-            <a:r>
-              <a:rPr lang="en-US" altLang="zh-CN" dirty="0"/>
-              <a:t>Indirect</a:t>
-            </a:r>
-            <a:r>
-              <a:rPr lang="zh-CN" altLang="en-US" dirty="0"/>
-              <a:t> </a:t>
-            </a:r>
-            <a:r>
-              <a:rPr lang="en-US" altLang="zh-CN" dirty="0"/>
-              <a:t>object</a:t>
-            </a:r>
-            <a:endParaRPr lang="en-JP" dirty="0"/>
-          </a:p>
-        </p:txBody>
-      </p:sp>
-      <p:sp>
-        <p:nvSpPr>
-          <p:cNvPr id="45" name="Text Placeholder 13">
-            <a:extLst>
-              <a:ext uri="{FF2B5EF4-FFF2-40B4-BE49-F238E27FC236}">
-                <a16:creationId xmlns:a16="http://schemas.microsoft.com/office/drawing/2014/main" id="{A3C176DC-45BE-3342-BBA4-E45E488041FD}"/>
-              </a:ext>
-            </a:extLst>
-          </p:cNvPr>
-          <p:cNvSpPr>
-            <a:spLocks noGrp="1"/>
-          </p:cNvSpPr>
-          <p:nvPr>
-            <p:ph type="body" sz="quarter" idx="17" hasCustomPrompt="1"/>
-          </p:nvPr>
-        </p:nvSpPr>
-        <p:spPr>
-          <a:xfrm>
-            <a:off x="6394850" y="2690629"/>
-            <a:ext cx="5029172" cy="360835"/>
-          </a:xfrm>
-          <a:prstGeom prst="rect">
-            <a:avLst/>
-          </a:prstGeom>
-        </p:spPr>
-        <p:txBody>
-          <a:bodyPr anchor="b"/>
-          <a:lstStyle>
-            <a:lvl1pPr marL="0" indent="0" algn="l">
-              <a:buNone/>
-              <a:defRPr sz="1600" b="0" i="0">
-                <a:solidFill>
-                  <a:schemeClr val="accent4">
-                    <a:lumMod val="60000"/>
-                    <a:lumOff val="40000"/>
-                  </a:schemeClr>
-                </a:solidFill>
-                <a:latin typeface="Roboto Medium" pitchFamily="2" charset="0"/>
-                <a:ea typeface="Roboto Medium" pitchFamily="2" charset="0"/>
-              </a:defRPr>
-            </a:lvl1pPr>
-          </a:lstStyle>
-          <a:p>
-            <a:pPr lvl="0"/>
-            <a:r>
-              <a:rPr lang="en-US" altLang="zh-CN" dirty="0"/>
-              <a:t>Phrase</a:t>
-            </a:r>
-            <a:r>
-              <a:rPr lang="zh-CN" altLang="en-US" dirty="0"/>
-              <a:t> </a:t>
-            </a:r>
-            <a:r>
-              <a:rPr lang="en-US" altLang="zh-CN" dirty="0"/>
-              <a:t>02</a:t>
-            </a:r>
-            <a:endParaRPr lang="en-JP" dirty="0"/>
-          </a:p>
-        </p:txBody>
-      </p:sp>
-      <p:sp>
-        <p:nvSpPr>
-          <p:cNvPr id="46" name="Text Placeholder 13">
-            <a:extLst>
-              <a:ext uri="{FF2B5EF4-FFF2-40B4-BE49-F238E27FC236}">
-                <a16:creationId xmlns:a16="http://schemas.microsoft.com/office/drawing/2014/main" id="{27E05617-0E3A-9546-ABCD-A53243F472AF}"/>
-              </a:ext>
-            </a:extLst>
-          </p:cNvPr>
-          <p:cNvSpPr>
-            <a:spLocks noGrp="1"/>
-          </p:cNvSpPr>
-          <p:nvPr>
-            <p:ph type="body" sz="quarter" idx="18" hasCustomPrompt="1"/>
-          </p:nvPr>
-        </p:nvSpPr>
-        <p:spPr>
-          <a:xfrm>
-            <a:off x="6394850" y="3083215"/>
-            <a:ext cx="5029172" cy="360835"/>
-          </a:xfrm>
-          <a:prstGeom prst="rect">
-            <a:avLst/>
-          </a:prstGeom>
-        </p:spPr>
-        <p:txBody>
-          <a:bodyPr anchor="t"/>
-          <a:lstStyle>
-            <a:lvl1pPr marL="0" indent="0" algn="l">
-              <a:buNone/>
-              <a:defRPr sz="1200" b="0" i="0">
-                <a:solidFill>
-                  <a:schemeClr val="accent3">
-                    <a:lumMod val="75000"/>
-                  </a:schemeClr>
-                </a:solidFill>
-                <a:latin typeface="PingFang SC Light" panose="020B0300000000000000" pitchFamily="34" charset="-122"/>
-                <a:ea typeface="PingFang SC Light" panose="020B0300000000000000" pitchFamily="34" charset="-122"/>
-              </a:defRPr>
-            </a:lvl1pPr>
-          </a:lstStyle>
-          <a:p>
-            <a:pPr lvl="0"/>
-            <a:r>
-              <a:rPr lang="zh-CN" altLang="en-JP" dirty="0"/>
-              <a:t>翻译</a:t>
-            </a:r>
-            <a:endParaRPr lang="en-JP" dirty="0"/>
-          </a:p>
-        </p:txBody>
-      </p:sp>
-      <p:sp>
-        <p:nvSpPr>
-          <p:cNvPr id="47" name="Rounded Rectangle 46">
-            <a:extLst>
-              <a:ext uri="{FF2B5EF4-FFF2-40B4-BE49-F238E27FC236}">
-                <a16:creationId xmlns:a16="http://schemas.microsoft.com/office/drawing/2014/main" id="{F8F8310C-CB6E-1345-BD8D-923D8560A777}"/>
-              </a:ext>
-            </a:extLst>
-          </p:cNvPr>
-          <p:cNvSpPr/>
-          <p:nvPr userDrawn="1"/>
-        </p:nvSpPr>
-        <p:spPr>
-          <a:xfrm>
-            <a:off x="6322841" y="3975956"/>
-            <a:ext cx="5101180" cy="368260"/>
-          </a:xfrm>
-          <a:prstGeom prst="roundRect">
-            <a:avLst>
-              <a:gd name="adj" fmla="val 15851"/>
-            </a:avLst>
-          </a:prstGeom>
-          <a:solidFill>
-            <a:schemeClr val="accent4">
-              <a:lumMod val="20000"/>
-              <a:lumOff val="80000"/>
-              <a:alpha val="15000"/>
-            </a:schemeClr>
-          </a:solidFill>
-          <a:ln>
-            <a:noFill/>
-          </a:ln>
-        </p:spPr>
-        <p:style>
-          <a:lnRef idx="2">
-            <a:schemeClr val="accent1">
-              <a:shade val="50000"/>
-            </a:schemeClr>
-          </a:lnRef>
-          <a:fillRef idx="1">
-            <a:schemeClr val="accent1"/>
-          </a:fillRef>
-          <a:effectRef idx="0">
-            <a:schemeClr val="accent1"/>
-          </a:effectRef>
-          <a:fontRef idx="minor">
-            <a:schemeClr val="lt1"/>
-          </a:fontRef>
-        </p:style>
-        <p:txBody>
-          <a:bodyPr rtlCol="0" anchor="ctr"/>
-          <a:lstStyle/>
-          <a:p>
-            <a:endParaRPr lang="en-JP" sz="1400" dirty="0">
-              <a:solidFill>
-                <a:schemeClr val="accent3">
-                  <a:lumMod val="75000"/>
-                </a:schemeClr>
-              </a:solidFill>
-              <a:latin typeface="Roboto Medium" pitchFamily="2" charset="0"/>
-              <a:ea typeface="Roboto Medium" pitchFamily="2" charset="0"/>
-            </a:endParaRPr>
-          </a:p>
-        </p:txBody>
-      </p:sp>
-      <p:sp>
-        <p:nvSpPr>
-          <p:cNvPr id="48" name="Rectangle 47">
-            <a:extLst>
-              <a:ext uri="{FF2B5EF4-FFF2-40B4-BE49-F238E27FC236}">
-                <a16:creationId xmlns:a16="http://schemas.microsoft.com/office/drawing/2014/main" id="{EEA77C59-A252-B74F-A17C-2F1EB4E7C92B}"/>
-              </a:ext>
-            </a:extLst>
-          </p:cNvPr>
-          <p:cNvSpPr/>
-          <p:nvPr userDrawn="1"/>
-        </p:nvSpPr>
-        <p:spPr>
-          <a:xfrm>
-            <a:off x="6350133" y="4021587"/>
-            <a:ext cx="819979" cy="276999"/>
-          </a:xfrm>
-          <a:prstGeom prst="rect">
-            <a:avLst/>
-          </a:prstGeom>
-        </p:spPr>
-        <p:txBody>
-          <a:bodyPr wrap="square">
-            <a:spAutoFit/>
-          </a:bodyPr>
-          <a:lstStyle/>
-          <a:p>
-            <a:pPr algn="ctr"/>
-            <a:r>
-              <a:rPr lang="zh-CN" altLang="en-US" sz="1200" dirty="0">
-                <a:solidFill>
-                  <a:schemeClr val="accent3">
-                    <a:lumMod val="75000"/>
-                    <a:alpha val="80000"/>
-                  </a:schemeClr>
-                </a:solidFill>
-                <a:latin typeface="PingFang SC Light" panose="020B0300000000000000" pitchFamily="34" charset="-122"/>
-                <a:ea typeface="PingFang SC Light" panose="020B0300000000000000" pitchFamily="34" charset="-122"/>
-              </a:rPr>
-              <a:t>直接宾语 </a:t>
-            </a:r>
-            <a:endParaRPr lang="en-US" altLang="zh-CN" sz="1200" dirty="0">
-              <a:solidFill>
-                <a:schemeClr val="accent3">
-                  <a:lumMod val="75000"/>
-                  <a:alpha val="80000"/>
-                </a:schemeClr>
-              </a:solidFill>
-              <a:latin typeface="PingFang SC Light" panose="020B0300000000000000" pitchFamily="34" charset="-122"/>
-              <a:ea typeface="PingFang SC Light" panose="020B0300000000000000" pitchFamily="34" charset="-122"/>
-            </a:endParaRPr>
-          </a:p>
-        </p:txBody>
-      </p:sp>
-      <p:sp>
-        <p:nvSpPr>
-          <p:cNvPr id="49" name="Rounded Rectangle 48">
-            <a:extLst>
-              <a:ext uri="{FF2B5EF4-FFF2-40B4-BE49-F238E27FC236}">
-                <a16:creationId xmlns:a16="http://schemas.microsoft.com/office/drawing/2014/main" id="{986ED1B3-58BC-3647-901E-8BA42014ADAE}"/>
-              </a:ext>
-            </a:extLst>
-          </p:cNvPr>
-          <p:cNvSpPr/>
-          <p:nvPr userDrawn="1"/>
-        </p:nvSpPr>
-        <p:spPr>
-          <a:xfrm>
-            <a:off x="6322841" y="3571601"/>
-            <a:ext cx="5101180" cy="370139"/>
-          </a:xfrm>
-          <a:prstGeom prst="roundRect">
-            <a:avLst>
-              <a:gd name="adj" fmla="val 15851"/>
-            </a:avLst>
-          </a:prstGeom>
-          <a:solidFill>
-            <a:schemeClr val="accent4">
-              <a:lumMod val="20000"/>
-              <a:lumOff val="80000"/>
-              <a:alpha val="15000"/>
-            </a:schemeClr>
-          </a:solidFill>
-          <a:ln>
-            <a:noFill/>
-          </a:ln>
-        </p:spPr>
-        <p:style>
-          <a:lnRef idx="2">
-            <a:schemeClr val="accent1">
-              <a:shade val="50000"/>
-            </a:schemeClr>
-          </a:lnRef>
-          <a:fillRef idx="1">
-            <a:schemeClr val="accent1"/>
-          </a:fillRef>
-          <a:effectRef idx="0">
-            <a:schemeClr val="accent1"/>
-          </a:effectRef>
-          <a:fontRef idx="minor">
-            <a:schemeClr val="lt1"/>
-          </a:fontRef>
-        </p:style>
-        <p:txBody>
-          <a:bodyPr rtlCol="0" anchor="ctr"/>
-          <a:lstStyle/>
-          <a:p>
-            <a:endParaRPr lang="en-JP" sz="1400" dirty="0">
-              <a:solidFill>
-                <a:schemeClr val="accent3">
-                  <a:lumMod val="75000"/>
-                </a:schemeClr>
-              </a:solidFill>
-              <a:latin typeface="Roboto Medium" pitchFamily="2" charset="0"/>
-              <a:ea typeface="Roboto Medium" pitchFamily="2" charset="0"/>
-            </a:endParaRPr>
-          </a:p>
-        </p:txBody>
-      </p:sp>
-      <p:sp>
-        <p:nvSpPr>
-          <p:cNvPr id="50" name="Rectangle 49">
-            <a:extLst>
-              <a:ext uri="{FF2B5EF4-FFF2-40B4-BE49-F238E27FC236}">
-                <a16:creationId xmlns:a16="http://schemas.microsoft.com/office/drawing/2014/main" id="{09B98A47-7377-4740-BF04-2E93B001F418}"/>
-              </a:ext>
-            </a:extLst>
-          </p:cNvPr>
-          <p:cNvSpPr/>
-          <p:nvPr userDrawn="1"/>
-        </p:nvSpPr>
-        <p:spPr>
-          <a:xfrm>
-            <a:off x="6349691" y="3618171"/>
-            <a:ext cx="819978" cy="276999"/>
-          </a:xfrm>
-          <a:prstGeom prst="rect">
-            <a:avLst/>
-          </a:prstGeom>
-        </p:spPr>
-        <p:txBody>
-          <a:bodyPr wrap="square">
-            <a:spAutoFit/>
-          </a:bodyPr>
-          <a:lstStyle/>
-          <a:p>
-            <a:pPr algn="ctr"/>
-            <a:r>
-              <a:rPr lang="zh-CN" altLang="en-US" sz="1200" dirty="0">
-                <a:solidFill>
-                  <a:schemeClr val="accent3">
-                    <a:lumMod val="75000"/>
-                    <a:alpha val="80000"/>
-                  </a:schemeClr>
-                </a:solidFill>
-                <a:latin typeface="PingFang SC Light" panose="020B0300000000000000" pitchFamily="34" charset="-122"/>
-                <a:ea typeface="PingFang SC Light" panose="020B0300000000000000" pitchFamily="34" charset="-122"/>
-              </a:rPr>
-              <a:t>动     词</a:t>
-            </a:r>
-            <a:endParaRPr lang="en-US" altLang="zh-CN" sz="1200" dirty="0">
-              <a:solidFill>
-                <a:schemeClr val="accent3">
-                  <a:lumMod val="75000"/>
-                  <a:alpha val="80000"/>
-                </a:schemeClr>
-              </a:solidFill>
-              <a:latin typeface="PingFang SC Light" panose="020B0300000000000000" pitchFamily="34" charset="-122"/>
-              <a:ea typeface="PingFang SC Light" panose="020B0300000000000000" pitchFamily="34" charset="-122"/>
-            </a:endParaRPr>
-          </a:p>
-        </p:txBody>
-      </p:sp>
-      <p:sp>
-        <p:nvSpPr>
-          <p:cNvPr id="51" name="Rounded Rectangle 50">
-            <a:extLst>
-              <a:ext uri="{FF2B5EF4-FFF2-40B4-BE49-F238E27FC236}">
-                <a16:creationId xmlns:a16="http://schemas.microsoft.com/office/drawing/2014/main" id="{4B1D1F78-6A64-D04B-8AE2-B458AC6D2696}"/>
-              </a:ext>
-            </a:extLst>
-          </p:cNvPr>
-          <p:cNvSpPr/>
-          <p:nvPr userDrawn="1"/>
-        </p:nvSpPr>
-        <p:spPr>
-          <a:xfrm>
-            <a:off x="6322841" y="4383222"/>
-            <a:ext cx="5101180" cy="368260"/>
-          </a:xfrm>
-          <a:prstGeom prst="roundRect">
-            <a:avLst>
-              <a:gd name="adj" fmla="val 15851"/>
-            </a:avLst>
-          </a:prstGeom>
-          <a:solidFill>
-            <a:schemeClr val="accent4">
-              <a:lumMod val="20000"/>
-              <a:lumOff val="80000"/>
-              <a:alpha val="15000"/>
-            </a:schemeClr>
-          </a:solidFill>
-          <a:ln>
-            <a:noFill/>
-          </a:ln>
-        </p:spPr>
-        <p:style>
-          <a:lnRef idx="2">
-            <a:schemeClr val="accent1">
-              <a:shade val="50000"/>
-            </a:schemeClr>
-          </a:lnRef>
-          <a:fillRef idx="1">
-            <a:schemeClr val="accent1"/>
-          </a:fillRef>
-          <a:effectRef idx="0">
-            <a:schemeClr val="accent1"/>
-          </a:effectRef>
-          <a:fontRef idx="minor">
-            <a:schemeClr val="lt1"/>
-          </a:fontRef>
-        </p:style>
-        <p:txBody>
-          <a:bodyPr rtlCol="0" anchor="ctr"/>
-          <a:lstStyle/>
-          <a:p>
-            <a:endParaRPr lang="en-JP" sz="1400" dirty="0">
-              <a:solidFill>
-                <a:schemeClr val="accent3">
-                  <a:lumMod val="75000"/>
-                </a:schemeClr>
-              </a:solidFill>
-              <a:latin typeface="Roboto Medium" pitchFamily="2" charset="0"/>
-              <a:ea typeface="Roboto Medium" pitchFamily="2" charset="0"/>
-            </a:endParaRPr>
-          </a:p>
-        </p:txBody>
-      </p:sp>
-      <p:sp>
-        <p:nvSpPr>
-          <p:cNvPr id="52" name="Rectangle 51">
-            <a:extLst>
-              <a:ext uri="{FF2B5EF4-FFF2-40B4-BE49-F238E27FC236}">
-                <a16:creationId xmlns:a16="http://schemas.microsoft.com/office/drawing/2014/main" id="{4CB9D80B-F0FC-B84C-BB14-1DFDBCA157AD}"/>
-              </a:ext>
-            </a:extLst>
-          </p:cNvPr>
-          <p:cNvSpPr/>
-          <p:nvPr userDrawn="1"/>
-        </p:nvSpPr>
-        <p:spPr>
-          <a:xfrm>
-            <a:off x="6350133" y="4428853"/>
-            <a:ext cx="819979" cy="276999"/>
-          </a:xfrm>
-          <a:prstGeom prst="rect">
-            <a:avLst/>
-          </a:prstGeom>
-        </p:spPr>
-        <p:txBody>
-          <a:bodyPr wrap="square">
-            <a:spAutoFit/>
-          </a:bodyPr>
-          <a:lstStyle/>
-          <a:p>
-            <a:pPr algn="ctr"/>
-            <a:r>
-              <a:rPr lang="zh-CN" altLang="en-US" sz="1200" dirty="0">
-                <a:solidFill>
-                  <a:schemeClr val="accent3">
-                    <a:lumMod val="75000"/>
-                    <a:alpha val="80000"/>
-                  </a:schemeClr>
-                </a:solidFill>
-                <a:latin typeface="PingFang SC Light" panose="020B0300000000000000" pitchFamily="34" charset="-122"/>
-                <a:ea typeface="PingFang SC Light" panose="020B0300000000000000" pitchFamily="34" charset="-122"/>
-              </a:rPr>
-              <a:t>间接宾语 </a:t>
-            </a:r>
-            <a:endParaRPr lang="en-US" altLang="zh-CN" sz="1200" dirty="0">
-              <a:solidFill>
-                <a:schemeClr val="accent3">
-                  <a:lumMod val="75000"/>
-                  <a:alpha val="80000"/>
-                </a:schemeClr>
-              </a:solidFill>
-              <a:latin typeface="PingFang SC Light" panose="020B0300000000000000" pitchFamily="34" charset="-122"/>
-              <a:ea typeface="PingFang SC Light" panose="020B0300000000000000" pitchFamily="34" charset="-122"/>
-            </a:endParaRPr>
-          </a:p>
-        </p:txBody>
-      </p:sp>
-      <p:sp>
-        <p:nvSpPr>
-          <p:cNvPr id="53" name="Text Placeholder 13">
-            <a:extLst>
-              <a:ext uri="{FF2B5EF4-FFF2-40B4-BE49-F238E27FC236}">
-                <a16:creationId xmlns:a16="http://schemas.microsoft.com/office/drawing/2014/main" id="{E4DA1DD1-E57A-2048-9FFF-786657233378}"/>
-              </a:ext>
-            </a:extLst>
-          </p:cNvPr>
-          <p:cNvSpPr>
-            <a:spLocks noGrp="1"/>
-          </p:cNvSpPr>
-          <p:nvPr>
-            <p:ph type="body" sz="quarter" idx="19" hasCustomPrompt="1"/>
-          </p:nvPr>
-        </p:nvSpPr>
-        <p:spPr>
-          <a:xfrm>
-            <a:off x="7126370" y="3617787"/>
-            <a:ext cx="4297651" cy="276999"/>
-          </a:xfrm>
-          <a:prstGeom prst="rect">
-            <a:avLst/>
-          </a:prstGeom>
-        </p:spPr>
-        <p:txBody>
-          <a:bodyPr anchor="ctr"/>
-          <a:lstStyle>
-            <a:lvl1pPr marL="0" indent="0" algn="l">
-              <a:buNone/>
-              <a:defRPr sz="1200" b="0" i="0">
-                <a:solidFill>
-                  <a:schemeClr val="accent3">
-                    <a:lumMod val="75000"/>
-                  </a:schemeClr>
-                </a:solidFill>
-                <a:latin typeface="Roboto Medium" pitchFamily="2" charset="0"/>
-                <a:ea typeface="Roboto Medium" pitchFamily="2" charset="0"/>
-              </a:defRPr>
-            </a:lvl1pPr>
-          </a:lstStyle>
-          <a:p>
-            <a:pPr lvl="0"/>
-            <a:r>
-              <a:rPr lang="en-US" altLang="zh-CN" dirty="0"/>
-              <a:t>Verb</a:t>
-            </a:r>
-            <a:endParaRPr lang="en-JP" dirty="0"/>
-          </a:p>
-        </p:txBody>
-      </p:sp>
-      <p:sp>
-        <p:nvSpPr>
-          <p:cNvPr id="54" name="Text Placeholder 13">
-            <a:extLst>
-              <a:ext uri="{FF2B5EF4-FFF2-40B4-BE49-F238E27FC236}">
-                <a16:creationId xmlns:a16="http://schemas.microsoft.com/office/drawing/2014/main" id="{1D37330E-7AFD-504E-8BE8-22BD60C01B6F}"/>
-              </a:ext>
-            </a:extLst>
-          </p:cNvPr>
-          <p:cNvSpPr>
-            <a:spLocks noGrp="1"/>
-          </p:cNvSpPr>
-          <p:nvPr>
-            <p:ph type="body" sz="quarter" idx="20" hasCustomPrompt="1"/>
-          </p:nvPr>
-        </p:nvSpPr>
-        <p:spPr>
-          <a:xfrm>
-            <a:off x="7126370" y="4023423"/>
-            <a:ext cx="4297651" cy="276999"/>
-          </a:xfrm>
-          <a:prstGeom prst="rect">
-            <a:avLst/>
-          </a:prstGeom>
-        </p:spPr>
-        <p:txBody>
-          <a:bodyPr anchor="ctr"/>
-          <a:lstStyle>
-            <a:lvl1pPr marL="0" indent="0" algn="l">
-              <a:buNone/>
-              <a:defRPr sz="1200" b="0" i="0">
-                <a:solidFill>
-                  <a:schemeClr val="accent3">
-                    <a:lumMod val="75000"/>
-                  </a:schemeClr>
-                </a:solidFill>
-                <a:latin typeface="Roboto Medium" pitchFamily="2" charset="0"/>
-                <a:ea typeface="Roboto Medium" pitchFamily="2" charset="0"/>
-              </a:defRPr>
-            </a:lvl1pPr>
-          </a:lstStyle>
-          <a:p>
-            <a:pPr lvl="0"/>
-            <a:r>
-              <a:rPr lang="en-US" altLang="zh-CN" dirty="0"/>
-              <a:t>Direct</a:t>
-            </a:r>
-            <a:r>
-              <a:rPr lang="zh-CN" altLang="en-US" dirty="0"/>
-              <a:t> </a:t>
-            </a:r>
-            <a:r>
-              <a:rPr lang="en-US" altLang="zh-CN" dirty="0"/>
-              <a:t>object</a:t>
-            </a:r>
-            <a:endParaRPr lang="en-JP" dirty="0"/>
-          </a:p>
-        </p:txBody>
-      </p:sp>
-      <p:sp>
-        <p:nvSpPr>
-          <p:cNvPr id="55" name="Text Placeholder 13">
-            <a:extLst>
-              <a:ext uri="{FF2B5EF4-FFF2-40B4-BE49-F238E27FC236}">
-                <a16:creationId xmlns:a16="http://schemas.microsoft.com/office/drawing/2014/main" id="{96A2359F-92E1-E248-9889-6D95108AFE0F}"/>
-              </a:ext>
-            </a:extLst>
-          </p:cNvPr>
-          <p:cNvSpPr>
-            <a:spLocks noGrp="1"/>
-          </p:cNvSpPr>
-          <p:nvPr>
-            <p:ph type="body" sz="quarter" idx="21" hasCustomPrompt="1"/>
-          </p:nvPr>
-        </p:nvSpPr>
-        <p:spPr>
-          <a:xfrm>
-            <a:off x="7126370" y="4429059"/>
-            <a:ext cx="4297651" cy="276999"/>
-          </a:xfrm>
-          <a:prstGeom prst="rect">
-            <a:avLst/>
-          </a:prstGeom>
-        </p:spPr>
-        <p:txBody>
-          <a:bodyPr anchor="ctr"/>
-          <a:lstStyle>
-            <a:lvl1pPr marL="0" indent="0" algn="l">
-              <a:buNone/>
-              <a:defRPr sz="1200" b="0" i="0">
-                <a:solidFill>
-                  <a:schemeClr val="accent3">
-                    <a:lumMod val="75000"/>
-                  </a:schemeClr>
-                </a:solidFill>
-                <a:latin typeface="Roboto Medium" pitchFamily="2" charset="0"/>
-                <a:ea typeface="Roboto Medium" pitchFamily="2" charset="0"/>
-              </a:defRPr>
-            </a:lvl1pPr>
-          </a:lstStyle>
-          <a:p>
-            <a:pPr lvl="0"/>
-            <a:r>
-              <a:rPr lang="en-US" altLang="zh-CN" dirty="0"/>
-              <a:t>Indirect</a:t>
-            </a:r>
-            <a:r>
-              <a:rPr lang="zh-CN" altLang="en-US" dirty="0"/>
-              <a:t> </a:t>
-            </a:r>
-            <a:r>
-              <a:rPr lang="en-US" altLang="zh-CN" dirty="0"/>
-              <a:t>object</a:t>
-            </a:r>
-            <a:endParaRPr lang="en-JP" dirty="0"/>
-          </a:p>
-        </p:txBody>
-      </p:sp>
-      <p:sp>
-        <p:nvSpPr>
-          <p:cNvPr id="56" name="Rounded Rectangle 55">
-            <a:extLst>
-              <a:ext uri="{FF2B5EF4-FFF2-40B4-BE49-F238E27FC236}">
-                <a16:creationId xmlns:a16="http://schemas.microsoft.com/office/drawing/2014/main" id="{F8D7B00B-7FB4-8046-8E23-66C1968E6CAB}"/>
-              </a:ext>
-            </a:extLst>
-          </p:cNvPr>
-          <p:cNvSpPr/>
-          <p:nvPr userDrawn="1"/>
-        </p:nvSpPr>
-        <p:spPr>
-          <a:xfrm>
-            <a:off x="761241" y="5446945"/>
-            <a:ext cx="1668254" cy="368260"/>
-          </a:xfrm>
-          <a:prstGeom prst="roundRect">
-            <a:avLst>
-              <a:gd name="adj" fmla="val 15851"/>
-            </a:avLst>
-          </a:prstGeom>
-          <a:solidFill>
-            <a:schemeClr val="accent4">
-              <a:lumMod val="20000"/>
-              <a:lumOff val="80000"/>
-              <a:alpha val="15000"/>
-            </a:schemeClr>
-          </a:solidFill>
-          <a:ln>
-            <a:noFill/>
-          </a:ln>
-        </p:spPr>
-        <p:style>
-          <a:lnRef idx="2">
-            <a:schemeClr val="accent1">
-              <a:shade val="50000"/>
-            </a:schemeClr>
-          </a:lnRef>
-          <a:fillRef idx="1">
-            <a:schemeClr val="accent1"/>
-          </a:fillRef>
-          <a:effectRef idx="0">
-            <a:schemeClr val="accent1"/>
-          </a:effectRef>
-          <a:fontRef idx="minor">
-            <a:schemeClr val="lt1"/>
-          </a:fontRef>
-        </p:style>
-        <p:txBody>
-          <a:bodyPr rtlCol="0" anchor="ctr"/>
-          <a:lstStyle/>
-          <a:p>
-            <a:endParaRPr lang="en-JP" sz="1400" dirty="0">
-              <a:solidFill>
-                <a:schemeClr val="accent3">
-                  <a:lumMod val="75000"/>
-                </a:schemeClr>
-              </a:solidFill>
-              <a:latin typeface="Roboto Medium" pitchFamily="2" charset="0"/>
-              <a:ea typeface="Roboto Medium" pitchFamily="2" charset="0"/>
-            </a:endParaRPr>
-          </a:p>
-        </p:txBody>
-      </p:sp>
-      <p:sp>
-        <p:nvSpPr>
-          <p:cNvPr id="58" name="Rounded Rectangle 57">
-            <a:extLst>
-              <a:ext uri="{FF2B5EF4-FFF2-40B4-BE49-F238E27FC236}">
-                <a16:creationId xmlns:a16="http://schemas.microsoft.com/office/drawing/2014/main" id="{181A0CCC-BE66-7743-B491-4C33F46BD02F}"/>
-              </a:ext>
-            </a:extLst>
-          </p:cNvPr>
-          <p:cNvSpPr/>
-          <p:nvPr userDrawn="1"/>
-        </p:nvSpPr>
-        <p:spPr>
-          <a:xfrm>
-            <a:off x="2483871" y="5440111"/>
-            <a:ext cx="1668254" cy="368260"/>
-          </a:xfrm>
-          <a:prstGeom prst="roundRect">
-            <a:avLst>
-              <a:gd name="adj" fmla="val 15851"/>
-            </a:avLst>
-          </a:prstGeom>
-          <a:solidFill>
-            <a:schemeClr val="accent4">
-              <a:lumMod val="20000"/>
-              <a:lumOff val="80000"/>
-              <a:alpha val="15000"/>
-            </a:schemeClr>
-          </a:solidFill>
-          <a:ln>
-            <a:noFill/>
-          </a:ln>
-        </p:spPr>
-        <p:style>
-          <a:lnRef idx="2">
-            <a:schemeClr val="accent1">
-              <a:shade val="50000"/>
-            </a:schemeClr>
-          </a:lnRef>
-          <a:fillRef idx="1">
-            <a:schemeClr val="accent1"/>
-          </a:fillRef>
-          <a:effectRef idx="0">
-            <a:schemeClr val="accent1"/>
-          </a:effectRef>
-          <a:fontRef idx="minor">
-            <a:schemeClr val="lt1"/>
-          </a:fontRef>
-        </p:style>
-        <p:txBody>
-          <a:bodyPr rtlCol="0" anchor="ctr"/>
-          <a:lstStyle/>
-          <a:p>
-            <a:endParaRPr lang="en-JP" sz="1400" dirty="0">
-              <a:solidFill>
-                <a:schemeClr val="accent3">
-                  <a:lumMod val="75000"/>
-                </a:schemeClr>
-              </a:solidFill>
-              <a:latin typeface="Roboto Medium" pitchFamily="2" charset="0"/>
-              <a:ea typeface="Roboto Medium" pitchFamily="2" charset="0"/>
-            </a:endParaRPr>
-          </a:p>
-        </p:txBody>
-      </p:sp>
-      <p:sp>
-        <p:nvSpPr>
-          <p:cNvPr id="59" name="Rounded Rectangle 58">
-            <a:extLst>
-              <a:ext uri="{FF2B5EF4-FFF2-40B4-BE49-F238E27FC236}">
-                <a16:creationId xmlns:a16="http://schemas.microsoft.com/office/drawing/2014/main" id="{0173032B-9AB0-4B42-8FC2-638D5DCDC8EF}"/>
-              </a:ext>
-            </a:extLst>
-          </p:cNvPr>
-          <p:cNvSpPr/>
-          <p:nvPr userDrawn="1"/>
-        </p:nvSpPr>
-        <p:spPr>
-          <a:xfrm>
-            <a:off x="4200334" y="5440111"/>
-            <a:ext cx="1668254" cy="368260"/>
-          </a:xfrm>
-          <a:prstGeom prst="roundRect">
-            <a:avLst>
-              <a:gd name="adj" fmla="val 15851"/>
-            </a:avLst>
-          </a:prstGeom>
-          <a:solidFill>
-            <a:schemeClr val="accent4">
-              <a:lumMod val="20000"/>
-              <a:lumOff val="80000"/>
-              <a:alpha val="15000"/>
-            </a:schemeClr>
-          </a:solidFill>
-          <a:ln>
-            <a:noFill/>
-          </a:ln>
-        </p:spPr>
-        <p:style>
-          <a:lnRef idx="2">
-            <a:schemeClr val="accent1">
-              <a:shade val="50000"/>
-            </a:schemeClr>
-          </a:lnRef>
-          <a:fillRef idx="1">
-            <a:schemeClr val="accent1"/>
-          </a:fillRef>
-          <a:effectRef idx="0">
-            <a:schemeClr val="accent1"/>
-          </a:effectRef>
-          <a:fontRef idx="minor">
-            <a:schemeClr val="lt1"/>
-          </a:fontRef>
-        </p:style>
-        <p:txBody>
-          <a:bodyPr rtlCol="0" anchor="ctr"/>
-          <a:lstStyle/>
-          <a:p>
-            <a:endParaRPr lang="en-JP" sz="1400" dirty="0">
-              <a:solidFill>
-                <a:schemeClr val="accent3">
-                  <a:lumMod val="75000"/>
-                </a:schemeClr>
-              </a:solidFill>
-              <a:latin typeface="Roboto Medium" pitchFamily="2" charset="0"/>
-              <a:ea typeface="Roboto Medium" pitchFamily="2" charset="0"/>
-            </a:endParaRPr>
-          </a:p>
-        </p:txBody>
-      </p:sp>
-      <p:sp>
-        <p:nvSpPr>
-          <p:cNvPr id="60" name="Rounded Rectangle 59">
-            <a:extLst>
-              <a:ext uri="{FF2B5EF4-FFF2-40B4-BE49-F238E27FC236}">
-                <a16:creationId xmlns:a16="http://schemas.microsoft.com/office/drawing/2014/main" id="{99B5CE9D-FA14-604C-A1E2-1F846F280F87}"/>
-              </a:ext>
-            </a:extLst>
-          </p:cNvPr>
-          <p:cNvSpPr/>
-          <p:nvPr userDrawn="1"/>
-        </p:nvSpPr>
-        <p:spPr>
-          <a:xfrm>
-            <a:off x="761241" y="5866332"/>
-            <a:ext cx="1668254" cy="368260"/>
-          </a:xfrm>
-          <a:prstGeom prst="roundRect">
-            <a:avLst>
-              <a:gd name="adj" fmla="val 15851"/>
-            </a:avLst>
-          </a:prstGeom>
-          <a:solidFill>
-            <a:schemeClr val="accent4">
-              <a:lumMod val="20000"/>
-              <a:lumOff val="80000"/>
-              <a:alpha val="15000"/>
-            </a:schemeClr>
-          </a:solidFill>
-          <a:ln>
-            <a:noFill/>
-          </a:ln>
-        </p:spPr>
-        <p:style>
-          <a:lnRef idx="2">
-            <a:schemeClr val="accent1">
-              <a:shade val="50000"/>
-            </a:schemeClr>
-          </a:lnRef>
-          <a:fillRef idx="1">
-            <a:schemeClr val="accent1"/>
-          </a:fillRef>
-          <a:effectRef idx="0">
-            <a:schemeClr val="accent1"/>
-          </a:effectRef>
-          <a:fontRef idx="minor">
-            <a:schemeClr val="lt1"/>
-          </a:fontRef>
-        </p:style>
-        <p:txBody>
-          <a:bodyPr rtlCol="0" anchor="ctr"/>
-          <a:lstStyle/>
-          <a:p>
-            <a:endParaRPr lang="en-JP" sz="1400" dirty="0">
-              <a:solidFill>
-                <a:schemeClr val="accent3">
-                  <a:lumMod val="75000"/>
-                </a:schemeClr>
-              </a:solidFill>
-              <a:latin typeface="Roboto Medium" pitchFamily="2" charset="0"/>
-              <a:ea typeface="Roboto Medium" pitchFamily="2" charset="0"/>
-            </a:endParaRPr>
-          </a:p>
-        </p:txBody>
-      </p:sp>
-      <p:sp>
-        <p:nvSpPr>
-          <p:cNvPr id="61" name="Rounded Rectangle 60">
-            <a:extLst>
-              <a:ext uri="{FF2B5EF4-FFF2-40B4-BE49-F238E27FC236}">
-                <a16:creationId xmlns:a16="http://schemas.microsoft.com/office/drawing/2014/main" id="{D4166FC0-2F00-C547-BC0D-3B10DC587B12}"/>
-              </a:ext>
-            </a:extLst>
-          </p:cNvPr>
-          <p:cNvSpPr/>
-          <p:nvPr userDrawn="1"/>
-        </p:nvSpPr>
-        <p:spPr>
-          <a:xfrm>
-            <a:off x="2483871" y="5859498"/>
-            <a:ext cx="1668254" cy="368260"/>
-          </a:xfrm>
-          <a:prstGeom prst="roundRect">
-            <a:avLst>
-              <a:gd name="adj" fmla="val 15851"/>
-            </a:avLst>
-          </a:prstGeom>
-          <a:solidFill>
-            <a:schemeClr val="accent4">
-              <a:lumMod val="20000"/>
-              <a:lumOff val="80000"/>
-              <a:alpha val="15000"/>
-            </a:schemeClr>
-          </a:solidFill>
-          <a:ln>
-            <a:noFill/>
-          </a:ln>
-        </p:spPr>
-        <p:style>
-          <a:lnRef idx="2">
-            <a:schemeClr val="accent1">
-              <a:shade val="50000"/>
-            </a:schemeClr>
-          </a:lnRef>
-          <a:fillRef idx="1">
-            <a:schemeClr val="accent1"/>
-          </a:fillRef>
-          <a:effectRef idx="0">
-            <a:schemeClr val="accent1"/>
-          </a:effectRef>
-          <a:fontRef idx="minor">
-            <a:schemeClr val="lt1"/>
-          </a:fontRef>
-        </p:style>
-        <p:txBody>
-          <a:bodyPr rtlCol="0" anchor="ctr"/>
-          <a:lstStyle/>
-          <a:p>
-            <a:endParaRPr lang="en-JP" sz="1400" dirty="0">
-              <a:solidFill>
-                <a:schemeClr val="accent3">
-                  <a:lumMod val="75000"/>
-                </a:schemeClr>
-              </a:solidFill>
-              <a:latin typeface="Roboto Medium" pitchFamily="2" charset="0"/>
-              <a:ea typeface="Roboto Medium" pitchFamily="2" charset="0"/>
-            </a:endParaRPr>
-          </a:p>
-        </p:txBody>
-      </p:sp>
-      <p:sp>
-        <p:nvSpPr>
-          <p:cNvPr id="62" name="Rounded Rectangle 61">
-            <a:extLst>
-              <a:ext uri="{FF2B5EF4-FFF2-40B4-BE49-F238E27FC236}">
-                <a16:creationId xmlns:a16="http://schemas.microsoft.com/office/drawing/2014/main" id="{4D60F518-5BE9-044D-B215-587AF0C6ADFA}"/>
-              </a:ext>
-            </a:extLst>
-          </p:cNvPr>
-          <p:cNvSpPr/>
-          <p:nvPr userDrawn="1"/>
-        </p:nvSpPr>
-        <p:spPr>
-          <a:xfrm>
-            <a:off x="4200334" y="5859498"/>
-            <a:ext cx="1668254" cy="368260"/>
-          </a:xfrm>
-          <a:prstGeom prst="roundRect">
-            <a:avLst>
-              <a:gd name="adj" fmla="val 15851"/>
-            </a:avLst>
-          </a:prstGeom>
-          <a:solidFill>
-            <a:schemeClr val="accent4">
-              <a:lumMod val="20000"/>
-              <a:lumOff val="80000"/>
-              <a:alpha val="15000"/>
-            </a:schemeClr>
-          </a:solidFill>
-          <a:ln>
-            <a:noFill/>
-          </a:ln>
-        </p:spPr>
-        <p:style>
-          <a:lnRef idx="2">
-            <a:schemeClr val="accent1">
-              <a:shade val="50000"/>
-            </a:schemeClr>
-          </a:lnRef>
-          <a:fillRef idx="1">
-            <a:schemeClr val="accent1"/>
-          </a:fillRef>
-          <a:effectRef idx="0">
-            <a:schemeClr val="accent1"/>
-          </a:effectRef>
-          <a:fontRef idx="minor">
-            <a:schemeClr val="lt1"/>
-          </a:fontRef>
-        </p:style>
-        <p:txBody>
-          <a:bodyPr rtlCol="0" anchor="ctr"/>
-          <a:lstStyle/>
-          <a:p>
-            <a:endParaRPr lang="en-JP" sz="1400" dirty="0">
-              <a:solidFill>
-                <a:schemeClr val="accent3">
-                  <a:lumMod val="75000"/>
-                </a:schemeClr>
-              </a:solidFill>
-              <a:latin typeface="Roboto Medium" pitchFamily="2" charset="0"/>
-              <a:ea typeface="Roboto Medium" pitchFamily="2" charset="0"/>
-            </a:endParaRPr>
-          </a:p>
-        </p:txBody>
-      </p:sp>
-      <p:sp>
-        <p:nvSpPr>
-          <p:cNvPr id="63" name="Rounded Rectangle 62">
-            <a:extLst>
-              <a:ext uri="{FF2B5EF4-FFF2-40B4-BE49-F238E27FC236}">
-                <a16:creationId xmlns:a16="http://schemas.microsoft.com/office/drawing/2014/main" id="{8F511C6F-EA8E-9440-94B3-ADA2DBE16564}"/>
-              </a:ext>
-            </a:extLst>
-          </p:cNvPr>
-          <p:cNvSpPr/>
-          <p:nvPr userDrawn="1"/>
-        </p:nvSpPr>
-        <p:spPr>
-          <a:xfrm>
-            <a:off x="6322841" y="5446945"/>
-            <a:ext cx="1668254" cy="368260"/>
-          </a:xfrm>
-          <a:prstGeom prst="roundRect">
-            <a:avLst>
-              <a:gd name="adj" fmla="val 15851"/>
-            </a:avLst>
-          </a:prstGeom>
-          <a:solidFill>
-            <a:schemeClr val="accent4">
-              <a:lumMod val="20000"/>
-              <a:lumOff val="80000"/>
-              <a:alpha val="15000"/>
-            </a:schemeClr>
-          </a:solidFill>
-          <a:ln>
-            <a:noFill/>
-          </a:ln>
-        </p:spPr>
-        <p:style>
-          <a:lnRef idx="2">
-            <a:schemeClr val="accent1">
-              <a:shade val="50000"/>
-            </a:schemeClr>
-          </a:lnRef>
-          <a:fillRef idx="1">
-            <a:schemeClr val="accent1"/>
-          </a:fillRef>
-          <a:effectRef idx="0">
-            <a:schemeClr val="accent1"/>
-          </a:effectRef>
-          <a:fontRef idx="minor">
-            <a:schemeClr val="lt1"/>
-          </a:fontRef>
-        </p:style>
-        <p:txBody>
-          <a:bodyPr rtlCol="0" anchor="ctr"/>
-          <a:lstStyle/>
-          <a:p>
-            <a:endParaRPr lang="en-JP" sz="1400" dirty="0">
-              <a:solidFill>
-                <a:schemeClr val="accent3">
-                  <a:lumMod val="75000"/>
-                </a:schemeClr>
-              </a:solidFill>
-              <a:latin typeface="Roboto Medium" pitchFamily="2" charset="0"/>
-              <a:ea typeface="Roboto Medium" pitchFamily="2" charset="0"/>
-            </a:endParaRPr>
-          </a:p>
-        </p:txBody>
-      </p:sp>
-      <p:sp>
-        <p:nvSpPr>
-          <p:cNvPr id="64" name="Rounded Rectangle 63">
-            <a:extLst>
-              <a:ext uri="{FF2B5EF4-FFF2-40B4-BE49-F238E27FC236}">
-                <a16:creationId xmlns:a16="http://schemas.microsoft.com/office/drawing/2014/main" id="{5A46021C-94D0-6040-9852-31752D425035}"/>
-              </a:ext>
-            </a:extLst>
-          </p:cNvPr>
-          <p:cNvSpPr/>
-          <p:nvPr userDrawn="1"/>
-        </p:nvSpPr>
-        <p:spPr>
-          <a:xfrm>
-            <a:off x="8045471" y="5440111"/>
-            <a:ext cx="1668254" cy="368260"/>
-          </a:xfrm>
-          <a:prstGeom prst="roundRect">
-            <a:avLst>
-              <a:gd name="adj" fmla="val 15851"/>
-            </a:avLst>
-          </a:prstGeom>
-          <a:solidFill>
-            <a:schemeClr val="accent4">
-              <a:lumMod val="20000"/>
-              <a:lumOff val="80000"/>
-              <a:alpha val="15000"/>
-            </a:schemeClr>
-          </a:solidFill>
-          <a:ln>
-            <a:noFill/>
-          </a:ln>
-        </p:spPr>
-        <p:style>
-          <a:lnRef idx="2">
-            <a:schemeClr val="accent1">
-              <a:shade val="50000"/>
-            </a:schemeClr>
-          </a:lnRef>
-          <a:fillRef idx="1">
-            <a:schemeClr val="accent1"/>
-          </a:fillRef>
-          <a:effectRef idx="0">
-            <a:schemeClr val="accent1"/>
-          </a:effectRef>
-          <a:fontRef idx="minor">
-            <a:schemeClr val="lt1"/>
-          </a:fontRef>
-        </p:style>
-        <p:txBody>
-          <a:bodyPr rtlCol="0" anchor="ctr"/>
-          <a:lstStyle/>
-          <a:p>
-            <a:endParaRPr lang="en-JP" sz="1400" dirty="0">
-              <a:solidFill>
-                <a:schemeClr val="accent3">
-                  <a:lumMod val="75000"/>
-                </a:schemeClr>
-              </a:solidFill>
-              <a:latin typeface="Roboto Medium" pitchFamily="2" charset="0"/>
-              <a:ea typeface="Roboto Medium" pitchFamily="2" charset="0"/>
-            </a:endParaRPr>
-          </a:p>
-        </p:txBody>
-      </p:sp>
-      <p:sp>
-        <p:nvSpPr>
-          <p:cNvPr id="65" name="Rounded Rectangle 64">
-            <a:extLst>
-              <a:ext uri="{FF2B5EF4-FFF2-40B4-BE49-F238E27FC236}">
-                <a16:creationId xmlns:a16="http://schemas.microsoft.com/office/drawing/2014/main" id="{AFE5C211-8229-8442-8703-A586C6922633}"/>
-              </a:ext>
-            </a:extLst>
-          </p:cNvPr>
-          <p:cNvSpPr/>
-          <p:nvPr userDrawn="1"/>
-        </p:nvSpPr>
-        <p:spPr>
-          <a:xfrm>
-            <a:off x="9761934" y="5440111"/>
-            <a:ext cx="1668254" cy="368260"/>
-          </a:xfrm>
-          <a:prstGeom prst="roundRect">
-            <a:avLst>
-              <a:gd name="adj" fmla="val 15851"/>
-            </a:avLst>
-          </a:prstGeom>
-          <a:solidFill>
-            <a:schemeClr val="accent4">
-              <a:lumMod val="20000"/>
-              <a:lumOff val="80000"/>
-              <a:alpha val="15000"/>
-            </a:schemeClr>
-          </a:solidFill>
-          <a:ln>
-            <a:noFill/>
-          </a:ln>
-        </p:spPr>
-        <p:style>
-          <a:lnRef idx="2">
-            <a:schemeClr val="accent1">
-              <a:shade val="50000"/>
-            </a:schemeClr>
-          </a:lnRef>
-          <a:fillRef idx="1">
-            <a:schemeClr val="accent1"/>
-          </a:fillRef>
-          <a:effectRef idx="0">
-            <a:schemeClr val="accent1"/>
-          </a:effectRef>
-          <a:fontRef idx="minor">
-            <a:schemeClr val="lt1"/>
-          </a:fontRef>
-        </p:style>
-        <p:txBody>
-          <a:bodyPr rtlCol="0" anchor="ctr"/>
-          <a:lstStyle/>
-          <a:p>
-            <a:endParaRPr lang="en-JP" sz="1400" dirty="0">
-              <a:solidFill>
-                <a:schemeClr val="accent3">
-                  <a:lumMod val="75000"/>
-                </a:schemeClr>
-              </a:solidFill>
-              <a:latin typeface="Roboto Medium" pitchFamily="2" charset="0"/>
-              <a:ea typeface="Roboto Medium" pitchFamily="2" charset="0"/>
-            </a:endParaRPr>
-          </a:p>
-        </p:txBody>
-      </p:sp>
-      <p:sp>
-        <p:nvSpPr>
-          <p:cNvPr id="66" name="Rounded Rectangle 65">
-            <a:extLst>
-              <a:ext uri="{FF2B5EF4-FFF2-40B4-BE49-F238E27FC236}">
-                <a16:creationId xmlns:a16="http://schemas.microsoft.com/office/drawing/2014/main" id="{AE25E6F4-42FF-FE45-B701-2D2E9F8001AC}"/>
-              </a:ext>
-            </a:extLst>
-          </p:cNvPr>
-          <p:cNvSpPr/>
-          <p:nvPr userDrawn="1"/>
-        </p:nvSpPr>
-        <p:spPr>
-          <a:xfrm>
-            <a:off x="6322841" y="5866332"/>
-            <a:ext cx="1668254" cy="368260"/>
-          </a:xfrm>
-          <a:prstGeom prst="roundRect">
-            <a:avLst>
-              <a:gd name="adj" fmla="val 15851"/>
-            </a:avLst>
-          </a:prstGeom>
-          <a:solidFill>
-            <a:schemeClr val="accent4">
-              <a:lumMod val="20000"/>
-              <a:lumOff val="80000"/>
-              <a:alpha val="15000"/>
-            </a:schemeClr>
-          </a:solidFill>
-          <a:ln>
-            <a:noFill/>
-          </a:ln>
-        </p:spPr>
-        <p:style>
-          <a:lnRef idx="2">
-            <a:schemeClr val="accent1">
-              <a:shade val="50000"/>
-            </a:schemeClr>
-          </a:lnRef>
-          <a:fillRef idx="1">
-            <a:schemeClr val="accent1"/>
-          </a:fillRef>
-          <a:effectRef idx="0">
-            <a:schemeClr val="accent1"/>
-          </a:effectRef>
-          <a:fontRef idx="minor">
-            <a:schemeClr val="lt1"/>
-          </a:fontRef>
-        </p:style>
-        <p:txBody>
-          <a:bodyPr rtlCol="0" anchor="ctr"/>
-          <a:lstStyle/>
-          <a:p>
-            <a:endParaRPr lang="en-JP" sz="1400" dirty="0">
-              <a:solidFill>
-                <a:schemeClr val="accent3">
-                  <a:lumMod val="75000"/>
-                </a:schemeClr>
-              </a:solidFill>
-              <a:latin typeface="Roboto Medium" pitchFamily="2" charset="0"/>
-              <a:ea typeface="Roboto Medium" pitchFamily="2" charset="0"/>
-            </a:endParaRPr>
-          </a:p>
-        </p:txBody>
-      </p:sp>
-      <p:sp>
-        <p:nvSpPr>
-          <p:cNvPr id="67" name="Rounded Rectangle 66">
-            <a:extLst>
-              <a:ext uri="{FF2B5EF4-FFF2-40B4-BE49-F238E27FC236}">
-                <a16:creationId xmlns:a16="http://schemas.microsoft.com/office/drawing/2014/main" id="{7B1D2207-4032-DA4C-B764-C4FFCF8DA347}"/>
-              </a:ext>
-            </a:extLst>
-          </p:cNvPr>
-          <p:cNvSpPr/>
-          <p:nvPr userDrawn="1"/>
-        </p:nvSpPr>
-        <p:spPr>
-          <a:xfrm>
-            <a:off x="8045471" y="5859498"/>
-            <a:ext cx="1668254" cy="368260"/>
-          </a:xfrm>
-          <a:prstGeom prst="roundRect">
-            <a:avLst>
-              <a:gd name="adj" fmla="val 15851"/>
-            </a:avLst>
-          </a:prstGeom>
-          <a:solidFill>
-            <a:schemeClr val="accent4">
-              <a:lumMod val="20000"/>
-              <a:lumOff val="80000"/>
-              <a:alpha val="15000"/>
-            </a:schemeClr>
-          </a:solidFill>
-          <a:ln>
-            <a:noFill/>
-          </a:ln>
-        </p:spPr>
-        <p:style>
-          <a:lnRef idx="2">
-            <a:schemeClr val="accent1">
-              <a:shade val="50000"/>
-            </a:schemeClr>
-          </a:lnRef>
-          <a:fillRef idx="1">
-            <a:schemeClr val="accent1"/>
-          </a:fillRef>
-          <a:effectRef idx="0">
-            <a:schemeClr val="accent1"/>
-          </a:effectRef>
-          <a:fontRef idx="minor">
-            <a:schemeClr val="lt1"/>
-          </a:fontRef>
-        </p:style>
-        <p:txBody>
-          <a:bodyPr rtlCol="0" anchor="ctr"/>
-          <a:lstStyle/>
-          <a:p>
-            <a:endParaRPr lang="en-JP" sz="1400" dirty="0">
-              <a:solidFill>
-                <a:schemeClr val="accent3">
-                  <a:lumMod val="75000"/>
-                </a:schemeClr>
-              </a:solidFill>
-              <a:latin typeface="Roboto Medium" pitchFamily="2" charset="0"/>
-              <a:ea typeface="Roboto Medium" pitchFamily="2" charset="0"/>
-            </a:endParaRPr>
-          </a:p>
-        </p:txBody>
-      </p:sp>
-      <p:sp>
-        <p:nvSpPr>
-          <p:cNvPr id="68" name="Rounded Rectangle 67">
-            <a:extLst>
-              <a:ext uri="{FF2B5EF4-FFF2-40B4-BE49-F238E27FC236}">
-                <a16:creationId xmlns:a16="http://schemas.microsoft.com/office/drawing/2014/main" id="{29595919-A54C-CF49-A107-4BC9C93AA2E2}"/>
-              </a:ext>
-            </a:extLst>
-          </p:cNvPr>
-          <p:cNvSpPr/>
-          <p:nvPr userDrawn="1"/>
-        </p:nvSpPr>
-        <p:spPr>
-          <a:xfrm>
-            <a:off x="9761934" y="5859498"/>
-            <a:ext cx="1668254" cy="368260"/>
-          </a:xfrm>
-          <a:prstGeom prst="roundRect">
-            <a:avLst>
-              <a:gd name="adj" fmla="val 15851"/>
-            </a:avLst>
-          </a:prstGeom>
-          <a:solidFill>
-            <a:schemeClr val="accent4">
-              <a:lumMod val="20000"/>
-              <a:lumOff val="80000"/>
-              <a:alpha val="15000"/>
-            </a:schemeClr>
-          </a:solidFill>
-          <a:ln>
-            <a:noFill/>
-          </a:ln>
-        </p:spPr>
-        <p:style>
-          <a:lnRef idx="2">
-            <a:schemeClr val="accent1">
-              <a:shade val="50000"/>
-            </a:schemeClr>
-          </a:lnRef>
-          <a:fillRef idx="1">
-            <a:schemeClr val="accent1"/>
-          </a:fillRef>
-          <a:effectRef idx="0">
-            <a:schemeClr val="accent1"/>
-          </a:effectRef>
-          <a:fontRef idx="minor">
-            <a:schemeClr val="lt1"/>
-          </a:fontRef>
-        </p:style>
-        <p:txBody>
-          <a:bodyPr rtlCol="0" anchor="ctr"/>
-          <a:lstStyle/>
-          <a:p>
-            <a:endParaRPr lang="en-JP" sz="1400" dirty="0">
-              <a:solidFill>
-                <a:schemeClr val="accent3">
-                  <a:lumMod val="75000"/>
-                </a:schemeClr>
-              </a:solidFill>
-              <a:latin typeface="Roboto Medium" pitchFamily="2" charset="0"/>
-              <a:ea typeface="Roboto Medium" pitchFamily="2" charset="0"/>
-            </a:endParaRPr>
-          </a:p>
-        </p:txBody>
-      </p:sp>
-      <p:sp>
-        <p:nvSpPr>
-          <p:cNvPr id="69" name="Text Placeholder 13">
-            <a:extLst>
-              <a:ext uri="{FF2B5EF4-FFF2-40B4-BE49-F238E27FC236}">
-                <a16:creationId xmlns:a16="http://schemas.microsoft.com/office/drawing/2014/main" id="{CF0778CA-7312-D740-AF33-0396D42526AC}"/>
-              </a:ext>
-            </a:extLst>
-          </p:cNvPr>
-          <p:cNvSpPr>
-            <a:spLocks noGrp="1"/>
-          </p:cNvSpPr>
-          <p:nvPr>
-            <p:ph type="body" sz="quarter" idx="22" hasCustomPrompt="1"/>
-          </p:nvPr>
-        </p:nvSpPr>
-        <p:spPr>
-          <a:xfrm>
-            <a:off x="761241" y="5502485"/>
-            <a:ext cx="1668254" cy="276999"/>
-          </a:xfrm>
-          <a:prstGeom prst="rect">
-            <a:avLst/>
-          </a:prstGeom>
-        </p:spPr>
-        <p:txBody>
-          <a:bodyPr anchor="ctr"/>
-          <a:lstStyle>
-            <a:lvl1pPr marL="0" indent="0" algn="l">
-              <a:buNone/>
-              <a:defRPr sz="1400" b="0" i="0">
-                <a:solidFill>
-                  <a:schemeClr val="accent4">
-                    <a:lumMod val="60000"/>
-                    <a:lumOff val="40000"/>
-                  </a:schemeClr>
-                </a:solidFill>
-                <a:latin typeface="Roboto Medium" pitchFamily="2" charset="0"/>
-                <a:ea typeface="Roboto Medium" pitchFamily="2" charset="0"/>
-              </a:defRPr>
-            </a:lvl1pPr>
-          </a:lstStyle>
-          <a:p>
-            <a:pPr lvl="0"/>
-            <a:r>
-              <a:rPr lang="en-US" altLang="zh-CN" dirty="0"/>
-              <a:t>Verb</a:t>
-            </a:r>
-            <a:endParaRPr lang="en-JP" dirty="0"/>
-          </a:p>
-        </p:txBody>
-      </p:sp>
-      <p:sp>
-        <p:nvSpPr>
-          <p:cNvPr id="70" name="Text Placeholder 13">
-            <a:extLst>
-              <a:ext uri="{FF2B5EF4-FFF2-40B4-BE49-F238E27FC236}">
-                <a16:creationId xmlns:a16="http://schemas.microsoft.com/office/drawing/2014/main" id="{1ACFB67E-3823-484C-A11B-857A6E1644DB}"/>
-              </a:ext>
-            </a:extLst>
-          </p:cNvPr>
-          <p:cNvSpPr>
-            <a:spLocks noGrp="1"/>
-          </p:cNvSpPr>
-          <p:nvPr>
-            <p:ph type="body" sz="quarter" idx="23" hasCustomPrompt="1"/>
-          </p:nvPr>
-        </p:nvSpPr>
-        <p:spPr>
-          <a:xfrm>
-            <a:off x="2495698" y="5502485"/>
-            <a:ext cx="1668254" cy="276999"/>
-          </a:xfrm>
-          <a:prstGeom prst="rect">
-            <a:avLst/>
-          </a:prstGeom>
-        </p:spPr>
-        <p:txBody>
-          <a:bodyPr anchor="ctr"/>
-          <a:lstStyle>
-            <a:lvl1pPr marL="0" indent="0" algn="l">
-              <a:buNone/>
-              <a:defRPr sz="1400" b="0" i="0">
-                <a:solidFill>
-                  <a:schemeClr val="accent3">
-                    <a:lumMod val="75000"/>
-                  </a:schemeClr>
-                </a:solidFill>
-                <a:latin typeface="Roboto Medium" pitchFamily="2" charset="0"/>
-                <a:ea typeface="Roboto Medium" pitchFamily="2" charset="0"/>
-              </a:defRPr>
-            </a:lvl1pPr>
-          </a:lstStyle>
-          <a:p>
-            <a:pPr lvl="0"/>
-            <a:r>
-              <a:rPr lang="en-US" altLang="zh-CN" dirty="0"/>
-              <a:t>Original</a:t>
-            </a:r>
-            <a:endParaRPr lang="en-JP" dirty="0"/>
-          </a:p>
-        </p:txBody>
-      </p:sp>
-      <p:sp>
-        <p:nvSpPr>
-          <p:cNvPr id="71" name="Text Placeholder 13">
-            <a:extLst>
-              <a:ext uri="{FF2B5EF4-FFF2-40B4-BE49-F238E27FC236}">
-                <a16:creationId xmlns:a16="http://schemas.microsoft.com/office/drawing/2014/main" id="{53C50639-26DB-C84C-A2CA-523B68015D46}"/>
-              </a:ext>
-            </a:extLst>
-          </p:cNvPr>
-          <p:cNvSpPr>
-            <a:spLocks noGrp="1"/>
-          </p:cNvSpPr>
-          <p:nvPr>
-            <p:ph type="body" sz="quarter" idx="24" hasCustomPrompt="1"/>
-          </p:nvPr>
-        </p:nvSpPr>
-        <p:spPr>
-          <a:xfrm>
-            <a:off x="4215641" y="5502485"/>
-            <a:ext cx="1668254" cy="276999"/>
-          </a:xfrm>
-          <a:prstGeom prst="rect">
-            <a:avLst/>
-          </a:prstGeom>
-        </p:spPr>
-        <p:txBody>
-          <a:bodyPr anchor="ctr"/>
-          <a:lstStyle>
-            <a:lvl1pPr marL="0" indent="0" algn="l">
-              <a:buNone/>
-              <a:defRPr sz="1200" b="0" i="0">
-                <a:solidFill>
-                  <a:schemeClr val="accent3">
-                    <a:lumMod val="75000"/>
-                  </a:schemeClr>
-                </a:solidFill>
-                <a:latin typeface="PingFang SC" panose="020B0400000000000000" pitchFamily="34" charset="-122"/>
-                <a:ea typeface="PingFang SC" panose="020B0400000000000000" pitchFamily="34" charset="-122"/>
-              </a:defRPr>
-            </a:lvl1pPr>
-          </a:lstStyle>
-          <a:p>
-            <a:pPr lvl="0"/>
-            <a:r>
-              <a:rPr lang="zh-CN" altLang="en-US" dirty="0"/>
-              <a:t>变化</a:t>
-            </a:r>
-            <a:endParaRPr lang="en-JP" dirty="0"/>
-          </a:p>
-        </p:txBody>
-      </p:sp>
-      <p:sp>
-        <p:nvSpPr>
-          <p:cNvPr id="72" name="Text Placeholder 13">
-            <a:extLst>
-              <a:ext uri="{FF2B5EF4-FFF2-40B4-BE49-F238E27FC236}">
-                <a16:creationId xmlns:a16="http://schemas.microsoft.com/office/drawing/2014/main" id="{9E831094-EC70-6045-81B8-0C1D2371DC96}"/>
-              </a:ext>
-            </a:extLst>
-          </p:cNvPr>
-          <p:cNvSpPr>
-            <a:spLocks noGrp="1"/>
-          </p:cNvSpPr>
-          <p:nvPr>
-            <p:ph type="body" sz="quarter" idx="25" hasCustomPrompt="1"/>
-          </p:nvPr>
-        </p:nvSpPr>
-        <p:spPr>
-          <a:xfrm>
-            <a:off x="6330266" y="5502485"/>
-            <a:ext cx="1668254" cy="276999"/>
-          </a:xfrm>
-          <a:prstGeom prst="rect">
-            <a:avLst/>
-          </a:prstGeom>
-        </p:spPr>
-        <p:txBody>
-          <a:bodyPr anchor="ctr"/>
-          <a:lstStyle>
-            <a:lvl1pPr marL="0" indent="0" algn="l">
-              <a:buNone/>
-              <a:defRPr sz="1400" b="0" i="0">
-                <a:solidFill>
-                  <a:schemeClr val="accent4">
-                    <a:lumMod val="60000"/>
-                    <a:lumOff val="40000"/>
-                  </a:schemeClr>
-                </a:solidFill>
-                <a:latin typeface="Roboto Medium" pitchFamily="2" charset="0"/>
-                <a:ea typeface="Roboto Medium" pitchFamily="2" charset="0"/>
-              </a:defRPr>
-            </a:lvl1pPr>
-          </a:lstStyle>
-          <a:p>
-            <a:pPr lvl="0"/>
-            <a:r>
-              <a:rPr lang="en-US" altLang="zh-CN" dirty="0"/>
-              <a:t>Verb</a:t>
-            </a:r>
-            <a:endParaRPr lang="en-JP" dirty="0"/>
-          </a:p>
-        </p:txBody>
-      </p:sp>
-      <p:sp>
-        <p:nvSpPr>
-          <p:cNvPr id="73" name="Text Placeholder 13">
-            <a:extLst>
-              <a:ext uri="{FF2B5EF4-FFF2-40B4-BE49-F238E27FC236}">
-                <a16:creationId xmlns:a16="http://schemas.microsoft.com/office/drawing/2014/main" id="{50E9B3C1-5FBE-F04A-AB81-D4C2330935D1}"/>
-              </a:ext>
-            </a:extLst>
-          </p:cNvPr>
-          <p:cNvSpPr>
-            <a:spLocks noGrp="1"/>
-          </p:cNvSpPr>
-          <p:nvPr>
-            <p:ph type="body" sz="quarter" idx="26" hasCustomPrompt="1"/>
-          </p:nvPr>
-        </p:nvSpPr>
-        <p:spPr>
-          <a:xfrm>
-            <a:off x="8064723" y="5502485"/>
-            <a:ext cx="1668254" cy="276999"/>
-          </a:xfrm>
-          <a:prstGeom prst="rect">
-            <a:avLst/>
-          </a:prstGeom>
-        </p:spPr>
-        <p:txBody>
-          <a:bodyPr anchor="ctr"/>
-          <a:lstStyle>
-            <a:lvl1pPr marL="0" indent="0" algn="l">
-              <a:buNone/>
-              <a:defRPr sz="1400" b="0" i="0">
-                <a:solidFill>
-                  <a:schemeClr val="accent3">
-                    <a:lumMod val="75000"/>
-                  </a:schemeClr>
-                </a:solidFill>
-                <a:latin typeface="Roboto Medium" pitchFamily="2" charset="0"/>
-                <a:ea typeface="Roboto Medium" pitchFamily="2" charset="0"/>
-              </a:defRPr>
-            </a:lvl1pPr>
-          </a:lstStyle>
-          <a:p>
-            <a:pPr lvl="0"/>
-            <a:r>
-              <a:rPr lang="en-US" altLang="zh-CN" dirty="0"/>
-              <a:t>Original</a:t>
-            </a:r>
-            <a:endParaRPr lang="en-JP" dirty="0"/>
-          </a:p>
-        </p:txBody>
-      </p:sp>
-      <p:sp>
-        <p:nvSpPr>
-          <p:cNvPr id="74" name="Text Placeholder 13">
-            <a:extLst>
-              <a:ext uri="{FF2B5EF4-FFF2-40B4-BE49-F238E27FC236}">
-                <a16:creationId xmlns:a16="http://schemas.microsoft.com/office/drawing/2014/main" id="{91B055D9-BA28-5749-A4B5-46843B254037}"/>
-              </a:ext>
-            </a:extLst>
-          </p:cNvPr>
-          <p:cNvSpPr>
-            <a:spLocks noGrp="1"/>
-          </p:cNvSpPr>
-          <p:nvPr>
-            <p:ph type="body" sz="quarter" idx="27" hasCustomPrompt="1"/>
-          </p:nvPr>
-        </p:nvSpPr>
-        <p:spPr>
-          <a:xfrm>
-            <a:off x="9784666" y="5502485"/>
-            <a:ext cx="1668254" cy="276999"/>
-          </a:xfrm>
-          <a:prstGeom prst="rect">
-            <a:avLst/>
-          </a:prstGeom>
-        </p:spPr>
-        <p:txBody>
-          <a:bodyPr anchor="ctr"/>
-          <a:lstStyle>
-            <a:lvl1pPr marL="0" indent="0" algn="l">
-              <a:buNone/>
-              <a:defRPr sz="1200" b="0" i="0">
-                <a:solidFill>
-                  <a:schemeClr val="accent3">
-                    <a:lumMod val="75000"/>
-                  </a:schemeClr>
-                </a:solidFill>
-                <a:latin typeface="PingFang SC" panose="020B0400000000000000" pitchFamily="34" charset="-122"/>
-                <a:ea typeface="PingFang SC" panose="020B0400000000000000" pitchFamily="34" charset="-122"/>
-              </a:defRPr>
-            </a:lvl1pPr>
-          </a:lstStyle>
-          <a:p>
-            <a:pPr lvl="0"/>
-            <a:r>
-              <a:rPr lang="zh-CN" altLang="en-US" dirty="0"/>
-              <a:t>变化</a:t>
-            </a:r>
-            <a:endParaRPr lang="en-JP" dirty="0"/>
-          </a:p>
-        </p:txBody>
-      </p:sp>
-      <p:sp>
-        <p:nvSpPr>
-          <p:cNvPr id="75" name="Text Placeholder 13">
-            <a:extLst>
-              <a:ext uri="{FF2B5EF4-FFF2-40B4-BE49-F238E27FC236}">
-                <a16:creationId xmlns:a16="http://schemas.microsoft.com/office/drawing/2014/main" id="{738166EF-86A4-F648-BBB9-D756F6DA544A}"/>
-              </a:ext>
-            </a:extLst>
-          </p:cNvPr>
-          <p:cNvSpPr>
-            <a:spLocks noGrp="1"/>
-          </p:cNvSpPr>
-          <p:nvPr>
-            <p:ph type="body" sz="quarter" idx="28" hasCustomPrompt="1"/>
-          </p:nvPr>
-        </p:nvSpPr>
-        <p:spPr>
-          <a:xfrm>
-            <a:off x="761241" y="5923812"/>
-            <a:ext cx="1668254" cy="276999"/>
-          </a:xfrm>
-          <a:prstGeom prst="rect">
-            <a:avLst/>
-          </a:prstGeom>
-        </p:spPr>
-        <p:txBody>
-          <a:bodyPr anchor="ctr"/>
-          <a:lstStyle>
-            <a:lvl1pPr marL="0" indent="0" algn="l">
-              <a:buNone/>
-              <a:defRPr sz="1400" b="0" i="0">
-                <a:solidFill>
-                  <a:schemeClr val="accent4">
-                    <a:lumMod val="60000"/>
-                    <a:lumOff val="40000"/>
-                  </a:schemeClr>
-                </a:solidFill>
-                <a:latin typeface="Roboto Medium" pitchFamily="2" charset="0"/>
-                <a:ea typeface="Roboto Medium" pitchFamily="2" charset="0"/>
-              </a:defRPr>
-            </a:lvl1pPr>
-          </a:lstStyle>
-          <a:p>
-            <a:pPr lvl="0"/>
-            <a:r>
-              <a:rPr lang="en-US" altLang="zh-CN" dirty="0"/>
-              <a:t>Verb</a:t>
-            </a:r>
-            <a:endParaRPr lang="en-JP" dirty="0"/>
-          </a:p>
-        </p:txBody>
-      </p:sp>
-      <p:sp>
-        <p:nvSpPr>
-          <p:cNvPr id="76" name="Text Placeholder 13">
-            <a:extLst>
-              <a:ext uri="{FF2B5EF4-FFF2-40B4-BE49-F238E27FC236}">
-                <a16:creationId xmlns:a16="http://schemas.microsoft.com/office/drawing/2014/main" id="{A652CE7D-8181-4E44-8C50-1C30861D0A4B}"/>
-              </a:ext>
-            </a:extLst>
-          </p:cNvPr>
-          <p:cNvSpPr>
-            <a:spLocks noGrp="1"/>
-          </p:cNvSpPr>
-          <p:nvPr>
-            <p:ph type="body" sz="quarter" idx="29" hasCustomPrompt="1"/>
-          </p:nvPr>
-        </p:nvSpPr>
-        <p:spPr>
-          <a:xfrm>
-            <a:off x="2495698" y="5923812"/>
-            <a:ext cx="1668254" cy="276999"/>
-          </a:xfrm>
-          <a:prstGeom prst="rect">
-            <a:avLst/>
-          </a:prstGeom>
-        </p:spPr>
-        <p:txBody>
-          <a:bodyPr anchor="ctr"/>
-          <a:lstStyle>
-            <a:lvl1pPr marL="0" indent="0" algn="l">
-              <a:buNone/>
-              <a:defRPr sz="1400" b="0" i="0">
-                <a:solidFill>
-                  <a:schemeClr val="accent3">
-                    <a:lumMod val="75000"/>
-                  </a:schemeClr>
-                </a:solidFill>
-                <a:latin typeface="Roboto Medium" pitchFamily="2" charset="0"/>
-                <a:ea typeface="Roboto Medium" pitchFamily="2" charset="0"/>
-              </a:defRPr>
-            </a:lvl1pPr>
-          </a:lstStyle>
-          <a:p>
-            <a:pPr lvl="0"/>
-            <a:r>
-              <a:rPr lang="en-US" altLang="zh-CN" dirty="0"/>
-              <a:t>Original</a:t>
-            </a:r>
-            <a:endParaRPr lang="en-JP" dirty="0"/>
-          </a:p>
-        </p:txBody>
-      </p:sp>
-      <p:sp>
-        <p:nvSpPr>
-          <p:cNvPr id="77" name="Text Placeholder 13">
-            <a:extLst>
-              <a:ext uri="{FF2B5EF4-FFF2-40B4-BE49-F238E27FC236}">
-                <a16:creationId xmlns:a16="http://schemas.microsoft.com/office/drawing/2014/main" id="{7420AE84-D307-E54D-AE0A-0E822A0E1377}"/>
-              </a:ext>
-            </a:extLst>
-          </p:cNvPr>
-          <p:cNvSpPr>
-            <a:spLocks noGrp="1"/>
-          </p:cNvSpPr>
-          <p:nvPr>
-            <p:ph type="body" sz="quarter" idx="30" hasCustomPrompt="1"/>
-          </p:nvPr>
-        </p:nvSpPr>
-        <p:spPr>
-          <a:xfrm>
-            <a:off x="4215641" y="5923812"/>
-            <a:ext cx="1668254" cy="276999"/>
-          </a:xfrm>
-          <a:prstGeom prst="rect">
-            <a:avLst/>
-          </a:prstGeom>
-        </p:spPr>
-        <p:txBody>
-          <a:bodyPr anchor="ctr"/>
-          <a:lstStyle>
-            <a:lvl1pPr marL="0" indent="0" algn="l">
-              <a:buNone/>
-              <a:defRPr sz="1200" b="0" i="0">
-                <a:solidFill>
-                  <a:schemeClr val="accent3">
-                    <a:lumMod val="75000"/>
-                  </a:schemeClr>
-                </a:solidFill>
-                <a:latin typeface="PingFang SC" panose="020B0400000000000000" pitchFamily="34" charset="-122"/>
-                <a:ea typeface="PingFang SC" panose="020B0400000000000000" pitchFamily="34" charset="-122"/>
-              </a:defRPr>
-            </a:lvl1pPr>
-          </a:lstStyle>
-          <a:p>
-            <a:pPr lvl="0"/>
-            <a:r>
-              <a:rPr lang="zh-CN" altLang="en-US" dirty="0"/>
-              <a:t>变化</a:t>
-            </a:r>
-            <a:endParaRPr lang="en-JP" dirty="0"/>
-          </a:p>
-        </p:txBody>
-      </p:sp>
-      <p:sp>
-        <p:nvSpPr>
-          <p:cNvPr id="78" name="Text Placeholder 13">
-            <a:extLst>
-              <a:ext uri="{FF2B5EF4-FFF2-40B4-BE49-F238E27FC236}">
-                <a16:creationId xmlns:a16="http://schemas.microsoft.com/office/drawing/2014/main" id="{3177B6B8-C8F0-694F-AEA0-35784C5DD125}"/>
-              </a:ext>
-            </a:extLst>
-          </p:cNvPr>
-          <p:cNvSpPr>
-            <a:spLocks noGrp="1"/>
-          </p:cNvSpPr>
-          <p:nvPr>
-            <p:ph type="body" sz="quarter" idx="31" hasCustomPrompt="1"/>
-          </p:nvPr>
-        </p:nvSpPr>
-        <p:spPr>
-          <a:xfrm>
-            <a:off x="6320213" y="5923812"/>
-            <a:ext cx="1668254" cy="276999"/>
-          </a:xfrm>
-          <a:prstGeom prst="rect">
-            <a:avLst/>
-          </a:prstGeom>
-        </p:spPr>
-        <p:txBody>
-          <a:bodyPr anchor="ctr"/>
-          <a:lstStyle>
-            <a:lvl1pPr marL="0" indent="0" algn="l">
-              <a:buNone/>
-              <a:defRPr sz="1400" b="0" i="0">
-                <a:solidFill>
-                  <a:schemeClr val="accent4">
-                    <a:lumMod val="60000"/>
-                    <a:lumOff val="40000"/>
-                  </a:schemeClr>
-                </a:solidFill>
-                <a:latin typeface="Roboto Medium" pitchFamily="2" charset="0"/>
-                <a:ea typeface="Roboto Medium" pitchFamily="2" charset="0"/>
-              </a:defRPr>
-            </a:lvl1pPr>
-          </a:lstStyle>
-          <a:p>
-            <a:pPr lvl="0"/>
-            <a:r>
-              <a:rPr lang="en-US" altLang="zh-CN" dirty="0"/>
-              <a:t>Verb</a:t>
-            </a:r>
-            <a:endParaRPr lang="en-JP" dirty="0"/>
-          </a:p>
-        </p:txBody>
-      </p:sp>
-      <p:sp>
-        <p:nvSpPr>
-          <p:cNvPr id="79" name="Text Placeholder 13">
-            <a:extLst>
-              <a:ext uri="{FF2B5EF4-FFF2-40B4-BE49-F238E27FC236}">
-                <a16:creationId xmlns:a16="http://schemas.microsoft.com/office/drawing/2014/main" id="{75859DCC-B835-9040-A60D-BB0FD7DDB42C}"/>
-              </a:ext>
-            </a:extLst>
-          </p:cNvPr>
-          <p:cNvSpPr>
-            <a:spLocks noGrp="1"/>
-          </p:cNvSpPr>
-          <p:nvPr>
-            <p:ph type="body" sz="quarter" idx="32" hasCustomPrompt="1"/>
-          </p:nvPr>
-        </p:nvSpPr>
-        <p:spPr>
-          <a:xfrm>
-            <a:off x="8054670" y="5923812"/>
-            <a:ext cx="1668254" cy="276999"/>
-          </a:xfrm>
-          <a:prstGeom prst="rect">
-            <a:avLst/>
-          </a:prstGeom>
-        </p:spPr>
-        <p:txBody>
-          <a:bodyPr anchor="ctr"/>
-          <a:lstStyle>
-            <a:lvl1pPr marL="0" indent="0" algn="l">
-              <a:buNone/>
-              <a:defRPr sz="1400" b="0" i="0">
-                <a:solidFill>
-                  <a:schemeClr val="accent3">
-                    <a:lumMod val="75000"/>
-                  </a:schemeClr>
-                </a:solidFill>
-                <a:latin typeface="Roboto Medium" pitchFamily="2" charset="0"/>
-                <a:ea typeface="Roboto Medium" pitchFamily="2" charset="0"/>
-              </a:defRPr>
-            </a:lvl1pPr>
-          </a:lstStyle>
-          <a:p>
-            <a:pPr lvl="0"/>
-            <a:r>
-              <a:rPr lang="en-US" altLang="zh-CN" dirty="0"/>
-              <a:t>Original</a:t>
-            </a:r>
-            <a:endParaRPr lang="en-JP" dirty="0"/>
-          </a:p>
-        </p:txBody>
-      </p:sp>
-      <p:sp>
-        <p:nvSpPr>
-          <p:cNvPr id="80" name="Text Placeholder 13">
-            <a:extLst>
-              <a:ext uri="{FF2B5EF4-FFF2-40B4-BE49-F238E27FC236}">
-                <a16:creationId xmlns:a16="http://schemas.microsoft.com/office/drawing/2014/main" id="{E27C008B-00CB-784E-B22C-4AB49C7056F8}"/>
-              </a:ext>
-            </a:extLst>
-          </p:cNvPr>
-          <p:cNvSpPr>
-            <a:spLocks noGrp="1"/>
-          </p:cNvSpPr>
-          <p:nvPr>
-            <p:ph type="body" sz="quarter" idx="33" hasCustomPrompt="1"/>
-          </p:nvPr>
-        </p:nvSpPr>
-        <p:spPr>
-          <a:xfrm>
-            <a:off x="9774613" y="5923812"/>
-            <a:ext cx="1668254" cy="276999"/>
-          </a:xfrm>
-          <a:prstGeom prst="rect">
-            <a:avLst/>
-          </a:prstGeom>
-        </p:spPr>
-        <p:txBody>
-          <a:bodyPr anchor="ctr"/>
-          <a:lstStyle>
-            <a:lvl1pPr marL="0" indent="0" algn="l">
-              <a:buNone/>
-              <a:defRPr sz="1200" b="0" i="0">
-                <a:solidFill>
-                  <a:schemeClr val="accent3">
-                    <a:lumMod val="75000"/>
-                  </a:schemeClr>
-                </a:solidFill>
-                <a:latin typeface="PingFang SC" panose="020B0400000000000000" pitchFamily="34" charset="-122"/>
-                <a:ea typeface="PingFang SC" panose="020B0400000000000000" pitchFamily="34" charset="-122"/>
-              </a:defRPr>
-            </a:lvl1pPr>
-          </a:lstStyle>
-          <a:p>
-            <a:pPr lvl="0"/>
-            <a:r>
-              <a:rPr lang="zh-CN" altLang="en-US" dirty="0"/>
-              <a:t>变化</a:t>
-            </a:r>
-            <a:endParaRPr lang="en-JP" dirty="0"/>
-          </a:p>
-        </p:txBody>
-      </p:sp>
-    </p:spTree>
-    <p:extLst>
-      <p:ext uri="{BB962C8B-B14F-4D97-AF65-F5344CB8AC3E}">
-        <p14:creationId xmlns:p14="http://schemas.microsoft.com/office/powerpoint/2010/main" val="99924089"/>
-      </p:ext>
-    </p:extLst>
-  </p:cSld>
-  <p:clrMapOvr>
-    <a:masterClrMapping/>
-  </p:clrMapOvr>
-</p:sldLayout>
-</file>
-
-<file path=ppt/slideLayouts/slideLayout6.xml><?xml version="1.0" encoding="utf-8"?>
-<p:sldLayout xmlns:a="http://schemas.openxmlformats.org/drawingml/2006/main" xmlns:r="http://schemas.openxmlformats.org/officeDocument/2006/relationships" xmlns:p="http://schemas.openxmlformats.org/presentationml/2006/main" preserve="1" userDrawn="1">
-  <p:cSld name="Three kinds of phrase">
-    <p:bg>
-      <p:bgPr>
-        <a:solidFill>
-          <a:schemeClr val="bg1"/>
-        </a:solidFill>
-        <a:effectLst/>
-      </p:bgPr>
-    </p:bg>
-    <p:spTree>
-      <p:nvGrpSpPr>
-        <p:cNvPr id="1" name=""/>
-        <p:cNvGrpSpPr/>
-        <p:nvPr/>
-      </p:nvGrpSpPr>
-      <p:grpSpPr>
-        <a:xfrm>
-          <a:off x="0" y="0"/>
-          <a:ext cx="0" cy="0"/>
-          <a:chOff x="0" y="0"/>
-          <a:chExt cx="0" cy="0"/>
-        </a:xfrm>
-      </p:grpSpPr>
-      <p:pic>
-        <p:nvPicPr>
-          <p:cNvPr id="41" name="Picture 40">
-            <a:extLst>
-              <a:ext uri="{FF2B5EF4-FFF2-40B4-BE49-F238E27FC236}">
-                <a16:creationId xmlns:a16="http://schemas.microsoft.com/office/drawing/2014/main" id="{65C70DA2-3A3E-A64E-BB09-1D382D15B25C}"/>
-              </a:ext>
-            </a:extLst>
-          </p:cNvPr>
-          <p:cNvPicPr>
-            <a:picLocks noChangeAspect="1"/>
-          </p:cNvPicPr>
-          <p:nvPr userDrawn="1"/>
-        </p:nvPicPr>
-        <p:blipFill>
-          <a:blip r:embed="rId2"/>
-          <a:stretch>
-            <a:fillRect/>
-          </a:stretch>
-        </p:blipFill>
-        <p:spPr>
-          <a:xfrm>
-            <a:off x="1" y="-1"/>
-            <a:ext cx="12221224" cy="6870535"/>
-          </a:xfrm>
-          <a:prstGeom prst="rect">
-            <a:avLst/>
-          </a:prstGeom>
-        </p:spPr>
-      </p:pic>
-      <p:sp>
-        <p:nvSpPr>
-          <p:cNvPr id="5" name="Rounded Rectangle 4">
-            <a:extLst>
-              <a:ext uri="{FF2B5EF4-FFF2-40B4-BE49-F238E27FC236}">
-                <a16:creationId xmlns:a16="http://schemas.microsoft.com/office/drawing/2014/main" id="{B0AC6BDF-BC56-7E42-AC49-F897B1E1B0FA}"/>
-              </a:ext>
-            </a:extLst>
-          </p:cNvPr>
-          <p:cNvSpPr/>
-          <p:nvPr userDrawn="1"/>
-        </p:nvSpPr>
-        <p:spPr>
-          <a:xfrm>
-            <a:off x="839416" y="2253087"/>
-            <a:ext cx="3417161" cy="369332"/>
-          </a:xfrm>
-          <a:prstGeom prst="roundRect">
-            <a:avLst>
-              <a:gd name="adj" fmla="val 15851"/>
-            </a:avLst>
-          </a:prstGeom>
-          <a:noFill/>
-          <a:ln>
-            <a:noFill/>
-          </a:ln>
-        </p:spPr>
-        <p:style>
-          <a:lnRef idx="2">
-            <a:schemeClr val="accent1">
-              <a:shade val="50000"/>
-            </a:schemeClr>
-          </a:lnRef>
-          <a:fillRef idx="1">
-            <a:schemeClr val="accent1"/>
-          </a:fillRef>
-          <a:effectRef idx="0">
-            <a:schemeClr val="accent1"/>
-          </a:effectRef>
-          <a:fontRef idx="minor">
-            <a:schemeClr val="lt1"/>
-          </a:fontRef>
-        </p:style>
-        <p:txBody>
-          <a:bodyPr rtlCol="0" anchor="ctr"/>
-          <a:lstStyle/>
-          <a:p>
-            <a:r>
-              <a:rPr lang="en-US" altLang="zh-CN" sz="1200" b="1" dirty="0">
-                <a:solidFill>
-                  <a:schemeClr val="tx2">
-                    <a:lumMod val="50000"/>
-                    <a:lumOff val="50000"/>
-                  </a:schemeClr>
-                </a:solidFill>
-                <a:latin typeface="PingFang SC" panose="020B0400000000000000" pitchFamily="34" charset="-122"/>
-                <a:ea typeface="PingFang SC" panose="020B0400000000000000" pitchFamily="34" charset="-122"/>
-              </a:rPr>
-              <a:t>//</a:t>
-            </a:r>
-            <a:r>
-              <a:rPr lang="zh-CN" altLang="en-US" sz="1200" b="1" dirty="0">
-                <a:solidFill>
-                  <a:schemeClr val="tx2">
-                    <a:lumMod val="50000"/>
-                    <a:lumOff val="50000"/>
-                  </a:schemeClr>
-                </a:solidFill>
-                <a:latin typeface="PingFang SC" panose="020B0400000000000000" pitchFamily="34" charset="-122"/>
-                <a:ea typeface="PingFang SC" panose="020B0400000000000000" pitchFamily="34" charset="-122"/>
-              </a:rPr>
-              <a:t> </a:t>
-            </a:r>
-            <a:r>
-              <a:rPr lang="zh-CN" altLang="en-JP" sz="1200" b="1" dirty="0">
-                <a:solidFill>
-                  <a:schemeClr val="tx2">
-                    <a:lumMod val="50000"/>
-                    <a:lumOff val="50000"/>
-                  </a:schemeClr>
-                </a:solidFill>
-                <a:latin typeface="PingFang SC" panose="020B0400000000000000" pitchFamily="34" charset="-122"/>
-                <a:ea typeface="PingFang SC" panose="020B0400000000000000" pitchFamily="34" charset="-122"/>
-              </a:rPr>
-              <a:t>名词</a:t>
-            </a:r>
-            <a:r>
-              <a:rPr lang="zh-CN" altLang="en-US" sz="1200" b="1" dirty="0">
-                <a:solidFill>
-                  <a:schemeClr val="tx2">
-                    <a:lumMod val="50000"/>
-                    <a:lumOff val="50000"/>
-                  </a:schemeClr>
-                </a:solidFill>
-                <a:latin typeface="PingFang SC" panose="020B0400000000000000" pitchFamily="34" charset="-122"/>
-                <a:ea typeface="PingFang SC" panose="020B0400000000000000" pitchFamily="34" charset="-122"/>
-              </a:rPr>
-              <a:t>短语</a:t>
-            </a:r>
-            <a:endParaRPr lang="en-JP" sz="1200" b="1" dirty="0">
-              <a:solidFill>
-                <a:schemeClr val="tx2">
-                  <a:lumMod val="50000"/>
-                  <a:lumOff val="50000"/>
-                </a:schemeClr>
-              </a:solidFill>
-              <a:latin typeface="PingFang SC" panose="020B0400000000000000" pitchFamily="34" charset="-122"/>
-              <a:ea typeface="PingFang SC" panose="020B0400000000000000" pitchFamily="34" charset="-122"/>
-            </a:endParaRPr>
-          </a:p>
-        </p:txBody>
-      </p:sp>
-      <p:cxnSp>
-        <p:nvCxnSpPr>
-          <p:cNvPr id="6" name="Straight Connector 5">
-            <a:extLst>
-              <a:ext uri="{FF2B5EF4-FFF2-40B4-BE49-F238E27FC236}">
-                <a16:creationId xmlns:a16="http://schemas.microsoft.com/office/drawing/2014/main" id="{66DAF027-AD6F-4E4F-81BD-A5336E837421}"/>
-              </a:ext>
-            </a:extLst>
-          </p:cNvPr>
-          <p:cNvCxnSpPr>
-            <a:cxnSpLocks/>
-          </p:cNvCxnSpPr>
-          <p:nvPr userDrawn="1"/>
-        </p:nvCxnSpPr>
-        <p:spPr>
-          <a:xfrm>
-            <a:off x="767408" y="2622419"/>
-            <a:ext cx="3489170" cy="0"/>
-          </a:xfrm>
-          <a:prstGeom prst="line">
-            <a:avLst/>
-          </a:prstGeom>
-          <a:ln w="12700">
-            <a:solidFill>
-              <a:schemeClr val="bg1">
-                <a:lumMod val="85000"/>
-              </a:schemeClr>
-            </a:solidFill>
-          </a:ln>
-        </p:spPr>
-        <p:style>
-          <a:lnRef idx="1">
-            <a:schemeClr val="accent1"/>
-          </a:lnRef>
-          <a:fillRef idx="0">
-            <a:schemeClr val="accent1"/>
-          </a:fillRef>
-          <a:effectRef idx="0">
-            <a:schemeClr val="accent1"/>
-          </a:effectRef>
-          <a:fontRef idx="minor">
-            <a:schemeClr val="tx1"/>
-          </a:fontRef>
-        </p:style>
-      </p:cxnSp>
-      <p:sp>
-        <p:nvSpPr>
-          <p:cNvPr id="7" name="Rounded Rectangle 6">
-            <a:extLst>
-              <a:ext uri="{FF2B5EF4-FFF2-40B4-BE49-F238E27FC236}">
-                <a16:creationId xmlns:a16="http://schemas.microsoft.com/office/drawing/2014/main" id="{5C22D74B-5387-594F-B8E3-91C25028DC63}"/>
-              </a:ext>
-            </a:extLst>
-          </p:cNvPr>
-          <p:cNvSpPr/>
-          <p:nvPr userDrawn="1"/>
-        </p:nvSpPr>
-        <p:spPr>
-          <a:xfrm>
-            <a:off x="4436464" y="2246575"/>
-            <a:ext cx="3417161" cy="369332"/>
-          </a:xfrm>
-          <a:prstGeom prst="roundRect">
-            <a:avLst>
-              <a:gd name="adj" fmla="val 15851"/>
-            </a:avLst>
-          </a:prstGeom>
-          <a:noFill/>
-          <a:ln>
-            <a:noFill/>
-          </a:ln>
-        </p:spPr>
-        <p:style>
-          <a:lnRef idx="2">
-            <a:schemeClr val="accent1">
-              <a:shade val="50000"/>
-            </a:schemeClr>
-          </a:lnRef>
-          <a:fillRef idx="1">
-            <a:schemeClr val="accent1"/>
-          </a:fillRef>
-          <a:effectRef idx="0">
-            <a:schemeClr val="accent1"/>
-          </a:effectRef>
-          <a:fontRef idx="minor">
-            <a:schemeClr val="lt1"/>
-          </a:fontRef>
-        </p:style>
-        <p:txBody>
-          <a:bodyPr rtlCol="0" anchor="ctr"/>
-          <a:lstStyle/>
-          <a:p>
-            <a:r>
-              <a:rPr lang="en-US" altLang="zh-CN" sz="1200" b="1" dirty="0">
-                <a:solidFill>
-                  <a:schemeClr val="tx2">
-                    <a:lumMod val="50000"/>
-                    <a:lumOff val="50000"/>
-                  </a:schemeClr>
-                </a:solidFill>
-                <a:latin typeface="PingFang SC" panose="020B0400000000000000" pitchFamily="34" charset="-122"/>
-                <a:ea typeface="PingFang SC" panose="020B0400000000000000" pitchFamily="34" charset="-122"/>
-              </a:rPr>
-              <a:t>//</a:t>
-            </a:r>
-            <a:r>
-              <a:rPr lang="zh-CN" altLang="en-US" sz="1200" b="1" dirty="0">
-                <a:solidFill>
-                  <a:schemeClr val="tx2">
-                    <a:lumMod val="50000"/>
-                    <a:lumOff val="50000"/>
-                  </a:schemeClr>
-                </a:solidFill>
-                <a:latin typeface="PingFang SC" panose="020B0400000000000000" pitchFamily="34" charset="-122"/>
-                <a:ea typeface="PingFang SC" panose="020B0400000000000000" pitchFamily="34" charset="-122"/>
-              </a:rPr>
-              <a:t> 介词短语</a:t>
-            </a:r>
-            <a:endParaRPr lang="en-JP" sz="1200" b="1" dirty="0">
-              <a:solidFill>
-                <a:schemeClr val="tx2">
-                  <a:lumMod val="50000"/>
-                  <a:lumOff val="50000"/>
-                </a:schemeClr>
-              </a:solidFill>
-              <a:latin typeface="PingFang SC" panose="020B0400000000000000" pitchFamily="34" charset="-122"/>
-              <a:ea typeface="PingFang SC" panose="020B0400000000000000" pitchFamily="34" charset="-122"/>
-            </a:endParaRPr>
-          </a:p>
-        </p:txBody>
-      </p:sp>
-      <p:cxnSp>
-        <p:nvCxnSpPr>
-          <p:cNvPr id="8" name="Straight Connector 7">
-            <a:extLst>
-              <a:ext uri="{FF2B5EF4-FFF2-40B4-BE49-F238E27FC236}">
-                <a16:creationId xmlns:a16="http://schemas.microsoft.com/office/drawing/2014/main" id="{DDB5FE00-EF28-8D4A-B01F-79CBD54B904A}"/>
-              </a:ext>
-            </a:extLst>
-          </p:cNvPr>
-          <p:cNvCxnSpPr>
-            <a:cxnSpLocks/>
-          </p:cNvCxnSpPr>
-          <p:nvPr userDrawn="1"/>
-        </p:nvCxnSpPr>
-        <p:spPr>
-          <a:xfrm>
-            <a:off x="4436464" y="2615907"/>
-            <a:ext cx="3417161" cy="0"/>
-          </a:xfrm>
-          <a:prstGeom prst="line">
-            <a:avLst/>
-          </a:prstGeom>
-          <a:ln w="12700">
-            <a:solidFill>
-              <a:schemeClr val="bg1">
-                <a:lumMod val="85000"/>
-              </a:schemeClr>
-            </a:solidFill>
-          </a:ln>
-        </p:spPr>
-        <p:style>
-          <a:lnRef idx="1">
-            <a:schemeClr val="accent1"/>
-          </a:lnRef>
-          <a:fillRef idx="0">
-            <a:schemeClr val="accent1"/>
-          </a:fillRef>
-          <a:effectRef idx="0">
-            <a:schemeClr val="accent1"/>
-          </a:effectRef>
-          <a:fontRef idx="minor">
-            <a:schemeClr val="tx1"/>
-          </a:fontRef>
-        </p:style>
-      </p:cxnSp>
-      <p:sp>
-        <p:nvSpPr>
-          <p:cNvPr id="9" name="Rounded Rectangle 8">
-            <a:extLst>
-              <a:ext uri="{FF2B5EF4-FFF2-40B4-BE49-F238E27FC236}">
-                <a16:creationId xmlns:a16="http://schemas.microsoft.com/office/drawing/2014/main" id="{12CDE54F-87FF-5349-9FC3-49A6A856FEB9}"/>
-              </a:ext>
-            </a:extLst>
-          </p:cNvPr>
-          <p:cNvSpPr/>
-          <p:nvPr userDrawn="1"/>
-        </p:nvSpPr>
-        <p:spPr>
-          <a:xfrm>
-            <a:off x="749272" y="548680"/>
-            <a:ext cx="10747327" cy="1420811"/>
-          </a:xfrm>
-          <a:prstGeom prst="roundRect">
-            <a:avLst>
-              <a:gd name="adj" fmla="val 4715"/>
-            </a:avLst>
-          </a:prstGeom>
-          <a:solidFill>
-            <a:schemeClr val="tx2">
-              <a:lumMod val="10000"/>
-              <a:lumOff val="90000"/>
-              <a:alpha val="42000"/>
-            </a:schemeClr>
-          </a:solidFill>
-          <a:ln>
-            <a:noFill/>
-          </a:ln>
-        </p:spPr>
-        <p:style>
-          <a:lnRef idx="2">
-            <a:schemeClr val="accent1">
-              <a:shade val="50000"/>
-            </a:schemeClr>
-          </a:lnRef>
-          <a:fillRef idx="1">
-            <a:schemeClr val="accent1"/>
-          </a:fillRef>
-          <a:effectRef idx="0">
-            <a:schemeClr val="accent1"/>
-          </a:effectRef>
-          <a:fontRef idx="minor">
-            <a:schemeClr val="lt1"/>
-          </a:fontRef>
-        </p:style>
-        <p:txBody>
-          <a:bodyPr rtlCol="0" anchor="ctr"/>
-          <a:lstStyle/>
-          <a:p>
-            <a:pPr algn="ctr"/>
-            <a:endParaRPr lang="en-JP"/>
-          </a:p>
-        </p:txBody>
-      </p:sp>
-      <p:sp>
-        <p:nvSpPr>
-          <p:cNvPr id="3" name="Text Placeholder 2">
-            <a:extLst>
-              <a:ext uri="{FF2B5EF4-FFF2-40B4-BE49-F238E27FC236}">
-                <a16:creationId xmlns:a16="http://schemas.microsoft.com/office/drawing/2014/main" id="{CB2E5D19-67B2-6F4A-8619-6C4E98AEE3C4}"/>
-              </a:ext>
-            </a:extLst>
-          </p:cNvPr>
-          <p:cNvSpPr>
-            <a:spLocks noGrp="1"/>
-          </p:cNvSpPr>
-          <p:nvPr>
-            <p:ph type="body" sz="quarter" idx="10" hasCustomPrompt="1"/>
-          </p:nvPr>
-        </p:nvSpPr>
-        <p:spPr>
-          <a:xfrm>
-            <a:off x="839416" y="636298"/>
-            <a:ext cx="10584606" cy="720626"/>
-          </a:xfrm>
-          <a:prstGeom prst="rect">
-            <a:avLst/>
-          </a:prstGeom>
-        </p:spPr>
-        <p:txBody>
-          <a:bodyPr anchor="b"/>
-          <a:lstStyle>
-            <a:lvl1pPr marL="0" marR="0" indent="0" algn="ctr" defTabSz="457200" rtl="0" eaLnBrk="1" fontAlgn="auto" latinLnBrk="0" hangingPunct="1">
-              <a:lnSpc>
-                <a:spcPct val="100000"/>
-              </a:lnSpc>
-              <a:spcBef>
-                <a:spcPct val="20000"/>
-              </a:spcBef>
-              <a:spcAft>
-                <a:spcPts val="600"/>
-              </a:spcAft>
-              <a:buClr>
-                <a:schemeClr val="accent2"/>
-              </a:buClr>
-              <a:buSzPct val="92000"/>
-              <a:buFont typeface="Wingdings 2" panose="05020102010507070707" pitchFamily="18" charset="2"/>
-              <a:buNone/>
-              <a:tabLst/>
-              <a:defRPr sz="1800" b="0" i="0">
-                <a:latin typeface="Roboto Medium" pitchFamily="2" charset="0"/>
-                <a:ea typeface="Roboto Medium" pitchFamily="2" charset="0"/>
-              </a:defRPr>
-            </a:lvl1pPr>
-            <a:lvl2pPr marL="324000" indent="0" algn="ctr">
-              <a:buNone/>
-              <a:defRPr sz="1800"/>
-            </a:lvl2pPr>
-            <a:lvl3pPr marL="630000" indent="0" algn="ctr">
-              <a:buNone/>
-              <a:defRPr sz="1800"/>
-            </a:lvl3pPr>
-            <a:lvl4pPr marL="1008000" indent="0" algn="ctr">
-              <a:buNone/>
-              <a:defRPr sz="1800"/>
-            </a:lvl4pPr>
-            <a:lvl5pPr marL="1368000" indent="0" algn="ctr">
-              <a:buNone/>
-              <a:defRPr sz="1800"/>
-            </a:lvl5pPr>
-          </a:lstStyle>
-          <a:p>
-            <a:pPr marL="0" marR="0" lvl="0" indent="0" algn="ctr" defTabSz="457200" rtl="0" eaLnBrk="1" fontAlgn="auto" latinLnBrk="0" hangingPunct="1">
-              <a:lnSpc>
-                <a:spcPct val="100000"/>
-              </a:lnSpc>
-              <a:spcBef>
-                <a:spcPct val="20000"/>
-              </a:spcBef>
-              <a:spcAft>
-                <a:spcPts val="600"/>
-              </a:spcAft>
-              <a:buClr>
-                <a:schemeClr val="accent2"/>
-              </a:buClr>
-              <a:buSzPct val="92000"/>
-              <a:buFont typeface="Wingdings 2" panose="05020102010507070707" pitchFamily="18" charset="2"/>
-              <a:buNone/>
-              <a:tabLst/>
-              <a:defRPr/>
-            </a:pPr>
-            <a:r>
-              <a:rPr lang="en-JP" altLang="zh-CN" dirty="0">
-                <a:solidFill>
-                  <a:schemeClr val="accent3">
-                    <a:lumMod val="75000"/>
-                  </a:schemeClr>
-                </a:solidFill>
-                <a:latin typeface="Roboto Medium" pitchFamily="2" charset="0"/>
-                <a:ea typeface="Roboto Medium" pitchFamily="2" charset="0"/>
-              </a:rPr>
-              <a:t>Sentence</a:t>
-            </a:r>
-            <a:endParaRPr lang="en-US" dirty="0">
-              <a:solidFill>
-                <a:schemeClr val="accent3">
-                  <a:lumMod val="75000"/>
-                </a:schemeClr>
-              </a:solidFill>
-              <a:latin typeface="Roboto Medium" pitchFamily="2" charset="0"/>
-              <a:ea typeface="Roboto Medium" pitchFamily="2" charset="0"/>
-            </a:endParaRPr>
-          </a:p>
-        </p:txBody>
-      </p:sp>
-      <p:sp>
-        <p:nvSpPr>
-          <p:cNvPr id="14" name="Text Placeholder 13">
-            <a:extLst>
-              <a:ext uri="{FF2B5EF4-FFF2-40B4-BE49-F238E27FC236}">
-                <a16:creationId xmlns:a16="http://schemas.microsoft.com/office/drawing/2014/main" id="{5A1F2A23-3F55-0347-A2FF-B10D26BD97CA}"/>
-              </a:ext>
-            </a:extLst>
-          </p:cNvPr>
-          <p:cNvSpPr>
-            <a:spLocks noGrp="1"/>
-          </p:cNvSpPr>
-          <p:nvPr>
-            <p:ph type="body" sz="quarter" idx="11" hasCustomPrompt="1"/>
-          </p:nvPr>
-        </p:nvSpPr>
-        <p:spPr>
-          <a:xfrm>
-            <a:off x="839416" y="1444542"/>
-            <a:ext cx="10584606" cy="412750"/>
-          </a:xfrm>
-          <a:prstGeom prst="rect">
-            <a:avLst/>
-          </a:prstGeom>
-        </p:spPr>
-        <p:txBody>
-          <a:bodyPr anchor="t"/>
-          <a:lstStyle>
-            <a:lvl1pPr marL="0" indent="0" algn="ctr">
-              <a:buNone/>
-              <a:defRPr sz="1600" b="0" i="0">
-                <a:solidFill>
-                  <a:schemeClr val="accent3">
-                    <a:lumMod val="75000"/>
-                  </a:schemeClr>
-                </a:solidFill>
-                <a:latin typeface="PingFang SC Light" panose="020B0300000000000000" pitchFamily="34" charset="-122"/>
-                <a:ea typeface="PingFang SC Light" panose="020B0300000000000000" pitchFamily="34" charset="-122"/>
-              </a:defRPr>
-            </a:lvl1pPr>
-          </a:lstStyle>
-          <a:p>
-            <a:pPr lvl="0"/>
-            <a:r>
-              <a:rPr lang="zh-CN" altLang="en-US" dirty="0"/>
-              <a:t>翻译</a:t>
-            </a:r>
-            <a:endParaRPr lang="en-JP" dirty="0"/>
-          </a:p>
-        </p:txBody>
-      </p:sp>
-      <p:sp>
-        <p:nvSpPr>
-          <p:cNvPr id="21" name="Text Placeholder 13">
-            <a:extLst>
-              <a:ext uri="{FF2B5EF4-FFF2-40B4-BE49-F238E27FC236}">
-                <a16:creationId xmlns:a16="http://schemas.microsoft.com/office/drawing/2014/main" id="{B8708FAC-FFD3-924D-9A8A-81CA5EE786CE}"/>
-              </a:ext>
-            </a:extLst>
-          </p:cNvPr>
-          <p:cNvSpPr>
-            <a:spLocks noGrp="1"/>
-          </p:cNvSpPr>
-          <p:nvPr>
-            <p:ph type="body" sz="quarter" idx="12" hasCustomPrompt="1"/>
-          </p:nvPr>
-        </p:nvSpPr>
-        <p:spPr>
-          <a:xfrm>
-            <a:off x="839417" y="2736852"/>
-            <a:ext cx="3417161" cy="412750"/>
-          </a:xfrm>
-          <a:prstGeom prst="rect">
-            <a:avLst/>
-          </a:prstGeom>
-        </p:spPr>
-        <p:txBody>
-          <a:bodyPr anchor="b"/>
-          <a:lstStyle>
-            <a:lvl1pPr marL="0" indent="0" algn="l">
-              <a:buNone/>
-              <a:defRPr sz="1600" b="0" i="0">
-                <a:solidFill>
-                  <a:schemeClr val="accent4">
-                    <a:lumMod val="60000"/>
-                    <a:lumOff val="40000"/>
-                  </a:schemeClr>
-                </a:solidFill>
-                <a:latin typeface="Roboto Medium" pitchFamily="2" charset="0"/>
-                <a:ea typeface="Roboto Medium" pitchFamily="2" charset="0"/>
-              </a:defRPr>
-            </a:lvl1pPr>
-          </a:lstStyle>
-          <a:p>
-            <a:pPr lvl="0"/>
-            <a:r>
-              <a:rPr lang="en-US" altLang="zh-CN" dirty="0"/>
-              <a:t>Phrase</a:t>
-            </a:r>
-            <a:r>
-              <a:rPr lang="zh-CN" altLang="en-US" dirty="0"/>
-              <a:t> </a:t>
-            </a:r>
-            <a:r>
-              <a:rPr lang="en-US" altLang="zh-CN" dirty="0"/>
-              <a:t>01</a:t>
-            </a:r>
-            <a:endParaRPr lang="en-JP" dirty="0"/>
-          </a:p>
-        </p:txBody>
-      </p:sp>
-      <p:sp>
-        <p:nvSpPr>
-          <p:cNvPr id="22" name="Text Placeholder 13">
-            <a:extLst>
-              <a:ext uri="{FF2B5EF4-FFF2-40B4-BE49-F238E27FC236}">
-                <a16:creationId xmlns:a16="http://schemas.microsoft.com/office/drawing/2014/main" id="{B17DB7C6-B794-D34E-814A-87584E9988AB}"/>
-              </a:ext>
-            </a:extLst>
-          </p:cNvPr>
-          <p:cNvSpPr>
-            <a:spLocks noGrp="1"/>
-          </p:cNvSpPr>
-          <p:nvPr>
-            <p:ph type="body" sz="quarter" idx="13" hasCustomPrompt="1"/>
-          </p:nvPr>
-        </p:nvSpPr>
-        <p:spPr>
-          <a:xfrm>
-            <a:off x="839417" y="3181352"/>
-            <a:ext cx="3417161" cy="412750"/>
-          </a:xfrm>
-          <a:prstGeom prst="rect">
-            <a:avLst/>
-          </a:prstGeom>
-        </p:spPr>
-        <p:txBody>
-          <a:bodyPr anchor="t"/>
-          <a:lstStyle>
-            <a:lvl1pPr marL="0" indent="0" algn="l">
-              <a:buNone/>
-              <a:defRPr sz="1400" b="0" i="0">
-                <a:solidFill>
-                  <a:schemeClr val="accent3">
-                    <a:lumMod val="75000"/>
-                  </a:schemeClr>
-                </a:solidFill>
-                <a:latin typeface="PingFang SC Light" panose="020B0300000000000000" pitchFamily="34" charset="-122"/>
-                <a:ea typeface="PingFang SC Light" panose="020B0300000000000000" pitchFamily="34" charset="-122"/>
-              </a:defRPr>
-            </a:lvl1pPr>
-          </a:lstStyle>
-          <a:p>
-            <a:pPr lvl="0"/>
-            <a:r>
-              <a:rPr lang="zh-CN" altLang="en-JP" dirty="0"/>
-              <a:t>翻译</a:t>
-            </a:r>
-            <a:endParaRPr lang="en-JP" dirty="0"/>
-          </a:p>
-        </p:txBody>
-      </p:sp>
-      <p:sp>
-        <p:nvSpPr>
-          <p:cNvPr id="23" name="Text Placeholder 13">
-            <a:extLst>
-              <a:ext uri="{FF2B5EF4-FFF2-40B4-BE49-F238E27FC236}">
-                <a16:creationId xmlns:a16="http://schemas.microsoft.com/office/drawing/2014/main" id="{E73B6F0B-49EC-4642-896C-6BDB77CF7BD6}"/>
-              </a:ext>
-            </a:extLst>
-          </p:cNvPr>
-          <p:cNvSpPr>
-            <a:spLocks noGrp="1"/>
-          </p:cNvSpPr>
-          <p:nvPr>
-            <p:ph type="body" sz="quarter" idx="14" hasCustomPrompt="1"/>
-          </p:nvPr>
-        </p:nvSpPr>
-        <p:spPr>
-          <a:xfrm>
-            <a:off x="839417" y="3752852"/>
-            <a:ext cx="3417161" cy="412750"/>
-          </a:xfrm>
-          <a:prstGeom prst="rect">
-            <a:avLst/>
-          </a:prstGeom>
-        </p:spPr>
-        <p:txBody>
-          <a:bodyPr anchor="b"/>
-          <a:lstStyle>
-            <a:lvl1pPr marL="0" indent="0" algn="l">
-              <a:buNone/>
-              <a:defRPr sz="1600" b="0" i="0">
-                <a:solidFill>
-                  <a:schemeClr val="accent4">
-                    <a:lumMod val="60000"/>
-                    <a:lumOff val="40000"/>
-                  </a:schemeClr>
-                </a:solidFill>
-                <a:latin typeface="Roboto Medium" pitchFamily="2" charset="0"/>
-                <a:ea typeface="Roboto Medium" pitchFamily="2" charset="0"/>
-              </a:defRPr>
-            </a:lvl1pPr>
-          </a:lstStyle>
-          <a:p>
-            <a:pPr lvl="0"/>
-            <a:r>
-              <a:rPr lang="en-US" altLang="zh-CN" dirty="0"/>
-              <a:t>Phrase</a:t>
-            </a:r>
-            <a:r>
-              <a:rPr lang="zh-CN" altLang="en-US" dirty="0"/>
-              <a:t> </a:t>
-            </a:r>
-            <a:r>
-              <a:rPr lang="en-US" altLang="zh-CN" dirty="0"/>
-              <a:t>02</a:t>
-            </a:r>
-            <a:endParaRPr lang="en-JP" dirty="0"/>
-          </a:p>
-        </p:txBody>
-      </p:sp>
-      <p:sp>
-        <p:nvSpPr>
-          <p:cNvPr id="24" name="Text Placeholder 13">
-            <a:extLst>
-              <a:ext uri="{FF2B5EF4-FFF2-40B4-BE49-F238E27FC236}">
-                <a16:creationId xmlns:a16="http://schemas.microsoft.com/office/drawing/2014/main" id="{9F2DCB72-63E9-4946-B202-2799D9E547B6}"/>
-              </a:ext>
-            </a:extLst>
-          </p:cNvPr>
-          <p:cNvSpPr>
-            <a:spLocks noGrp="1"/>
-          </p:cNvSpPr>
-          <p:nvPr>
-            <p:ph type="body" sz="quarter" idx="15" hasCustomPrompt="1"/>
-          </p:nvPr>
-        </p:nvSpPr>
-        <p:spPr>
-          <a:xfrm>
-            <a:off x="839417" y="4197352"/>
-            <a:ext cx="3417161" cy="412750"/>
-          </a:xfrm>
-          <a:prstGeom prst="rect">
-            <a:avLst/>
-          </a:prstGeom>
-        </p:spPr>
-        <p:txBody>
-          <a:bodyPr anchor="t"/>
-          <a:lstStyle>
-            <a:lvl1pPr marL="0" indent="0" algn="l">
-              <a:buNone/>
-              <a:defRPr sz="1400" b="0" i="0">
-                <a:solidFill>
-                  <a:schemeClr val="accent3">
-                    <a:lumMod val="75000"/>
-                  </a:schemeClr>
-                </a:solidFill>
-                <a:latin typeface="PingFang SC Light" panose="020B0300000000000000" pitchFamily="34" charset="-122"/>
-                <a:ea typeface="PingFang SC Light" panose="020B0300000000000000" pitchFamily="34" charset="-122"/>
-              </a:defRPr>
-            </a:lvl1pPr>
-          </a:lstStyle>
-          <a:p>
-            <a:pPr lvl="0"/>
-            <a:r>
-              <a:rPr lang="zh-CN" altLang="en-JP" dirty="0"/>
-              <a:t>翻译</a:t>
-            </a:r>
-            <a:endParaRPr lang="en-JP" dirty="0"/>
-          </a:p>
-        </p:txBody>
-      </p:sp>
-      <p:sp>
-        <p:nvSpPr>
-          <p:cNvPr id="25" name="Text Placeholder 13">
-            <a:extLst>
-              <a:ext uri="{FF2B5EF4-FFF2-40B4-BE49-F238E27FC236}">
-                <a16:creationId xmlns:a16="http://schemas.microsoft.com/office/drawing/2014/main" id="{A915DBBE-DDA4-BD45-B2A4-30682B90DEFC}"/>
-              </a:ext>
-            </a:extLst>
-          </p:cNvPr>
-          <p:cNvSpPr>
-            <a:spLocks noGrp="1"/>
-          </p:cNvSpPr>
-          <p:nvPr>
-            <p:ph type="body" sz="quarter" idx="16" hasCustomPrompt="1"/>
-          </p:nvPr>
-        </p:nvSpPr>
-        <p:spPr>
-          <a:xfrm>
-            <a:off x="839417" y="4797152"/>
-            <a:ext cx="3417161" cy="412750"/>
-          </a:xfrm>
-          <a:prstGeom prst="rect">
-            <a:avLst/>
-          </a:prstGeom>
-        </p:spPr>
-        <p:txBody>
-          <a:bodyPr anchor="b"/>
-          <a:lstStyle>
-            <a:lvl1pPr marL="0" indent="0" algn="l">
-              <a:buNone/>
-              <a:defRPr sz="1600" b="0" i="0">
-                <a:solidFill>
-                  <a:schemeClr val="accent4">
-                    <a:lumMod val="60000"/>
-                    <a:lumOff val="40000"/>
-                  </a:schemeClr>
-                </a:solidFill>
-                <a:latin typeface="Roboto Medium" pitchFamily="2" charset="0"/>
-                <a:ea typeface="Roboto Medium" pitchFamily="2" charset="0"/>
-              </a:defRPr>
-            </a:lvl1pPr>
-          </a:lstStyle>
-          <a:p>
-            <a:pPr lvl="0"/>
-            <a:r>
-              <a:rPr lang="en-US" altLang="zh-CN" dirty="0"/>
-              <a:t>Phrase</a:t>
-            </a:r>
-            <a:r>
-              <a:rPr lang="zh-CN" altLang="en-US" dirty="0"/>
-              <a:t> </a:t>
-            </a:r>
-            <a:r>
-              <a:rPr lang="en-US" altLang="zh-CN" dirty="0"/>
-              <a:t>03</a:t>
-            </a:r>
-            <a:endParaRPr lang="en-JP" dirty="0"/>
-          </a:p>
-        </p:txBody>
-      </p:sp>
-      <p:sp>
-        <p:nvSpPr>
-          <p:cNvPr id="26" name="Text Placeholder 13">
-            <a:extLst>
-              <a:ext uri="{FF2B5EF4-FFF2-40B4-BE49-F238E27FC236}">
-                <a16:creationId xmlns:a16="http://schemas.microsoft.com/office/drawing/2014/main" id="{C1C82BF6-67BD-2043-8ED0-DA52ED2778C9}"/>
-              </a:ext>
-            </a:extLst>
-          </p:cNvPr>
-          <p:cNvSpPr>
-            <a:spLocks noGrp="1"/>
-          </p:cNvSpPr>
-          <p:nvPr>
-            <p:ph type="body" sz="quarter" idx="17" hasCustomPrompt="1"/>
-          </p:nvPr>
-        </p:nvSpPr>
-        <p:spPr>
-          <a:xfrm>
-            <a:off x="839417" y="5241652"/>
-            <a:ext cx="3417161" cy="412750"/>
-          </a:xfrm>
-          <a:prstGeom prst="rect">
-            <a:avLst/>
-          </a:prstGeom>
-        </p:spPr>
-        <p:txBody>
-          <a:bodyPr anchor="t"/>
-          <a:lstStyle>
-            <a:lvl1pPr marL="0" indent="0" algn="l">
-              <a:buNone/>
-              <a:defRPr sz="1400" b="0" i="0">
-                <a:solidFill>
-                  <a:schemeClr val="accent3">
-                    <a:lumMod val="75000"/>
-                  </a:schemeClr>
-                </a:solidFill>
-                <a:latin typeface="PingFang SC Light" panose="020B0300000000000000" pitchFamily="34" charset="-122"/>
-                <a:ea typeface="PingFang SC Light" panose="020B0300000000000000" pitchFamily="34" charset="-122"/>
-              </a:defRPr>
-            </a:lvl1pPr>
-          </a:lstStyle>
-          <a:p>
-            <a:pPr lvl="0"/>
-            <a:r>
-              <a:rPr lang="zh-CN" altLang="en-JP" dirty="0"/>
-              <a:t>翻译</a:t>
-            </a:r>
-            <a:endParaRPr lang="en-JP" dirty="0"/>
-          </a:p>
-        </p:txBody>
-      </p:sp>
-      <p:sp>
-        <p:nvSpPr>
-          <p:cNvPr id="27" name="Text Placeholder 13">
-            <a:extLst>
-              <a:ext uri="{FF2B5EF4-FFF2-40B4-BE49-F238E27FC236}">
-                <a16:creationId xmlns:a16="http://schemas.microsoft.com/office/drawing/2014/main" id="{082CE13D-ECC3-594D-A8AD-4DBA87C7461A}"/>
-              </a:ext>
-            </a:extLst>
-          </p:cNvPr>
-          <p:cNvSpPr>
-            <a:spLocks noGrp="1"/>
-          </p:cNvSpPr>
-          <p:nvPr>
-            <p:ph type="body" sz="quarter" idx="18" hasCustomPrompt="1"/>
-          </p:nvPr>
-        </p:nvSpPr>
-        <p:spPr>
-          <a:xfrm>
-            <a:off x="4436464" y="2736852"/>
-            <a:ext cx="3417161" cy="412750"/>
-          </a:xfrm>
-          <a:prstGeom prst="rect">
-            <a:avLst/>
-          </a:prstGeom>
-        </p:spPr>
-        <p:txBody>
-          <a:bodyPr anchor="b"/>
-          <a:lstStyle>
-            <a:lvl1pPr marL="0" indent="0" algn="l">
-              <a:buNone/>
-              <a:defRPr sz="1600" b="0" i="0">
-                <a:solidFill>
-                  <a:schemeClr val="accent4">
-                    <a:lumMod val="60000"/>
-                    <a:lumOff val="40000"/>
-                  </a:schemeClr>
-                </a:solidFill>
-                <a:latin typeface="Roboto Medium" pitchFamily="2" charset="0"/>
-                <a:ea typeface="Roboto Medium" pitchFamily="2" charset="0"/>
-              </a:defRPr>
-            </a:lvl1pPr>
-          </a:lstStyle>
-          <a:p>
-            <a:pPr lvl="0"/>
-            <a:r>
-              <a:rPr lang="en-US" altLang="zh-CN" dirty="0"/>
-              <a:t>Phrase</a:t>
-            </a:r>
-            <a:r>
-              <a:rPr lang="zh-CN" altLang="en-US" dirty="0"/>
-              <a:t> </a:t>
-            </a:r>
-            <a:r>
-              <a:rPr lang="en-US" altLang="zh-CN" dirty="0"/>
-              <a:t>01</a:t>
-            </a:r>
-            <a:endParaRPr lang="en-JP" dirty="0"/>
-          </a:p>
-        </p:txBody>
-      </p:sp>
-      <p:sp>
-        <p:nvSpPr>
-          <p:cNvPr id="28" name="Text Placeholder 13">
-            <a:extLst>
-              <a:ext uri="{FF2B5EF4-FFF2-40B4-BE49-F238E27FC236}">
-                <a16:creationId xmlns:a16="http://schemas.microsoft.com/office/drawing/2014/main" id="{06059550-8404-C84C-B4EB-AF29BBD523DB}"/>
-              </a:ext>
-            </a:extLst>
-          </p:cNvPr>
-          <p:cNvSpPr>
-            <a:spLocks noGrp="1"/>
-          </p:cNvSpPr>
-          <p:nvPr>
-            <p:ph type="body" sz="quarter" idx="19" hasCustomPrompt="1"/>
-          </p:nvPr>
-        </p:nvSpPr>
-        <p:spPr>
-          <a:xfrm>
-            <a:off x="4436464" y="3181352"/>
-            <a:ext cx="3417161" cy="412750"/>
-          </a:xfrm>
-          <a:prstGeom prst="rect">
-            <a:avLst/>
-          </a:prstGeom>
-        </p:spPr>
-        <p:txBody>
-          <a:bodyPr anchor="t"/>
-          <a:lstStyle>
-            <a:lvl1pPr marL="0" indent="0" algn="l">
-              <a:buNone/>
-              <a:defRPr sz="1400" b="0" i="0">
-                <a:solidFill>
-                  <a:schemeClr val="accent3">
-                    <a:lumMod val="75000"/>
-                  </a:schemeClr>
-                </a:solidFill>
-                <a:latin typeface="PingFang SC Light" panose="020B0300000000000000" pitchFamily="34" charset="-122"/>
-                <a:ea typeface="PingFang SC Light" panose="020B0300000000000000" pitchFamily="34" charset="-122"/>
-              </a:defRPr>
-            </a:lvl1pPr>
-          </a:lstStyle>
-          <a:p>
-            <a:pPr lvl="0"/>
-            <a:r>
-              <a:rPr lang="zh-CN" altLang="en-JP" dirty="0"/>
-              <a:t>翻译</a:t>
-            </a:r>
-            <a:endParaRPr lang="en-JP" dirty="0"/>
-          </a:p>
-        </p:txBody>
-      </p:sp>
-      <p:sp>
-        <p:nvSpPr>
-          <p:cNvPr id="29" name="Text Placeholder 13">
-            <a:extLst>
-              <a:ext uri="{FF2B5EF4-FFF2-40B4-BE49-F238E27FC236}">
-                <a16:creationId xmlns:a16="http://schemas.microsoft.com/office/drawing/2014/main" id="{9E4712D3-9A79-AB4B-97BB-66EEE13C1477}"/>
-              </a:ext>
-            </a:extLst>
-          </p:cNvPr>
-          <p:cNvSpPr>
-            <a:spLocks noGrp="1"/>
-          </p:cNvSpPr>
-          <p:nvPr>
-            <p:ph type="body" sz="quarter" idx="20" hasCustomPrompt="1"/>
-          </p:nvPr>
-        </p:nvSpPr>
-        <p:spPr>
-          <a:xfrm>
-            <a:off x="4436464" y="3752852"/>
-            <a:ext cx="3417161" cy="412750"/>
-          </a:xfrm>
-          <a:prstGeom prst="rect">
-            <a:avLst/>
-          </a:prstGeom>
-        </p:spPr>
-        <p:txBody>
-          <a:bodyPr anchor="b"/>
-          <a:lstStyle>
-            <a:lvl1pPr marL="0" indent="0" algn="l">
-              <a:buNone/>
-              <a:defRPr sz="1600" b="0" i="0">
-                <a:solidFill>
-                  <a:schemeClr val="accent4">
-                    <a:lumMod val="60000"/>
-                    <a:lumOff val="40000"/>
-                  </a:schemeClr>
-                </a:solidFill>
-                <a:latin typeface="Roboto Medium" pitchFamily="2" charset="0"/>
-                <a:ea typeface="Roboto Medium" pitchFamily="2" charset="0"/>
-              </a:defRPr>
-            </a:lvl1pPr>
-          </a:lstStyle>
-          <a:p>
-            <a:pPr lvl="0"/>
-            <a:r>
-              <a:rPr lang="en-US" altLang="zh-CN" dirty="0"/>
-              <a:t>Phrase</a:t>
-            </a:r>
-            <a:r>
-              <a:rPr lang="zh-CN" altLang="en-US" dirty="0"/>
-              <a:t> </a:t>
-            </a:r>
-            <a:r>
-              <a:rPr lang="en-US" altLang="zh-CN" dirty="0"/>
-              <a:t>02</a:t>
-            </a:r>
-            <a:endParaRPr lang="en-JP" dirty="0"/>
-          </a:p>
-        </p:txBody>
-      </p:sp>
-      <p:sp>
-        <p:nvSpPr>
-          <p:cNvPr id="30" name="Text Placeholder 13">
-            <a:extLst>
-              <a:ext uri="{FF2B5EF4-FFF2-40B4-BE49-F238E27FC236}">
-                <a16:creationId xmlns:a16="http://schemas.microsoft.com/office/drawing/2014/main" id="{8B3663C7-A7FD-F74B-ABDB-34D0569A3276}"/>
-              </a:ext>
-            </a:extLst>
-          </p:cNvPr>
-          <p:cNvSpPr>
-            <a:spLocks noGrp="1"/>
-          </p:cNvSpPr>
-          <p:nvPr>
-            <p:ph type="body" sz="quarter" idx="21" hasCustomPrompt="1"/>
-          </p:nvPr>
-        </p:nvSpPr>
-        <p:spPr>
-          <a:xfrm>
-            <a:off x="4436464" y="4197352"/>
-            <a:ext cx="3417161" cy="412750"/>
-          </a:xfrm>
-          <a:prstGeom prst="rect">
-            <a:avLst/>
-          </a:prstGeom>
-        </p:spPr>
-        <p:txBody>
-          <a:bodyPr anchor="t"/>
-          <a:lstStyle>
-            <a:lvl1pPr marL="0" indent="0" algn="l">
-              <a:buNone/>
-              <a:defRPr sz="1400" b="0" i="0">
-                <a:solidFill>
-                  <a:schemeClr val="accent3">
-                    <a:lumMod val="75000"/>
-                  </a:schemeClr>
-                </a:solidFill>
-                <a:latin typeface="PingFang SC Light" panose="020B0300000000000000" pitchFamily="34" charset="-122"/>
-                <a:ea typeface="PingFang SC Light" panose="020B0300000000000000" pitchFamily="34" charset="-122"/>
-              </a:defRPr>
-            </a:lvl1pPr>
-          </a:lstStyle>
-          <a:p>
-            <a:pPr lvl="0"/>
-            <a:r>
-              <a:rPr lang="zh-CN" altLang="en-JP" dirty="0"/>
-              <a:t>翻译</a:t>
-            </a:r>
-            <a:endParaRPr lang="en-JP" dirty="0"/>
-          </a:p>
-        </p:txBody>
-      </p:sp>
-      <p:sp>
-        <p:nvSpPr>
-          <p:cNvPr id="31" name="Text Placeholder 13">
-            <a:extLst>
-              <a:ext uri="{FF2B5EF4-FFF2-40B4-BE49-F238E27FC236}">
-                <a16:creationId xmlns:a16="http://schemas.microsoft.com/office/drawing/2014/main" id="{D460897F-5B7E-0043-9568-26A7F5302562}"/>
-              </a:ext>
-            </a:extLst>
-          </p:cNvPr>
-          <p:cNvSpPr>
-            <a:spLocks noGrp="1"/>
-          </p:cNvSpPr>
-          <p:nvPr>
-            <p:ph type="body" sz="quarter" idx="22" hasCustomPrompt="1"/>
-          </p:nvPr>
-        </p:nvSpPr>
-        <p:spPr>
-          <a:xfrm>
-            <a:off x="4436464" y="4797152"/>
-            <a:ext cx="3417161" cy="412750"/>
-          </a:xfrm>
-          <a:prstGeom prst="rect">
-            <a:avLst/>
-          </a:prstGeom>
-        </p:spPr>
-        <p:txBody>
-          <a:bodyPr anchor="b"/>
-          <a:lstStyle>
-            <a:lvl1pPr marL="0" indent="0" algn="l">
-              <a:buNone/>
-              <a:defRPr sz="1600" b="0" i="0">
-                <a:solidFill>
-                  <a:schemeClr val="accent4">
-                    <a:lumMod val="60000"/>
-                    <a:lumOff val="40000"/>
-                  </a:schemeClr>
-                </a:solidFill>
-                <a:latin typeface="Roboto Medium" pitchFamily="2" charset="0"/>
-                <a:ea typeface="Roboto Medium" pitchFamily="2" charset="0"/>
-              </a:defRPr>
-            </a:lvl1pPr>
-          </a:lstStyle>
-          <a:p>
-            <a:pPr lvl="0"/>
-            <a:r>
-              <a:rPr lang="en-US" altLang="zh-CN" dirty="0"/>
-              <a:t>Phrase</a:t>
-            </a:r>
-            <a:r>
-              <a:rPr lang="zh-CN" altLang="en-US" dirty="0"/>
-              <a:t> </a:t>
-            </a:r>
-            <a:r>
-              <a:rPr lang="en-US" altLang="zh-CN" dirty="0"/>
-              <a:t>03</a:t>
-            </a:r>
-            <a:endParaRPr lang="en-JP" dirty="0"/>
-          </a:p>
-        </p:txBody>
-      </p:sp>
-      <p:sp>
-        <p:nvSpPr>
-          <p:cNvPr id="32" name="Text Placeholder 13">
-            <a:extLst>
-              <a:ext uri="{FF2B5EF4-FFF2-40B4-BE49-F238E27FC236}">
-                <a16:creationId xmlns:a16="http://schemas.microsoft.com/office/drawing/2014/main" id="{C405A5AB-801C-C844-9CC6-E9D935B1C19A}"/>
-              </a:ext>
-            </a:extLst>
-          </p:cNvPr>
-          <p:cNvSpPr>
-            <a:spLocks noGrp="1"/>
-          </p:cNvSpPr>
-          <p:nvPr>
-            <p:ph type="body" sz="quarter" idx="23" hasCustomPrompt="1"/>
-          </p:nvPr>
-        </p:nvSpPr>
-        <p:spPr>
-          <a:xfrm>
-            <a:off x="4436464" y="5241652"/>
-            <a:ext cx="3417161" cy="412750"/>
-          </a:xfrm>
-          <a:prstGeom prst="rect">
-            <a:avLst/>
-          </a:prstGeom>
-        </p:spPr>
-        <p:txBody>
-          <a:bodyPr anchor="t"/>
-          <a:lstStyle>
-            <a:lvl1pPr marL="0" indent="0" algn="l">
-              <a:buNone/>
-              <a:defRPr sz="1400" b="0" i="0">
-                <a:solidFill>
-                  <a:schemeClr val="accent3">
-                    <a:lumMod val="75000"/>
-                  </a:schemeClr>
-                </a:solidFill>
-                <a:latin typeface="PingFang SC Light" panose="020B0300000000000000" pitchFamily="34" charset="-122"/>
-                <a:ea typeface="PingFang SC Light" panose="020B0300000000000000" pitchFamily="34" charset="-122"/>
-              </a:defRPr>
-            </a:lvl1pPr>
-          </a:lstStyle>
-          <a:p>
-            <a:pPr lvl="0"/>
-            <a:r>
-              <a:rPr lang="zh-CN" altLang="en-JP" dirty="0"/>
-              <a:t>翻译</a:t>
-            </a:r>
-            <a:endParaRPr lang="en-JP" dirty="0"/>
-          </a:p>
-        </p:txBody>
-      </p:sp>
-      <p:sp>
-        <p:nvSpPr>
-          <p:cNvPr id="33" name="Text Placeholder 13">
-            <a:extLst>
-              <a:ext uri="{FF2B5EF4-FFF2-40B4-BE49-F238E27FC236}">
-                <a16:creationId xmlns:a16="http://schemas.microsoft.com/office/drawing/2014/main" id="{1EC99BA6-535A-E04D-BACE-422F3DBD8367}"/>
-              </a:ext>
-            </a:extLst>
-          </p:cNvPr>
-          <p:cNvSpPr>
-            <a:spLocks noGrp="1"/>
-          </p:cNvSpPr>
-          <p:nvPr>
-            <p:ph type="body" sz="quarter" idx="24" hasCustomPrompt="1"/>
-          </p:nvPr>
-        </p:nvSpPr>
-        <p:spPr>
-          <a:xfrm>
-            <a:off x="8033512" y="2736852"/>
-            <a:ext cx="3417161" cy="412750"/>
-          </a:xfrm>
-          <a:prstGeom prst="rect">
-            <a:avLst/>
-          </a:prstGeom>
-        </p:spPr>
-        <p:txBody>
-          <a:bodyPr anchor="b"/>
-          <a:lstStyle>
-            <a:lvl1pPr marL="0" indent="0" algn="l">
-              <a:buNone/>
-              <a:defRPr sz="1600" b="0" i="0">
-                <a:solidFill>
-                  <a:schemeClr val="accent4">
-                    <a:lumMod val="60000"/>
-                    <a:lumOff val="40000"/>
-                  </a:schemeClr>
-                </a:solidFill>
-                <a:latin typeface="Roboto Medium" pitchFamily="2" charset="0"/>
-                <a:ea typeface="Roboto Medium" pitchFamily="2" charset="0"/>
-              </a:defRPr>
-            </a:lvl1pPr>
-          </a:lstStyle>
-          <a:p>
-            <a:pPr lvl="0"/>
-            <a:r>
-              <a:rPr lang="en-US" altLang="zh-CN" dirty="0"/>
-              <a:t>Phrase</a:t>
-            </a:r>
-            <a:r>
-              <a:rPr lang="zh-CN" altLang="en-US" dirty="0"/>
-              <a:t> </a:t>
-            </a:r>
-            <a:r>
-              <a:rPr lang="en-US" altLang="zh-CN" dirty="0"/>
-              <a:t>01</a:t>
-            </a:r>
-            <a:endParaRPr lang="en-JP" dirty="0"/>
-          </a:p>
-        </p:txBody>
-      </p:sp>
-      <p:sp>
-        <p:nvSpPr>
-          <p:cNvPr id="34" name="Text Placeholder 13">
-            <a:extLst>
-              <a:ext uri="{FF2B5EF4-FFF2-40B4-BE49-F238E27FC236}">
-                <a16:creationId xmlns:a16="http://schemas.microsoft.com/office/drawing/2014/main" id="{5088096C-D1E1-8347-8ECD-33DF1060270A}"/>
-              </a:ext>
-            </a:extLst>
-          </p:cNvPr>
-          <p:cNvSpPr>
-            <a:spLocks noGrp="1"/>
-          </p:cNvSpPr>
-          <p:nvPr>
-            <p:ph type="body" sz="quarter" idx="25" hasCustomPrompt="1"/>
-          </p:nvPr>
-        </p:nvSpPr>
-        <p:spPr>
-          <a:xfrm>
-            <a:off x="8033512" y="3181352"/>
-            <a:ext cx="3417161" cy="412750"/>
-          </a:xfrm>
-          <a:prstGeom prst="rect">
-            <a:avLst/>
-          </a:prstGeom>
-        </p:spPr>
-        <p:txBody>
-          <a:bodyPr anchor="t"/>
-          <a:lstStyle>
-            <a:lvl1pPr marL="0" indent="0" algn="l">
-              <a:buNone/>
-              <a:defRPr sz="1400" b="0" i="0">
-                <a:solidFill>
-                  <a:schemeClr val="accent3">
-                    <a:lumMod val="75000"/>
-                  </a:schemeClr>
-                </a:solidFill>
-                <a:latin typeface="PingFang SC Light" panose="020B0300000000000000" pitchFamily="34" charset="-122"/>
-                <a:ea typeface="PingFang SC Light" panose="020B0300000000000000" pitchFamily="34" charset="-122"/>
-              </a:defRPr>
-            </a:lvl1pPr>
-          </a:lstStyle>
-          <a:p>
-            <a:pPr lvl="0"/>
-            <a:r>
-              <a:rPr lang="zh-CN" altLang="en-JP" dirty="0"/>
-              <a:t>翻译</a:t>
-            </a:r>
-            <a:endParaRPr lang="en-JP" dirty="0"/>
-          </a:p>
-        </p:txBody>
-      </p:sp>
-      <p:sp>
-        <p:nvSpPr>
-          <p:cNvPr id="35" name="Text Placeholder 13">
-            <a:extLst>
-              <a:ext uri="{FF2B5EF4-FFF2-40B4-BE49-F238E27FC236}">
-                <a16:creationId xmlns:a16="http://schemas.microsoft.com/office/drawing/2014/main" id="{9B95A2D2-32D9-C844-B979-1701458EDB27}"/>
-              </a:ext>
-            </a:extLst>
-          </p:cNvPr>
-          <p:cNvSpPr>
-            <a:spLocks noGrp="1"/>
-          </p:cNvSpPr>
-          <p:nvPr>
-            <p:ph type="body" sz="quarter" idx="26" hasCustomPrompt="1"/>
-          </p:nvPr>
-        </p:nvSpPr>
-        <p:spPr>
-          <a:xfrm>
-            <a:off x="8033512" y="3752852"/>
-            <a:ext cx="3417161" cy="412750"/>
-          </a:xfrm>
-          <a:prstGeom prst="rect">
-            <a:avLst/>
-          </a:prstGeom>
-        </p:spPr>
-        <p:txBody>
-          <a:bodyPr anchor="b"/>
-          <a:lstStyle>
-            <a:lvl1pPr marL="0" indent="0" algn="l">
-              <a:buNone/>
-              <a:defRPr sz="1600" b="0" i="0">
-                <a:solidFill>
-                  <a:schemeClr val="accent4">
-                    <a:lumMod val="60000"/>
-                    <a:lumOff val="40000"/>
-                  </a:schemeClr>
-                </a:solidFill>
-                <a:latin typeface="Roboto Medium" pitchFamily="2" charset="0"/>
-                <a:ea typeface="Roboto Medium" pitchFamily="2" charset="0"/>
-              </a:defRPr>
-            </a:lvl1pPr>
-          </a:lstStyle>
-          <a:p>
-            <a:pPr lvl="0"/>
-            <a:r>
-              <a:rPr lang="en-US" altLang="zh-CN" dirty="0"/>
-              <a:t>Phrase</a:t>
-            </a:r>
-            <a:r>
-              <a:rPr lang="zh-CN" altLang="en-US" dirty="0"/>
-              <a:t> </a:t>
-            </a:r>
-            <a:r>
-              <a:rPr lang="en-US" altLang="zh-CN" dirty="0"/>
-              <a:t>02</a:t>
-            </a:r>
-            <a:endParaRPr lang="en-JP" dirty="0"/>
-          </a:p>
-        </p:txBody>
-      </p:sp>
-      <p:sp>
-        <p:nvSpPr>
-          <p:cNvPr id="36" name="Text Placeholder 13">
-            <a:extLst>
-              <a:ext uri="{FF2B5EF4-FFF2-40B4-BE49-F238E27FC236}">
-                <a16:creationId xmlns:a16="http://schemas.microsoft.com/office/drawing/2014/main" id="{3EB8EEFC-CF75-A44E-85BA-F516BBDF77C4}"/>
-              </a:ext>
-            </a:extLst>
-          </p:cNvPr>
-          <p:cNvSpPr>
-            <a:spLocks noGrp="1"/>
-          </p:cNvSpPr>
-          <p:nvPr>
-            <p:ph type="body" sz="quarter" idx="27" hasCustomPrompt="1"/>
-          </p:nvPr>
-        </p:nvSpPr>
-        <p:spPr>
-          <a:xfrm>
-            <a:off x="8033512" y="4197352"/>
-            <a:ext cx="3417161" cy="412750"/>
-          </a:xfrm>
-          <a:prstGeom prst="rect">
-            <a:avLst/>
-          </a:prstGeom>
-        </p:spPr>
-        <p:txBody>
-          <a:bodyPr anchor="t"/>
-          <a:lstStyle>
-            <a:lvl1pPr marL="0" indent="0" algn="l">
-              <a:buNone/>
-              <a:defRPr sz="1400" b="0" i="0">
-                <a:solidFill>
-                  <a:schemeClr val="accent3">
-                    <a:lumMod val="75000"/>
-                  </a:schemeClr>
-                </a:solidFill>
-                <a:latin typeface="PingFang SC Light" panose="020B0300000000000000" pitchFamily="34" charset="-122"/>
-                <a:ea typeface="PingFang SC Light" panose="020B0300000000000000" pitchFamily="34" charset="-122"/>
-              </a:defRPr>
-            </a:lvl1pPr>
-          </a:lstStyle>
-          <a:p>
-            <a:pPr lvl="0"/>
-            <a:r>
-              <a:rPr lang="zh-CN" altLang="en-JP" dirty="0"/>
-              <a:t>翻译</a:t>
-            </a:r>
-            <a:endParaRPr lang="en-JP" dirty="0"/>
-          </a:p>
-        </p:txBody>
-      </p:sp>
-      <p:sp>
-        <p:nvSpPr>
-          <p:cNvPr id="37" name="Text Placeholder 13">
-            <a:extLst>
-              <a:ext uri="{FF2B5EF4-FFF2-40B4-BE49-F238E27FC236}">
-                <a16:creationId xmlns:a16="http://schemas.microsoft.com/office/drawing/2014/main" id="{3E8B6DD0-BA7D-344B-8AA3-E2F66080FDF2}"/>
-              </a:ext>
-            </a:extLst>
-          </p:cNvPr>
-          <p:cNvSpPr>
-            <a:spLocks noGrp="1"/>
-          </p:cNvSpPr>
-          <p:nvPr>
-            <p:ph type="body" sz="quarter" idx="28" hasCustomPrompt="1"/>
-          </p:nvPr>
-        </p:nvSpPr>
-        <p:spPr>
-          <a:xfrm>
-            <a:off x="8033512" y="4797152"/>
-            <a:ext cx="3417161" cy="412750"/>
-          </a:xfrm>
-          <a:prstGeom prst="rect">
-            <a:avLst/>
-          </a:prstGeom>
-        </p:spPr>
-        <p:txBody>
-          <a:bodyPr anchor="b"/>
-          <a:lstStyle>
-            <a:lvl1pPr marL="0" indent="0" algn="l">
-              <a:buNone/>
-              <a:defRPr sz="1600" b="0" i="0">
-                <a:solidFill>
-                  <a:schemeClr val="accent4">
-                    <a:lumMod val="60000"/>
-                    <a:lumOff val="40000"/>
-                  </a:schemeClr>
-                </a:solidFill>
-                <a:latin typeface="Roboto Medium" pitchFamily="2" charset="0"/>
-                <a:ea typeface="Roboto Medium" pitchFamily="2" charset="0"/>
-              </a:defRPr>
-            </a:lvl1pPr>
-          </a:lstStyle>
-          <a:p>
-            <a:pPr lvl="0"/>
-            <a:r>
-              <a:rPr lang="en-US" altLang="zh-CN" dirty="0"/>
-              <a:t>Phrase</a:t>
-            </a:r>
-            <a:r>
-              <a:rPr lang="zh-CN" altLang="en-US" dirty="0"/>
-              <a:t> </a:t>
-            </a:r>
-            <a:r>
-              <a:rPr lang="en-US" altLang="zh-CN" dirty="0"/>
-              <a:t>03</a:t>
-            </a:r>
-            <a:endParaRPr lang="en-JP" dirty="0"/>
-          </a:p>
-        </p:txBody>
-      </p:sp>
-      <p:sp>
-        <p:nvSpPr>
-          <p:cNvPr id="38" name="Text Placeholder 13">
-            <a:extLst>
-              <a:ext uri="{FF2B5EF4-FFF2-40B4-BE49-F238E27FC236}">
-                <a16:creationId xmlns:a16="http://schemas.microsoft.com/office/drawing/2014/main" id="{05E392B3-7051-E740-A038-433F17601663}"/>
-              </a:ext>
-            </a:extLst>
-          </p:cNvPr>
-          <p:cNvSpPr>
-            <a:spLocks noGrp="1"/>
-          </p:cNvSpPr>
-          <p:nvPr>
-            <p:ph type="body" sz="quarter" idx="29" hasCustomPrompt="1"/>
-          </p:nvPr>
-        </p:nvSpPr>
-        <p:spPr>
-          <a:xfrm>
-            <a:off x="8033512" y="5241652"/>
-            <a:ext cx="3417161" cy="412750"/>
-          </a:xfrm>
-          <a:prstGeom prst="rect">
-            <a:avLst/>
-          </a:prstGeom>
-        </p:spPr>
-        <p:txBody>
-          <a:bodyPr anchor="t"/>
-          <a:lstStyle>
-            <a:lvl1pPr marL="0" indent="0" algn="l">
-              <a:buNone/>
-              <a:defRPr sz="1400" b="0" i="0">
-                <a:solidFill>
-                  <a:schemeClr val="accent3">
-                    <a:lumMod val="75000"/>
-                  </a:schemeClr>
-                </a:solidFill>
-                <a:latin typeface="PingFang SC Light" panose="020B0300000000000000" pitchFamily="34" charset="-122"/>
-                <a:ea typeface="PingFang SC Light" panose="020B0300000000000000" pitchFamily="34" charset="-122"/>
-              </a:defRPr>
-            </a:lvl1pPr>
-          </a:lstStyle>
-          <a:p>
-            <a:pPr lvl="0"/>
-            <a:r>
-              <a:rPr lang="zh-CN" altLang="en-JP" dirty="0"/>
-              <a:t>翻译</a:t>
-            </a:r>
-            <a:endParaRPr lang="en-JP" dirty="0"/>
-          </a:p>
-        </p:txBody>
-      </p:sp>
-      <p:sp>
-        <p:nvSpPr>
-          <p:cNvPr id="39" name="Rounded Rectangle 38">
-            <a:extLst>
-              <a:ext uri="{FF2B5EF4-FFF2-40B4-BE49-F238E27FC236}">
-                <a16:creationId xmlns:a16="http://schemas.microsoft.com/office/drawing/2014/main" id="{9B962820-1FE3-A747-94A0-8FF9A1ACAB7A}"/>
-              </a:ext>
-            </a:extLst>
-          </p:cNvPr>
-          <p:cNvSpPr/>
-          <p:nvPr userDrawn="1"/>
-        </p:nvSpPr>
-        <p:spPr>
-          <a:xfrm>
-            <a:off x="8033512" y="2255321"/>
-            <a:ext cx="3417161" cy="369332"/>
-          </a:xfrm>
-          <a:prstGeom prst="roundRect">
-            <a:avLst>
-              <a:gd name="adj" fmla="val 15851"/>
-            </a:avLst>
-          </a:prstGeom>
-          <a:noFill/>
-          <a:ln>
-            <a:noFill/>
-          </a:ln>
-        </p:spPr>
-        <p:style>
-          <a:lnRef idx="2">
-            <a:schemeClr val="accent1">
-              <a:shade val="50000"/>
-            </a:schemeClr>
-          </a:lnRef>
-          <a:fillRef idx="1">
-            <a:schemeClr val="accent1"/>
-          </a:fillRef>
-          <a:effectRef idx="0">
-            <a:schemeClr val="accent1"/>
-          </a:effectRef>
-          <a:fontRef idx="minor">
-            <a:schemeClr val="lt1"/>
-          </a:fontRef>
-        </p:style>
-        <p:txBody>
-          <a:bodyPr rtlCol="0" anchor="ctr"/>
-          <a:lstStyle/>
-          <a:p>
-            <a:r>
-              <a:rPr lang="en-US" altLang="zh-CN" sz="1200" b="1" dirty="0">
-                <a:solidFill>
-                  <a:schemeClr val="tx2">
-                    <a:lumMod val="50000"/>
-                    <a:lumOff val="50000"/>
-                  </a:schemeClr>
-                </a:solidFill>
-                <a:latin typeface="PingFang SC" panose="020B0400000000000000" pitchFamily="34" charset="-122"/>
-                <a:ea typeface="PingFang SC" panose="020B0400000000000000" pitchFamily="34" charset="-122"/>
-              </a:rPr>
-              <a:t>//</a:t>
-            </a:r>
-            <a:r>
-              <a:rPr lang="zh-CN" altLang="en-US" sz="1200" b="1" dirty="0">
-                <a:solidFill>
-                  <a:schemeClr val="tx2">
-                    <a:lumMod val="50000"/>
-                    <a:lumOff val="50000"/>
-                  </a:schemeClr>
-                </a:solidFill>
-                <a:latin typeface="PingFang SC" panose="020B0400000000000000" pitchFamily="34" charset="-122"/>
-                <a:ea typeface="PingFang SC" panose="020B0400000000000000" pitchFamily="34" charset="-122"/>
-              </a:rPr>
-              <a:t> 动词短语</a:t>
-            </a:r>
-            <a:endParaRPr lang="en-JP" sz="1200" b="1" dirty="0">
-              <a:solidFill>
-                <a:schemeClr val="tx2">
-                  <a:lumMod val="50000"/>
-                  <a:lumOff val="50000"/>
-                </a:schemeClr>
-              </a:solidFill>
-              <a:latin typeface="PingFang SC" panose="020B0400000000000000" pitchFamily="34" charset="-122"/>
-              <a:ea typeface="PingFang SC" panose="020B0400000000000000" pitchFamily="34" charset="-122"/>
-            </a:endParaRPr>
-          </a:p>
-        </p:txBody>
-      </p:sp>
-      <p:cxnSp>
-        <p:nvCxnSpPr>
-          <p:cNvPr id="40" name="Straight Connector 39">
-            <a:extLst>
-              <a:ext uri="{FF2B5EF4-FFF2-40B4-BE49-F238E27FC236}">
-                <a16:creationId xmlns:a16="http://schemas.microsoft.com/office/drawing/2014/main" id="{D9B9515E-8D84-7446-94AD-DA661EBC3505}"/>
-              </a:ext>
-            </a:extLst>
-          </p:cNvPr>
-          <p:cNvCxnSpPr>
-            <a:cxnSpLocks/>
-          </p:cNvCxnSpPr>
-          <p:nvPr userDrawn="1"/>
-        </p:nvCxnSpPr>
-        <p:spPr>
-          <a:xfrm>
-            <a:off x="8033512" y="2624653"/>
-            <a:ext cx="3417161" cy="0"/>
-          </a:xfrm>
-          <a:prstGeom prst="line">
-            <a:avLst/>
-          </a:prstGeom>
-          <a:ln w="12700">
-            <a:solidFill>
-              <a:schemeClr val="bg1">
-                <a:lumMod val="85000"/>
-              </a:schemeClr>
-            </a:solidFill>
-          </a:ln>
-        </p:spPr>
-        <p:style>
-          <a:lnRef idx="1">
-            <a:schemeClr val="accent1"/>
-          </a:lnRef>
-          <a:fillRef idx="0">
-            <a:schemeClr val="accent1"/>
-          </a:fillRef>
-          <a:effectRef idx="0">
-            <a:schemeClr val="accent1"/>
-          </a:effectRef>
-          <a:fontRef idx="minor">
-            <a:schemeClr val="tx1"/>
-          </a:fontRef>
-        </p:style>
-      </p:cxnSp>
-    </p:spTree>
-    <p:extLst>
-      <p:ext uri="{BB962C8B-B14F-4D97-AF65-F5344CB8AC3E}">
-        <p14:creationId xmlns:p14="http://schemas.microsoft.com/office/powerpoint/2010/main" val="2147417903"/>
-      </p:ext>
-    </p:extLst>
-  </p:cSld>
-  <p:clrMapOvr>
-    <a:masterClrMapping/>
-  </p:clrMapOvr>
-</p:sldLayout>
-</file>
-
-<file path=ppt/slideLayouts/slideLayout7.xml><?xml version="1.0" encoding="utf-8"?>
-<p:sldLayout xmlns:a="http://schemas.openxmlformats.org/drawingml/2006/main" xmlns:r="http://schemas.openxmlformats.org/officeDocument/2006/relationships" xmlns:p="http://schemas.openxmlformats.org/presentationml/2006/main" preserve="1" userDrawn="1">
   <p:cSld name="Blank">
     <p:bg>
       <p:bgPr>
@@ -9452,7 +4500,7 @@
 </p:sldLayout>
 </file>
 
-<file path=ppt/slideLayouts/slideLayout8.xml><?xml version="1.0" encoding="utf-8"?>
+<file path=ppt/slideLayouts/slideLayout6.xml><?xml version="1.0" encoding="utf-8"?>
 <p:sldLayout xmlns:a="http://schemas.openxmlformats.org/drawingml/2006/main" xmlns:r="http://schemas.openxmlformats.org/officeDocument/2006/relationships" xmlns:p="http://schemas.openxmlformats.org/presentationml/2006/main" preserve="1" userDrawn="1">
   <p:cSld name="Thanks">
     <p:bg>
@@ -9748,10 +4796,8 @@
     <p:sldLayoutId id="2147483946" r:id="rId2"/>
     <p:sldLayoutId id="2147483948" r:id="rId3"/>
     <p:sldLayoutId id="2147483944" r:id="rId4"/>
-    <p:sldLayoutId id="2147483945" r:id="rId5"/>
-    <p:sldLayoutId id="2147483947" r:id="rId6"/>
-    <p:sldLayoutId id="2147483931" r:id="rId7"/>
-    <p:sldLayoutId id="2147483928" r:id="rId8"/>
+    <p:sldLayoutId id="2147483931" r:id="rId5"/>
+    <p:sldLayoutId id="2147483928" r:id="rId6"/>
   </p:sldLayoutIdLst>
   <p:hf sldNum="0" hdr="0" ftr="0" dt="0"/>
   <p:txStyles>

--- a/linguappt/en/templates/phrase_english_classic.pptx
+++ b/linguappt/en/templates/phrase_english_classic.pptx
@@ -208,7 +208,7 @@
           <a:p>
             <a:fld id="{49827307-2D32-1C49-A664-3E09AADAF8D1}" type="datetimeFigureOut">
               <a:rPr lang="en-CN" smtClean="0"/>
-              <a:t>9/20/21</a:t>
+              <a:t>10/22/21</a:t>
             </a:fld>
             <a:endParaRPr lang="en-CN"/>
           </a:p>
@@ -1431,47 +1431,22 @@
         <p:txBody>
           <a:bodyPr anchor="b"/>
           <a:lstStyle>
-            <a:lvl1pPr marL="0" marR="0" indent="0" algn="ctr" defTabSz="457200" rtl="0" eaLnBrk="1" fontAlgn="auto" latinLnBrk="0" hangingPunct="1">
-              <a:lnSpc>
-                <a:spcPct val="100000"/>
-              </a:lnSpc>
-              <a:spcBef>
-                <a:spcPct val="20000"/>
-              </a:spcBef>
-              <a:spcAft>
-                <a:spcPts val="600"/>
-              </a:spcAft>
-              <a:buClr>
-                <a:schemeClr val="accent2"/>
-              </a:buClr>
-              <a:buSzPct val="92000"/>
-              <a:buFont typeface="Wingdings 2" panose="05020102010507070707" pitchFamily="18" charset="2"/>
+            <a:lvl1pPr marL="0" indent="0">
               <a:buNone/>
-              <a:tabLst/>
-              <a:defRPr sz="1800" b="0" i="0">
+              <a:defRPr lang="en-US" sz="1800" b="0" i="0" kern="1200" dirty="0">
+                <a:solidFill>
+                  <a:schemeClr val="accent3">
+                    <a:lumMod val="75000"/>
+                  </a:schemeClr>
+                </a:solidFill>
                 <a:latin typeface="Roboto Medium" pitchFamily="2" charset="0"/>
                 <a:ea typeface="Roboto Medium" pitchFamily="2" charset="0"/>
+                <a:cs typeface="+mn-cs"/>
               </a:defRPr>
             </a:lvl1pPr>
-            <a:lvl2pPr marL="324000" indent="0" algn="ctr">
-              <a:buNone/>
-              <a:defRPr sz="1800"/>
-            </a:lvl2pPr>
-            <a:lvl3pPr marL="630000" indent="0" algn="ctr">
-              <a:buNone/>
-              <a:defRPr sz="1800"/>
-            </a:lvl3pPr>
-            <a:lvl4pPr marL="1008000" indent="0" algn="ctr">
-              <a:buNone/>
-              <a:defRPr sz="1800"/>
-            </a:lvl4pPr>
-            <a:lvl5pPr marL="1368000" indent="0" algn="ctr">
-              <a:buNone/>
-              <a:defRPr sz="1800"/>
-            </a:lvl5pPr>
           </a:lstStyle>
           <a:p>
-            <a:pPr marL="0" marR="0" lvl="0" indent="0" algn="ctr" defTabSz="457200" rtl="0" eaLnBrk="1" fontAlgn="auto" latinLnBrk="0" hangingPunct="1">
+            <a:pPr marL="0" marR="0" lvl="0" indent="0" algn="l" defTabSz="457200" rtl="0" eaLnBrk="1" fontAlgn="auto" latinLnBrk="0" hangingPunct="1">
               <a:lnSpc>
                 <a:spcPct val="100000"/>
               </a:lnSpc>
@@ -1542,7 +1517,7 @@
         <p:txBody>
           <a:bodyPr anchor="t"/>
           <a:lstStyle>
-            <a:lvl1pPr marL="0" indent="0" algn="ctr">
+            <a:lvl1pPr marL="0" indent="0" algn="l">
               <a:buNone/>
               <a:defRPr sz="1600" b="0" i="0">
                 <a:solidFill>
@@ -1724,7 +1699,7 @@
         <p:txBody>
           <a:bodyPr anchor="b"/>
           <a:lstStyle>
-            <a:lvl1pPr marL="0" indent="0" algn="ctr">
+            <a:lvl1pPr marL="0" indent="0" algn="l">
               <a:buNone/>
               <a:defRPr b="0" i="0">
                 <a:solidFill>
@@ -1784,7 +1759,7 @@
         <p:txBody>
           <a:bodyPr anchor="t"/>
           <a:lstStyle>
-            <a:lvl1pPr marL="0" indent="0" algn="ctr">
+            <a:lvl1pPr marL="0" indent="0" algn="l">
               <a:buNone/>
               <a:defRPr sz="1400" b="0" i="0">
                 <a:solidFill>
@@ -1835,7 +1810,7 @@
         <p:txBody>
           <a:bodyPr anchor="b"/>
           <a:lstStyle>
-            <a:lvl1pPr marL="0" indent="0" algn="ctr">
+            <a:lvl1pPr marL="0" indent="0" algn="l">
               <a:buNone/>
               <a:defRPr b="0" i="0">
                 <a:solidFill>
@@ -1895,7 +1870,7 @@
         <p:txBody>
           <a:bodyPr anchor="t"/>
           <a:lstStyle>
-            <a:lvl1pPr marL="0" indent="0" algn="ctr">
+            <a:lvl1pPr marL="0" indent="0" algn="l">
               <a:buNone/>
               <a:defRPr sz="1400" b="0" i="0">
                 <a:solidFill>
@@ -1946,7 +1921,7 @@
         <p:txBody>
           <a:bodyPr anchor="b"/>
           <a:lstStyle>
-            <a:lvl1pPr marL="0" indent="0" algn="ctr">
+            <a:lvl1pPr marL="0" indent="0" algn="l">
               <a:buNone/>
               <a:defRPr b="0" i="0">
                 <a:solidFill>
@@ -2006,7 +1981,7 @@
         <p:txBody>
           <a:bodyPr anchor="t"/>
           <a:lstStyle>
-            <a:lvl1pPr marL="0" indent="0" algn="ctr">
+            <a:lvl1pPr marL="0" indent="0" algn="l">
               <a:buNone/>
               <a:defRPr sz="1400" b="0" i="0">
                 <a:solidFill>
@@ -2378,7 +2353,7 @@
         <p:txBody>
           <a:bodyPr anchor="b"/>
           <a:lstStyle>
-            <a:lvl1pPr marL="0" marR="0" indent="0" algn="ctr" defTabSz="457200" rtl="0" eaLnBrk="1" fontAlgn="auto" latinLnBrk="0" hangingPunct="1">
+            <a:lvl1pPr marL="0" marR="0" indent="0" algn="l" defTabSz="457200" rtl="0" eaLnBrk="1" fontAlgn="auto" latinLnBrk="0" hangingPunct="1">
               <a:lnSpc>
                 <a:spcPct val="100000"/>
               </a:lnSpc>
@@ -2395,9 +2370,15 @@
               <a:buFont typeface="Wingdings 2" panose="05020102010507070707" pitchFamily="18" charset="2"/>
               <a:buNone/>
               <a:tabLst/>
-              <a:defRPr sz="1800" b="0" i="0">
+              <a:defRPr lang="en-US" sz="1800" b="0" i="0" kern="1200" dirty="0">
+                <a:solidFill>
+                  <a:schemeClr val="accent3">
+                    <a:lumMod val="75000"/>
+                  </a:schemeClr>
+                </a:solidFill>
                 <a:latin typeface="Roboto Medium" pitchFamily="2" charset="0"/>
                 <a:ea typeface="Roboto Medium" pitchFamily="2" charset="0"/>
+                <a:cs typeface="+mn-cs"/>
               </a:defRPr>
             </a:lvl1pPr>
             <a:lvl2pPr marL="324000" indent="0" algn="ctr">
@@ -2418,7 +2399,7 @@
             </a:lvl5pPr>
           </a:lstStyle>
           <a:p>
-            <a:pPr marL="0" marR="0" lvl="0" indent="0" algn="ctr" defTabSz="457200" rtl="0" eaLnBrk="1" fontAlgn="auto" latinLnBrk="0" hangingPunct="1">
+            <a:pPr marL="0" marR="0" lvl="0" indent="0" algn="l" defTabSz="457200" rtl="0" eaLnBrk="1" fontAlgn="auto" latinLnBrk="0" hangingPunct="1">
               <a:lnSpc>
                 <a:spcPct val="100000"/>
               </a:lnSpc>
@@ -2489,7 +2470,7 @@
         <p:txBody>
           <a:bodyPr anchor="t"/>
           <a:lstStyle>
-            <a:lvl1pPr marL="0" indent="0" algn="ctr">
+            <a:lvl1pPr marL="0" indent="0" algn="l">
               <a:buNone/>
               <a:defRPr sz="1600" b="0" i="0">
                 <a:solidFill>

--- a/linguappt/en/templates/phrase_english_classic.pptx
+++ b/linguappt/en/templates/phrase_english_classic.pptx
@@ -208,7 +208,7 @@
           <a:p>
             <a:fld id="{49827307-2D32-1C49-A664-3E09AADAF8D1}" type="datetimeFigureOut">
               <a:rPr lang="en-CN" smtClean="0"/>
-              <a:t>10/22/21</a:t>
+              <a:t>11/17/21</a:t>
             </a:fld>
             <a:endParaRPr lang="en-CN"/>
           </a:p>
@@ -478,7 +478,7 @@
 
 <file path=ppt/slideLayouts/slideLayout1.xml><?xml version="1.0" encoding="utf-8"?>
 <p:sldLayout xmlns:a="http://schemas.openxmlformats.org/drawingml/2006/main" xmlns:r="http://schemas.openxmlformats.org/officeDocument/2006/relationships" xmlns:p="http://schemas.openxmlformats.org/presentationml/2006/main" preserve="1" userDrawn="1">
-  <p:cSld name="Opening for chinese">
+  <p:cSld name="Opening">
     <p:bg>
       <p:bgPr>
         <a:solidFill>
@@ -501,56 +501,26 @@
           <a:chExt cx="0" cy="0"/>
         </a:xfrm>
       </p:grpSpPr>
-      <p:pic>
-        <p:nvPicPr>
-          <p:cNvPr id="3" name="Picture 2">
-            <a:extLst>
-              <a:ext uri="{FF2B5EF4-FFF2-40B4-BE49-F238E27FC236}">
-                <a16:creationId xmlns:a16="http://schemas.microsoft.com/office/drawing/2014/main" id="{1CE27359-F467-9E41-BBFC-9A3D2EE87D90}"/>
-              </a:ext>
-            </a:extLst>
-          </p:cNvPr>
-          <p:cNvPicPr>
-            <a:picLocks noChangeAspect="1"/>
-          </p:cNvPicPr>
-          <p:nvPr userDrawn="1"/>
-        </p:nvPicPr>
-        <p:blipFill>
-          <a:blip r:embed="rId2"/>
-          <a:stretch>
-            <a:fillRect/>
-          </a:stretch>
-        </p:blipFill>
-        <p:spPr>
-          <a:xfrm>
-            <a:off x="0" y="0"/>
-            <a:ext cx="12192000" cy="6854106"/>
-          </a:xfrm>
-          <a:prstGeom prst="rect">
-            <a:avLst/>
-          </a:prstGeom>
-        </p:spPr>
-      </p:pic>
-      <p:sp>
-        <p:nvSpPr>
-          <p:cNvPr id="91" name="Text Placeholder 6">
-            <a:extLst>
-              <a:ext uri="{FF2B5EF4-FFF2-40B4-BE49-F238E27FC236}">
-                <a16:creationId xmlns:a16="http://schemas.microsoft.com/office/drawing/2014/main" id="{24C3FF9E-7065-F74E-BBE4-40BDC1CA7B1F}"/>
+      <p:sp>
+        <p:nvSpPr>
+          <p:cNvPr id="8" name="Text Placeholder 6">
+            <a:extLst>
+              <a:ext uri="{FF2B5EF4-FFF2-40B4-BE49-F238E27FC236}">
+                <a16:creationId xmlns:a16="http://schemas.microsoft.com/office/drawing/2014/main" id="{98583E1F-E821-B844-B005-C9426F5EC6F6}"/>
               </a:ext>
             </a:extLst>
           </p:cNvPr>
           <p:cNvSpPr>
             <a:spLocks noGrp="1"/>
           </p:cNvSpPr>
-          <p:nvPr userDrawn="1">
+          <p:nvPr>
             <p:ph type="body" sz="quarter" idx="10" hasCustomPrompt="1"/>
           </p:nvPr>
         </p:nvSpPr>
         <p:spPr>
           <a:xfrm>
-            <a:off x="774551" y="685760"/>
-            <a:ext cx="7409681" cy="2143125"/>
+            <a:off x="582984" y="561089"/>
+            <a:ext cx="6377112" cy="2143125"/>
           </a:xfrm>
           <a:prstGeom prst="rect">
             <a:avLst/>
@@ -559,15 +529,16 @@
         <p:txBody>
           <a:bodyPr vert="horz" anchor="b"/>
           <a:lstStyle>
-            <a:lvl1pPr marL="0" indent="0" algn="l">
+            <a:lvl1pPr marL="0" indent="0" algn="ctr">
               <a:buNone/>
-              <a:defRPr sz="6400" b="0" i="0">
+              <a:defRPr sz="4800" b="0" i="0" baseline="0">
                 <a:solidFill>
                   <a:schemeClr val="accent3">
-                    <a:lumMod val="75000"/>
+                    <a:lumMod val="60000"/>
+                    <a:lumOff val="40000"/>
                   </a:schemeClr>
                 </a:solidFill>
-                <a:latin typeface="PingFang SC" panose="020B0400000000000000" pitchFamily="34" charset="-122"/>
+                <a:latin typeface="Cambria" panose="02040503050406030204" pitchFamily="18" charset="0"/>
                 <a:ea typeface="PingFang SC" panose="020B0400000000000000" pitchFamily="34" charset="-122"/>
                 <a:cs typeface="Helvetica Neue Medium" panose="02000503000000020004" pitchFamily="2" charset="0"/>
               </a:defRPr>
@@ -645,24 +616,24 @@
       </p:sp>
       <p:sp>
         <p:nvSpPr>
-          <p:cNvPr id="92" name="Text Placeholder 6">
-            <a:extLst>
-              <a:ext uri="{FF2B5EF4-FFF2-40B4-BE49-F238E27FC236}">
-                <a16:creationId xmlns:a16="http://schemas.microsoft.com/office/drawing/2014/main" id="{F5CDB6B1-91C8-6B40-BBBD-7C6446BC9D7C}"/>
+          <p:cNvPr id="9" name="Text Placeholder 6">
+            <a:extLst>
+              <a:ext uri="{FF2B5EF4-FFF2-40B4-BE49-F238E27FC236}">
+                <a16:creationId xmlns:a16="http://schemas.microsoft.com/office/drawing/2014/main" id="{FB16D8DD-A39B-1142-8110-80C06871B9F1}"/>
               </a:ext>
             </a:extLst>
           </p:cNvPr>
           <p:cNvSpPr>
             <a:spLocks noGrp="1"/>
           </p:cNvSpPr>
-          <p:nvPr userDrawn="1">
+          <p:nvPr>
             <p:ph type="body" sz="quarter" idx="11" hasCustomPrompt="1"/>
           </p:nvPr>
         </p:nvSpPr>
         <p:spPr>
           <a:xfrm>
-            <a:off x="774551" y="3335551"/>
-            <a:ext cx="7409681" cy="1131008"/>
+            <a:off x="582984" y="2778042"/>
+            <a:ext cx="6377112" cy="2143125"/>
           </a:xfrm>
           <a:prstGeom prst="rect">
             <a:avLst/>
@@ -671,15 +642,16 @@
         <p:txBody>
           <a:bodyPr vert="horz" anchor="t"/>
           <a:lstStyle>
-            <a:lvl1pPr marL="0" indent="0" algn="l">
+            <a:lvl1pPr marL="0" indent="0" algn="ctr">
               <a:buNone/>
-              <a:defRPr sz="3600" b="0" i="0" spc="300">
+              <a:defRPr sz="2800" b="1" i="0" spc="0" baseline="0">
                 <a:solidFill>
-                  <a:schemeClr val="accent3">
-                    <a:lumMod val="75000"/>
+                  <a:schemeClr val="tx2">
+                    <a:lumMod val="90000"/>
+                    <a:lumOff val="10000"/>
                   </a:schemeClr>
                 </a:solidFill>
-                <a:latin typeface="PingFang SC" panose="020B0400000000000000" pitchFamily="34" charset="-122"/>
+                <a:latin typeface="Calibri" panose="020F0502020204030204" pitchFamily="34" charset="0"/>
                 <a:ea typeface="PingFang SC" panose="020B0400000000000000" pitchFamily="34" charset="-122"/>
                 <a:cs typeface="Helvetica Neue" panose="02000503000000020004" pitchFamily="2" charset="0"/>
               </a:defRPr>
@@ -755,67 +727,42 @@
           </a:p>
         </p:txBody>
       </p:sp>
-      <p:sp>
-        <p:nvSpPr>
-          <p:cNvPr id="93" name="Rectangle 92">
-            <a:extLst>
-              <a:ext uri="{FF2B5EF4-FFF2-40B4-BE49-F238E27FC236}">
-                <a16:creationId xmlns:a16="http://schemas.microsoft.com/office/drawing/2014/main" id="{1AD5B537-5D39-554B-A1F8-4FCE13B53844}"/>
-              </a:ext>
-            </a:extLst>
-          </p:cNvPr>
-          <p:cNvSpPr/>
+      <p:pic>
+        <p:nvPicPr>
+          <p:cNvPr id="10" name="Picture 9">
+            <a:extLst>
+              <a:ext uri="{FF2B5EF4-FFF2-40B4-BE49-F238E27FC236}">
+                <a16:creationId xmlns:a16="http://schemas.microsoft.com/office/drawing/2014/main" id="{7A09908B-9CF6-FE45-AF45-86D6AF3EC9F2}"/>
+              </a:ext>
+            </a:extLst>
+          </p:cNvPr>
+          <p:cNvPicPr>
+            <a:picLocks noChangeAspect="1"/>
+          </p:cNvPicPr>
           <p:nvPr userDrawn="1"/>
-        </p:nvSpPr>
-        <p:spPr>
-          <a:xfrm>
-            <a:off x="882157" y="3055651"/>
-            <a:ext cx="1080000" cy="72000"/>
+        </p:nvPicPr>
+        <p:blipFill>
+          <a:blip r:embed="rId2"/>
+          <a:stretch>
+            <a:fillRect/>
+          </a:stretch>
+        </p:blipFill>
+        <p:spPr>
+          <a:xfrm>
+            <a:off x="3288343" y="5396911"/>
+            <a:ext cx="900000" cy="900000"/>
           </a:xfrm>
           <a:prstGeom prst="rect">
             <a:avLst/>
           </a:prstGeom>
-          <a:solidFill>
-            <a:schemeClr val="accent3">
-              <a:lumMod val="60000"/>
-              <a:lumOff val="40000"/>
-            </a:schemeClr>
-          </a:solidFill>
-          <a:ln>
-            <a:noFill/>
-          </a:ln>
-        </p:spPr>
-        <p:style>
-          <a:lnRef idx="2">
-            <a:schemeClr val="accent1">
-              <a:shade val="50000"/>
-            </a:schemeClr>
-          </a:lnRef>
-          <a:fillRef idx="1">
-            <a:schemeClr val="accent1"/>
-          </a:fillRef>
-          <a:effectRef idx="0">
-            <a:schemeClr val="accent1"/>
-          </a:effectRef>
-          <a:fontRef idx="minor">
-            <a:schemeClr val="lt1"/>
-          </a:fontRef>
-        </p:style>
-        <p:txBody>
-          <a:bodyPr rtlCol="0" anchor="ctr"/>
-          <a:lstStyle/>
-          <a:p>
-            <a:pPr algn="ctr"/>
-            <a:endParaRPr lang="en-CN"/>
-          </a:p>
-        </p:txBody>
-      </p:sp>
+        </p:spPr>
+      </p:pic>
       <p:pic>
         <p:nvPicPr>
-          <p:cNvPr id="29" name="Picture 28">
-            <a:extLst>
-              <a:ext uri="{FF2B5EF4-FFF2-40B4-BE49-F238E27FC236}">
-                <a16:creationId xmlns:a16="http://schemas.microsoft.com/office/drawing/2014/main" id="{CC619579-9367-324E-AF98-EEE7E28A99B9}"/>
+          <p:cNvPr id="11" name="Picture 10">
+            <a:extLst>
+              <a:ext uri="{FF2B5EF4-FFF2-40B4-BE49-F238E27FC236}">
+                <a16:creationId xmlns:a16="http://schemas.microsoft.com/office/drawing/2014/main" id="{8106D811-6DE1-954B-908B-DAD8AD7E9C3C}"/>
               </a:ext>
             </a:extLst>
           </p:cNvPr>
@@ -832,445 +779,8 @@
         </p:blipFill>
         <p:spPr>
           <a:xfrm>
-            <a:off x="9336360" y="1831761"/>
-            <a:ext cx="1238024" cy="1238024"/>
-          </a:xfrm>
-          <a:prstGeom prst="rect">
-            <a:avLst/>
-          </a:prstGeom>
-        </p:spPr>
-      </p:pic>
-      <p:pic>
-        <p:nvPicPr>
-          <p:cNvPr id="30" name="Picture 29">
-            <a:extLst>
-              <a:ext uri="{FF2B5EF4-FFF2-40B4-BE49-F238E27FC236}">
-                <a16:creationId xmlns:a16="http://schemas.microsoft.com/office/drawing/2014/main" id="{31807514-6996-DF4B-8E3D-F265E41947DB}"/>
-              </a:ext>
-            </a:extLst>
-          </p:cNvPr>
-          <p:cNvPicPr>
-            <a:picLocks noChangeAspect="1"/>
-          </p:cNvPicPr>
-          <p:nvPr userDrawn="1"/>
-        </p:nvPicPr>
-        <p:blipFill>
-          <a:blip r:embed="rId4"/>
-          <a:stretch>
-            <a:fillRect/>
-          </a:stretch>
-        </p:blipFill>
-        <p:spPr>
-          <a:xfrm>
-            <a:off x="774551" y="5611950"/>
-            <a:ext cx="900000" cy="900000"/>
-          </a:xfrm>
-          <a:prstGeom prst="rect">
-            <a:avLst/>
-          </a:prstGeom>
-        </p:spPr>
-      </p:pic>
-    </p:spTree>
-    <p:extLst>
-      <p:ext uri="{BB962C8B-B14F-4D97-AF65-F5344CB8AC3E}">
-        <p14:creationId xmlns:p14="http://schemas.microsoft.com/office/powerpoint/2010/main" val="205283214"/>
-      </p:ext>
-    </p:extLst>
-  </p:cSld>
-  <p:clrMapOvr>
-    <a:masterClrMapping/>
-  </p:clrMapOvr>
-</p:sldLayout>
-</file>
-
-<file path=ppt/slideLayouts/slideLayout2.xml><?xml version="1.0" encoding="utf-8"?>
-<p:sldLayout xmlns:a="http://schemas.openxmlformats.org/drawingml/2006/main" xmlns:r="http://schemas.openxmlformats.org/officeDocument/2006/relationships" xmlns:p="http://schemas.openxmlformats.org/presentationml/2006/main" preserve="1" userDrawn="1">
-  <p:cSld name="Opening for english">
-    <p:bg>
-      <p:bgPr>
-        <a:solidFill>
-          <a:schemeClr val="bg1"/>
-        </a:solidFill>
-        <a:effectLst/>
-      </p:bgPr>
-    </p:bg>
-    <p:spTree>
-      <p:nvGrpSpPr>
-        <p:cNvPr id="1" name=""/>
-        <p:cNvGrpSpPr/>
-        <p:nvPr/>
-      </p:nvGrpSpPr>
-      <p:grpSpPr>
-        <a:xfrm>
-          <a:off x="0" y="0"/>
-          <a:ext cx="0" cy="0"/>
-          <a:chOff x="0" y="0"/>
-          <a:chExt cx="0" cy="0"/>
-        </a:xfrm>
-      </p:grpSpPr>
-      <p:pic>
-        <p:nvPicPr>
-          <p:cNvPr id="3" name="Picture 2">
-            <a:extLst>
-              <a:ext uri="{FF2B5EF4-FFF2-40B4-BE49-F238E27FC236}">
-                <a16:creationId xmlns:a16="http://schemas.microsoft.com/office/drawing/2014/main" id="{1CE27359-F467-9E41-BBFC-9A3D2EE87D90}"/>
-              </a:ext>
-            </a:extLst>
-          </p:cNvPr>
-          <p:cNvPicPr>
-            <a:picLocks noChangeAspect="1"/>
-          </p:cNvPicPr>
-          <p:nvPr userDrawn="1"/>
-        </p:nvPicPr>
-        <p:blipFill>
-          <a:blip r:embed="rId2"/>
-          <a:stretch>
-            <a:fillRect/>
-          </a:stretch>
-        </p:blipFill>
-        <p:spPr>
-          <a:xfrm>
-            <a:off x="0" y="0"/>
-            <a:ext cx="12192000" cy="6854106"/>
-          </a:xfrm>
-          <a:prstGeom prst="rect">
-            <a:avLst/>
-          </a:prstGeom>
-        </p:spPr>
-      </p:pic>
-      <p:sp>
-        <p:nvSpPr>
-          <p:cNvPr id="91" name="Text Placeholder 6">
-            <a:extLst>
-              <a:ext uri="{FF2B5EF4-FFF2-40B4-BE49-F238E27FC236}">
-                <a16:creationId xmlns:a16="http://schemas.microsoft.com/office/drawing/2014/main" id="{24C3FF9E-7065-F74E-BBE4-40BDC1CA7B1F}"/>
-              </a:ext>
-            </a:extLst>
-          </p:cNvPr>
-          <p:cNvSpPr>
-            <a:spLocks noGrp="1"/>
-          </p:cNvSpPr>
-          <p:nvPr userDrawn="1">
-            <p:ph type="body" sz="quarter" idx="10" hasCustomPrompt="1"/>
-          </p:nvPr>
-        </p:nvSpPr>
-        <p:spPr>
-          <a:xfrm>
-            <a:off x="774551" y="685760"/>
-            <a:ext cx="7409681" cy="2143125"/>
-          </a:xfrm>
-          <a:prstGeom prst="rect">
-            <a:avLst/>
-          </a:prstGeom>
-        </p:spPr>
-        <p:txBody>
-          <a:bodyPr vert="horz" anchor="b"/>
-          <a:lstStyle>
-            <a:lvl1pPr marL="0" indent="0" algn="l">
-              <a:buNone/>
-              <a:defRPr sz="4000" b="0" i="0">
-                <a:solidFill>
-                  <a:schemeClr val="accent3">
-                    <a:lumMod val="75000"/>
-                  </a:schemeClr>
-                </a:solidFill>
-                <a:latin typeface="Roboto Medium" pitchFamily="2" charset="0"/>
-                <a:ea typeface="Roboto Medium" pitchFamily="2" charset="0"/>
-                <a:cs typeface="Helvetica Neue Medium" panose="02000503000000020004" pitchFamily="2" charset="0"/>
-              </a:defRPr>
-            </a:lvl1pPr>
-            <a:lvl2pPr>
-              <a:defRPr>
-                <a:solidFill>
-                  <a:schemeClr val="tx1">
-                    <a:lumMod val="95000"/>
-                    <a:lumOff val="5000"/>
-                  </a:schemeClr>
-                </a:solidFill>
-                <a:latin typeface="Helvetica Neue" panose="02000503000000020004" pitchFamily="2" charset="0"/>
-                <a:ea typeface="Helvetica Neue" panose="02000503000000020004" pitchFamily="2" charset="0"/>
-                <a:cs typeface="Helvetica Neue" panose="02000503000000020004" pitchFamily="2" charset="0"/>
-              </a:defRPr>
-            </a:lvl2pPr>
-            <a:lvl3pPr>
-              <a:defRPr>
-                <a:solidFill>
-                  <a:schemeClr val="tx1">
-                    <a:lumMod val="95000"/>
-                    <a:lumOff val="5000"/>
-                  </a:schemeClr>
-                </a:solidFill>
-                <a:latin typeface="Helvetica Neue" panose="02000503000000020004" pitchFamily="2" charset="0"/>
-                <a:ea typeface="Helvetica Neue" panose="02000503000000020004" pitchFamily="2" charset="0"/>
-                <a:cs typeface="Helvetica Neue" panose="02000503000000020004" pitchFamily="2" charset="0"/>
-              </a:defRPr>
-            </a:lvl3pPr>
-            <a:lvl4pPr>
-              <a:defRPr>
-                <a:solidFill>
-                  <a:schemeClr val="tx1">
-                    <a:lumMod val="95000"/>
-                    <a:lumOff val="5000"/>
-                  </a:schemeClr>
-                </a:solidFill>
-                <a:latin typeface="Helvetica Neue" panose="02000503000000020004" pitchFamily="2" charset="0"/>
-                <a:ea typeface="Helvetica Neue" panose="02000503000000020004" pitchFamily="2" charset="0"/>
-                <a:cs typeface="Helvetica Neue" panose="02000503000000020004" pitchFamily="2" charset="0"/>
-              </a:defRPr>
-            </a:lvl4pPr>
-            <a:lvl5pPr>
-              <a:defRPr>
-                <a:solidFill>
-                  <a:schemeClr val="tx1">
-                    <a:lumMod val="95000"/>
-                    <a:lumOff val="5000"/>
-                  </a:schemeClr>
-                </a:solidFill>
-                <a:latin typeface="Helvetica Neue" panose="02000503000000020004" pitchFamily="2" charset="0"/>
-                <a:ea typeface="Helvetica Neue" panose="02000503000000020004" pitchFamily="2" charset="0"/>
-                <a:cs typeface="Helvetica Neue" panose="02000503000000020004" pitchFamily="2" charset="0"/>
-              </a:defRPr>
-            </a:lvl5pPr>
-          </a:lstStyle>
-          <a:p>
-            <a:pPr lvl="0"/>
-            <a:r>
-              <a:rPr lang="en-US" dirty="0"/>
-              <a:t>Presentation</a:t>
-            </a:r>
-            <a:r>
-              <a:rPr lang="zh-CN" altLang="en-US" dirty="0"/>
-              <a:t> </a:t>
-            </a:r>
-            <a:r>
-              <a:rPr lang="en-US" altLang="zh-CN" dirty="0"/>
-              <a:t>Title</a:t>
-            </a:r>
-            <a:endParaRPr lang="en-US" dirty="0"/>
-          </a:p>
-        </p:txBody>
-      </p:sp>
-      <p:sp>
-        <p:nvSpPr>
-          <p:cNvPr id="92" name="Text Placeholder 6">
-            <a:extLst>
-              <a:ext uri="{FF2B5EF4-FFF2-40B4-BE49-F238E27FC236}">
-                <a16:creationId xmlns:a16="http://schemas.microsoft.com/office/drawing/2014/main" id="{F5CDB6B1-91C8-6B40-BBBD-7C6446BC9D7C}"/>
-              </a:ext>
-            </a:extLst>
-          </p:cNvPr>
-          <p:cNvSpPr>
-            <a:spLocks noGrp="1"/>
-          </p:cNvSpPr>
-          <p:nvPr userDrawn="1">
-            <p:ph type="body" sz="quarter" idx="11" hasCustomPrompt="1"/>
-          </p:nvPr>
-        </p:nvSpPr>
-        <p:spPr>
-          <a:xfrm>
-            <a:off x="774551" y="3335551"/>
-            <a:ext cx="7409681" cy="1131008"/>
-          </a:xfrm>
-          <a:prstGeom prst="rect">
-            <a:avLst/>
-          </a:prstGeom>
-        </p:spPr>
-        <p:txBody>
-          <a:bodyPr vert="horz" anchor="t"/>
-          <a:lstStyle>
-            <a:lvl1pPr marL="0" indent="0" algn="l">
-              <a:buNone/>
-              <a:defRPr sz="2400" b="0" i="0" spc="0">
-                <a:solidFill>
-                  <a:schemeClr val="accent3">
-                    <a:lumMod val="75000"/>
-                  </a:schemeClr>
-                </a:solidFill>
-                <a:latin typeface="Roboto Medium" pitchFamily="2" charset="0"/>
-                <a:ea typeface="Roboto Medium" pitchFamily="2" charset="0"/>
-                <a:cs typeface="Helvetica Neue" panose="02000503000000020004" pitchFamily="2" charset="0"/>
-              </a:defRPr>
-            </a:lvl1pPr>
-            <a:lvl2pPr>
-              <a:defRPr>
-                <a:solidFill>
-                  <a:schemeClr val="tx1">
-                    <a:lumMod val="95000"/>
-                    <a:lumOff val="5000"/>
-                  </a:schemeClr>
-                </a:solidFill>
-                <a:latin typeface="Helvetica Neue" panose="02000503000000020004" pitchFamily="2" charset="0"/>
-                <a:ea typeface="Helvetica Neue" panose="02000503000000020004" pitchFamily="2" charset="0"/>
-                <a:cs typeface="Helvetica Neue" panose="02000503000000020004" pitchFamily="2" charset="0"/>
-              </a:defRPr>
-            </a:lvl2pPr>
-            <a:lvl3pPr>
-              <a:defRPr>
-                <a:solidFill>
-                  <a:schemeClr val="tx1">
-                    <a:lumMod val="95000"/>
-                    <a:lumOff val="5000"/>
-                  </a:schemeClr>
-                </a:solidFill>
-                <a:latin typeface="Helvetica Neue" panose="02000503000000020004" pitchFamily="2" charset="0"/>
-                <a:ea typeface="Helvetica Neue" panose="02000503000000020004" pitchFamily="2" charset="0"/>
-                <a:cs typeface="Helvetica Neue" panose="02000503000000020004" pitchFamily="2" charset="0"/>
-              </a:defRPr>
-            </a:lvl3pPr>
-            <a:lvl4pPr>
-              <a:defRPr>
-                <a:solidFill>
-                  <a:schemeClr val="tx1">
-                    <a:lumMod val="95000"/>
-                    <a:lumOff val="5000"/>
-                  </a:schemeClr>
-                </a:solidFill>
-                <a:latin typeface="Helvetica Neue" panose="02000503000000020004" pitchFamily="2" charset="0"/>
-                <a:ea typeface="Helvetica Neue" panose="02000503000000020004" pitchFamily="2" charset="0"/>
-                <a:cs typeface="Helvetica Neue" panose="02000503000000020004" pitchFamily="2" charset="0"/>
-              </a:defRPr>
-            </a:lvl4pPr>
-            <a:lvl5pPr>
-              <a:defRPr>
-                <a:solidFill>
-                  <a:schemeClr val="tx1">
-                    <a:lumMod val="95000"/>
-                    <a:lumOff val="5000"/>
-                  </a:schemeClr>
-                </a:solidFill>
-                <a:latin typeface="Helvetica Neue" panose="02000503000000020004" pitchFamily="2" charset="0"/>
-                <a:ea typeface="Helvetica Neue" panose="02000503000000020004" pitchFamily="2" charset="0"/>
-                <a:cs typeface="Helvetica Neue" panose="02000503000000020004" pitchFamily="2" charset="0"/>
-              </a:defRPr>
-            </a:lvl5pPr>
-          </a:lstStyle>
-          <a:p>
-            <a:pPr lvl="0"/>
-            <a:r>
-              <a:rPr lang="en-US" dirty="0"/>
-              <a:t>Presentation</a:t>
-            </a:r>
-            <a:r>
-              <a:rPr lang="zh-CN" altLang="en-US" dirty="0"/>
-              <a:t> </a:t>
-            </a:r>
-            <a:r>
-              <a:rPr lang="en-US" altLang="zh-CN" dirty="0"/>
-              <a:t>Subtitle</a:t>
-            </a:r>
-            <a:endParaRPr lang="en-US" dirty="0"/>
-          </a:p>
-        </p:txBody>
-      </p:sp>
-      <p:sp>
-        <p:nvSpPr>
-          <p:cNvPr id="93" name="Rectangle 92">
-            <a:extLst>
-              <a:ext uri="{FF2B5EF4-FFF2-40B4-BE49-F238E27FC236}">
-                <a16:creationId xmlns:a16="http://schemas.microsoft.com/office/drawing/2014/main" id="{1AD5B537-5D39-554B-A1F8-4FCE13B53844}"/>
-              </a:ext>
-            </a:extLst>
-          </p:cNvPr>
-          <p:cNvSpPr/>
-          <p:nvPr userDrawn="1"/>
-        </p:nvSpPr>
-        <p:spPr>
-          <a:xfrm>
-            <a:off x="882157" y="3055651"/>
-            <a:ext cx="1080000" cy="72000"/>
-          </a:xfrm>
-          <a:prstGeom prst="rect">
-            <a:avLst/>
-          </a:prstGeom>
-          <a:solidFill>
-            <a:schemeClr val="accent3">
-              <a:lumMod val="60000"/>
-              <a:lumOff val="40000"/>
-            </a:schemeClr>
-          </a:solidFill>
-          <a:ln>
-            <a:noFill/>
-          </a:ln>
-        </p:spPr>
-        <p:style>
-          <a:lnRef idx="2">
-            <a:schemeClr val="accent1">
-              <a:shade val="50000"/>
-            </a:schemeClr>
-          </a:lnRef>
-          <a:fillRef idx="1">
-            <a:schemeClr val="accent1"/>
-          </a:fillRef>
-          <a:effectRef idx="0">
-            <a:schemeClr val="accent1"/>
-          </a:effectRef>
-          <a:fontRef idx="minor">
-            <a:schemeClr val="lt1"/>
-          </a:fontRef>
-        </p:style>
-        <p:txBody>
-          <a:bodyPr rtlCol="0" anchor="ctr"/>
-          <a:lstStyle/>
-          <a:p>
-            <a:pPr algn="ctr"/>
-            <a:endParaRPr lang="en-CN"/>
-          </a:p>
-        </p:txBody>
-      </p:sp>
-      <p:pic>
-        <p:nvPicPr>
-          <p:cNvPr id="29" name="Picture 28">
-            <a:extLst>
-              <a:ext uri="{FF2B5EF4-FFF2-40B4-BE49-F238E27FC236}">
-                <a16:creationId xmlns:a16="http://schemas.microsoft.com/office/drawing/2014/main" id="{CC619579-9367-324E-AF98-EEE7E28A99B9}"/>
-              </a:ext>
-            </a:extLst>
-          </p:cNvPr>
-          <p:cNvPicPr>
-            <a:picLocks noChangeAspect="1"/>
-          </p:cNvPicPr>
-          <p:nvPr userDrawn="1"/>
-        </p:nvPicPr>
-        <p:blipFill>
-          <a:blip r:embed="rId3"/>
-          <a:stretch>
-            <a:fillRect/>
-          </a:stretch>
-        </p:blipFill>
-        <p:spPr>
-          <a:xfrm>
-            <a:off x="9336360" y="1831761"/>
-            <a:ext cx="1238024" cy="1238024"/>
-          </a:xfrm>
-          <a:prstGeom prst="rect">
-            <a:avLst/>
-          </a:prstGeom>
-        </p:spPr>
-      </p:pic>
-      <p:pic>
-        <p:nvPicPr>
-          <p:cNvPr id="30" name="Picture 29">
-            <a:extLst>
-              <a:ext uri="{FF2B5EF4-FFF2-40B4-BE49-F238E27FC236}">
-                <a16:creationId xmlns:a16="http://schemas.microsoft.com/office/drawing/2014/main" id="{31807514-6996-DF4B-8E3D-F265E41947DB}"/>
-              </a:ext>
-            </a:extLst>
-          </p:cNvPr>
-          <p:cNvPicPr>
-            <a:picLocks noChangeAspect="1"/>
-          </p:cNvPicPr>
-          <p:nvPr userDrawn="1"/>
-        </p:nvPicPr>
-        <p:blipFill>
-          <a:blip r:embed="rId4"/>
-          <a:stretch>
-            <a:fillRect/>
-          </a:stretch>
-        </p:blipFill>
-        <p:spPr>
-          <a:xfrm>
-            <a:off x="774551" y="5611950"/>
-            <a:ext cx="900000" cy="900000"/>
+            <a:off x="7464152" y="561089"/>
+            <a:ext cx="4144864" cy="5735822"/>
           </a:xfrm>
           <a:prstGeom prst="rect">
             <a:avLst/>
@@ -1290,7 +800,7 @@
 </p:sldLayout>
 </file>
 
-<file path=ppt/slideLayouts/slideLayout3.xml><?xml version="1.0" encoding="utf-8"?>
+<file path=ppt/slideLayouts/slideLayout2.xml><?xml version="1.0" encoding="utf-8"?>
 <p:sldLayout xmlns:a="http://schemas.openxmlformats.org/drawingml/2006/main" xmlns:r="http://schemas.openxmlformats.org/officeDocument/2006/relationships" xmlns:p="http://schemas.openxmlformats.org/presentationml/2006/main" preserve="1" userDrawn="1">
   <p:cSld name="Default">
     <p:bg>
@@ -1317,10 +827,10 @@
       </p:grpSpPr>
       <p:pic>
         <p:nvPicPr>
-          <p:cNvPr id="3" name="Picture 2">
-            <a:extLst>
-              <a:ext uri="{FF2B5EF4-FFF2-40B4-BE49-F238E27FC236}">
-                <a16:creationId xmlns:a16="http://schemas.microsoft.com/office/drawing/2014/main" id="{6B11D472-279B-5B42-AD8F-D6EF9792DBAF}"/>
+          <p:cNvPr id="15" name="Picture 14">
+            <a:extLst>
+              <a:ext uri="{FF2B5EF4-FFF2-40B4-BE49-F238E27FC236}">
+                <a16:creationId xmlns:a16="http://schemas.microsoft.com/office/drawing/2014/main" id="{C762C9BE-B4C7-2447-9225-A7A4CBE6C472}"/>
               </a:ext>
             </a:extLst>
           </p:cNvPr>
@@ -1337,8 +847,8 @@
         </p:blipFill>
         <p:spPr>
           <a:xfrm>
-            <a:off x="1" y="-1"/>
-            <a:ext cx="12221224" cy="6870535"/>
+            <a:off x="1" y="-988"/>
+            <a:ext cx="12200684" cy="6858988"/>
           </a:xfrm>
           <a:prstGeom prst="rect">
             <a:avLst/>
@@ -1433,14 +943,14 @@
           <a:lstStyle>
             <a:lvl1pPr marL="0" indent="0">
               <a:buNone/>
-              <a:defRPr lang="en-US" sz="1800" b="0" i="0" kern="1200" dirty="0">
+              <a:defRPr lang="en-US" sz="1800" b="1" i="0" kern="1200" baseline="0" dirty="0">
                 <a:solidFill>
                   <a:schemeClr val="accent3">
                     <a:lumMod val="75000"/>
                   </a:schemeClr>
                 </a:solidFill>
-                <a:latin typeface="Roboto Medium" pitchFamily="2" charset="0"/>
-                <a:ea typeface="Roboto Medium" pitchFamily="2" charset="0"/>
+                <a:latin typeface="Calibri" panose="020F0502020204030204" pitchFamily="34" charset="0"/>
+                <a:ea typeface="PingFang SC" panose="020B0400000000000000" pitchFamily="34" charset="-122"/>
                 <a:cs typeface="+mn-cs"/>
               </a:defRPr>
             </a:lvl1pPr>
@@ -1525,7 +1035,7 @@
                     <a:lumMod val="75000"/>
                   </a:schemeClr>
                 </a:solidFill>
-                <a:latin typeface="PingFang SC Light" panose="020B0300000000000000" pitchFamily="34" charset="-122"/>
+                <a:latin typeface="+mj-lt"/>
                 <a:ea typeface="PingFang SC Light" panose="020B0300000000000000" pitchFamily="34" charset="-122"/>
               </a:defRPr>
             </a:lvl1pPr>
@@ -1554,8 +1064,8 @@
         </p:nvSpPr>
         <p:spPr>
           <a:xfrm>
-            <a:off x="839416" y="2145394"/>
-            <a:ext cx="5029172" cy="369332"/>
+            <a:off x="749272" y="2145394"/>
+            <a:ext cx="10747326" cy="369332"/>
           </a:xfrm>
           <a:prstGeom prst="roundRect">
             <a:avLst>
@@ -1588,39 +1098,39 @@
           <a:lstStyle/>
           <a:p>
             <a:r>
-              <a:rPr lang="en-US" altLang="zh-CN" sz="1200" b="1" dirty="0">
+              <a:rPr lang="en-US" altLang="zh-CN" sz="1600" b="1" dirty="0">
                 <a:solidFill>
                   <a:schemeClr val="tx2">
-                    <a:lumMod val="50000"/>
-                    <a:lumOff val="50000"/>
+                    <a:lumMod val="25000"/>
+                    <a:lumOff val="75000"/>
                   </a:schemeClr>
                 </a:solidFill>
-                <a:latin typeface="PingFang SC" panose="020B0400000000000000" pitchFamily="34" charset="-122"/>
+                <a:latin typeface="+mj-lt"/>
                 <a:ea typeface="PingFang SC" panose="020B0400000000000000" pitchFamily="34" charset="-122"/>
               </a:rPr>
               <a:t>//</a:t>
             </a:r>
             <a:r>
-              <a:rPr lang="zh-CN" altLang="en-US" sz="1200" b="1" dirty="0">
+              <a:rPr lang="zh-CN" altLang="en-US" sz="1600" b="1" dirty="0">
                 <a:solidFill>
                   <a:schemeClr val="tx2">
-                    <a:lumMod val="50000"/>
-                    <a:lumOff val="50000"/>
+                    <a:lumMod val="25000"/>
+                    <a:lumOff val="75000"/>
                   </a:schemeClr>
                 </a:solidFill>
-                <a:latin typeface="PingFang SC" panose="020B0400000000000000" pitchFamily="34" charset="-122"/>
+                <a:latin typeface="+mj-lt"/>
                 <a:ea typeface="PingFang SC" panose="020B0400000000000000" pitchFamily="34" charset="-122"/>
               </a:rPr>
               <a:t> 短语</a:t>
             </a:r>
-            <a:endParaRPr lang="en-JP" sz="1200" b="1" dirty="0">
+            <a:endParaRPr lang="en-JP" sz="1600" b="1" dirty="0">
               <a:solidFill>
                 <a:schemeClr val="tx2">
-                  <a:lumMod val="50000"/>
-                  <a:lumOff val="50000"/>
+                  <a:lumMod val="25000"/>
+                  <a:lumOff val="75000"/>
                 </a:schemeClr>
               </a:solidFill>
-              <a:latin typeface="PingFang SC" panose="020B0400000000000000" pitchFamily="34" charset="-122"/>
+              <a:latin typeface="+mj-lt"/>
               <a:ea typeface="PingFang SC" panose="020B0400000000000000" pitchFamily="34" charset="-122"/>
             </a:endParaRPr>
           </a:p>
@@ -1651,7 +1161,7 @@
           <a:ln w="12700">
             <a:solidFill>
               <a:schemeClr val="bg1">
-                <a:lumMod val="85000"/>
+                <a:lumMod val="95000"/>
               </a:schemeClr>
             </a:solidFill>
           </a:ln>
@@ -1701,15 +1211,15 @@
           <a:lstStyle>
             <a:lvl1pPr marL="0" indent="0" algn="l">
               <a:buNone/>
-              <a:defRPr b="0" i="0">
+              <a:defRPr b="1" i="0" baseline="0">
                 <a:solidFill>
                   <a:schemeClr val="accent4">
                     <a:lumMod val="60000"/>
                     <a:lumOff val="40000"/>
                   </a:schemeClr>
                 </a:solidFill>
-                <a:latin typeface="Roboto Medium" pitchFamily="2" charset="0"/>
-                <a:ea typeface="Roboto Medium" pitchFamily="2" charset="0"/>
+                <a:latin typeface="Calibri" panose="020F0502020204030204" pitchFamily="34" charset="0"/>
+                <a:ea typeface="PingFang SC" panose="020B0400000000000000" pitchFamily="34" charset="-122"/>
               </a:defRPr>
             </a:lvl1pPr>
           </a:lstStyle>
@@ -1767,7 +1277,7 @@
                     <a:lumMod val="75000"/>
                   </a:schemeClr>
                 </a:solidFill>
-                <a:latin typeface="PingFang SC Light" panose="020B0300000000000000" pitchFamily="34" charset="-122"/>
+                <a:latin typeface="+mj-lt"/>
                 <a:ea typeface="PingFang SC Light" panose="020B0300000000000000" pitchFamily="34" charset="-122"/>
               </a:defRPr>
             </a:lvl1pPr>
@@ -1812,15 +1322,15 @@
           <a:lstStyle>
             <a:lvl1pPr marL="0" indent="0" algn="l">
               <a:buNone/>
-              <a:defRPr b="0" i="0">
+              <a:defRPr b="1" i="0" baseline="0">
                 <a:solidFill>
                   <a:schemeClr val="accent4">
                     <a:lumMod val="60000"/>
                     <a:lumOff val="40000"/>
                   </a:schemeClr>
                 </a:solidFill>
-                <a:latin typeface="Roboto Medium" pitchFamily="2" charset="0"/>
-                <a:ea typeface="Roboto Medium" pitchFamily="2" charset="0"/>
+                <a:latin typeface="Calibri" panose="020F0502020204030204" pitchFamily="34" charset="0"/>
+                <a:ea typeface="PingFang SC" panose="020B0400000000000000" pitchFamily="34" charset="-122"/>
               </a:defRPr>
             </a:lvl1pPr>
           </a:lstStyle>
@@ -1878,7 +1388,7 @@
                     <a:lumMod val="75000"/>
                   </a:schemeClr>
                 </a:solidFill>
-                <a:latin typeface="PingFang SC Light" panose="020B0300000000000000" pitchFamily="34" charset="-122"/>
+                <a:latin typeface="+mj-lt"/>
                 <a:ea typeface="PingFang SC Light" panose="020B0300000000000000" pitchFamily="34" charset="-122"/>
               </a:defRPr>
             </a:lvl1pPr>
@@ -1923,15 +1433,15 @@
           <a:lstStyle>
             <a:lvl1pPr marL="0" indent="0" algn="l">
               <a:buNone/>
-              <a:defRPr b="0" i="0">
+              <a:defRPr b="1" i="0" baseline="0">
                 <a:solidFill>
                   <a:schemeClr val="accent4">
                     <a:lumMod val="60000"/>
                     <a:lumOff val="40000"/>
                   </a:schemeClr>
                 </a:solidFill>
-                <a:latin typeface="Roboto Medium" pitchFamily="2" charset="0"/>
-                <a:ea typeface="Roboto Medium" pitchFamily="2" charset="0"/>
+                <a:latin typeface="Calibri" panose="020F0502020204030204" pitchFamily="34" charset="0"/>
+                <a:ea typeface="PingFang SC" panose="020B0400000000000000" pitchFamily="34" charset="-122"/>
               </a:defRPr>
             </a:lvl1pPr>
           </a:lstStyle>
@@ -1989,7 +1499,7 @@
                     <a:lumMod val="75000"/>
                   </a:schemeClr>
                 </a:solidFill>
-                <a:latin typeface="PingFang SC Light" panose="020B0300000000000000" pitchFamily="34" charset="-122"/>
+                <a:latin typeface="+mj-lt"/>
                 <a:ea typeface="PingFang SC Light" panose="020B0300000000000000" pitchFamily="34" charset="-122"/>
               </a:defRPr>
             </a:lvl1pPr>
@@ -2017,7 +1527,7 @@
 </p:sldLayout>
 </file>
 
-<file path=ppt/slideLayouts/slideLayout4.xml><?xml version="1.0" encoding="utf-8"?>
+<file path=ppt/slideLayouts/slideLayout3.xml><?xml version="1.0" encoding="utf-8"?>
 <p:sldLayout xmlns:a="http://schemas.openxmlformats.org/drawingml/2006/main" xmlns:r="http://schemas.openxmlformats.org/officeDocument/2006/relationships" xmlns:p="http://schemas.openxmlformats.org/presentationml/2006/main" preserve="1" userDrawn="1">
   <p:cSld name="Phrase and verb">
     <p:bg>
@@ -2044,10 +1554,10 @@
       </p:grpSpPr>
       <p:pic>
         <p:nvPicPr>
-          <p:cNvPr id="144" name="Picture 143">
-            <a:extLst>
-              <a:ext uri="{FF2B5EF4-FFF2-40B4-BE49-F238E27FC236}">
-                <a16:creationId xmlns:a16="http://schemas.microsoft.com/office/drawing/2014/main" id="{C542B987-2EF5-B445-BF12-CDB5AD4460E0}"/>
+          <p:cNvPr id="57" name="Picture 56">
+            <a:extLst>
+              <a:ext uri="{FF2B5EF4-FFF2-40B4-BE49-F238E27FC236}">
+                <a16:creationId xmlns:a16="http://schemas.microsoft.com/office/drawing/2014/main" id="{472388DF-57EB-6C41-BBF6-94EE2FF45C62}"/>
               </a:ext>
             </a:extLst>
           </p:cNvPr>
@@ -2064,8 +1574,8 @@
         </p:blipFill>
         <p:spPr>
           <a:xfrm>
-            <a:off x="-33914" y="0"/>
-            <a:ext cx="12221225" cy="6870536"/>
+            <a:off x="1" y="-988"/>
+            <a:ext cx="12200684" cy="6858988"/>
           </a:xfrm>
           <a:prstGeom prst="rect">
             <a:avLst/>
@@ -2095,10 +1605,10 @@
             </a:avLst>
           </a:prstGeom>
           <a:solidFill>
-            <a:schemeClr val="accent4">
-              <a:lumMod val="20000"/>
-              <a:lumOff val="80000"/>
-              <a:alpha val="15000"/>
+            <a:schemeClr val="tx2">
+              <a:lumMod val="10000"/>
+              <a:lumOff val="90000"/>
+              <a:alpha val="42000"/>
             </a:schemeClr>
           </a:solidFill>
           <a:ln>
@@ -2160,10 +1670,10 @@
             </a:avLst>
           </a:prstGeom>
           <a:solidFill>
-            <a:schemeClr val="accent4">
-              <a:lumMod val="20000"/>
-              <a:lumOff val="80000"/>
-              <a:alpha val="15000"/>
+            <a:schemeClr val="tx2">
+              <a:lumMod val="10000"/>
+              <a:lumOff val="90000"/>
+              <a:alpha val="42000"/>
             </a:schemeClr>
           </a:solidFill>
           <a:ln>
@@ -2225,10 +1735,10 @@
             </a:avLst>
           </a:prstGeom>
           <a:solidFill>
-            <a:schemeClr val="accent4">
-              <a:lumMod val="20000"/>
-              <a:lumOff val="80000"/>
-              <a:alpha val="15000"/>
+            <a:schemeClr val="tx2">
+              <a:lumMod val="10000"/>
+              <a:lumOff val="90000"/>
+              <a:alpha val="42000"/>
             </a:schemeClr>
           </a:solidFill>
           <a:ln>
@@ -2370,13 +1880,13 @@
               <a:buFont typeface="Wingdings 2" panose="05020102010507070707" pitchFamily="18" charset="2"/>
               <a:buNone/>
               <a:tabLst/>
-              <a:defRPr lang="en-US" sz="1800" b="0" i="0" kern="1200" dirty="0">
+              <a:defRPr lang="en-US" sz="1800" b="1" i="0" kern="1200" dirty="0">
                 <a:solidFill>
                   <a:schemeClr val="accent3">
                     <a:lumMod val="75000"/>
                   </a:schemeClr>
                 </a:solidFill>
-                <a:latin typeface="Roboto Medium" pitchFamily="2" charset="0"/>
+                <a:latin typeface="+mj-lt"/>
                 <a:ea typeface="Roboto Medium" pitchFamily="2" charset="0"/>
                 <a:cs typeface="+mn-cs"/>
               </a:defRPr>
@@ -2478,7 +1988,7 @@
                     <a:lumMod val="75000"/>
                   </a:schemeClr>
                 </a:solidFill>
-                <a:latin typeface="PingFang SC Light" panose="020B0300000000000000" pitchFamily="34" charset="-122"/>
+                <a:latin typeface="+mj-lt"/>
                 <a:ea typeface="PingFang SC Light" panose="020B0300000000000000" pitchFamily="34" charset="-122"/>
               </a:defRPr>
             </a:lvl1pPr>
@@ -2541,39 +2051,39 @@
           <a:lstStyle/>
           <a:p>
             <a:r>
-              <a:rPr lang="en-US" altLang="zh-CN" sz="1200" b="1" dirty="0">
+              <a:rPr lang="en-US" altLang="zh-CN" sz="1600" b="1" dirty="0">
                 <a:solidFill>
                   <a:schemeClr val="tx2">
-                    <a:lumMod val="50000"/>
-                    <a:lumOff val="50000"/>
+                    <a:lumMod val="25000"/>
+                    <a:lumOff val="75000"/>
                   </a:schemeClr>
                 </a:solidFill>
-                <a:latin typeface="PingFang SC" panose="020B0400000000000000" pitchFamily="34" charset="-122"/>
+                <a:latin typeface="+mj-lt"/>
                 <a:ea typeface="PingFang SC" panose="020B0400000000000000" pitchFamily="34" charset="-122"/>
               </a:rPr>
               <a:t>//</a:t>
             </a:r>
             <a:r>
-              <a:rPr lang="zh-CN" altLang="en-US" sz="1200" b="1" dirty="0">
+              <a:rPr lang="zh-CN" altLang="en-US" sz="1600" b="1" dirty="0">
                 <a:solidFill>
                   <a:schemeClr val="tx2">
-                    <a:lumMod val="50000"/>
-                    <a:lumOff val="50000"/>
+                    <a:lumMod val="25000"/>
+                    <a:lumOff val="75000"/>
                   </a:schemeClr>
                 </a:solidFill>
-                <a:latin typeface="PingFang SC" panose="020B0400000000000000" pitchFamily="34" charset="-122"/>
+                <a:latin typeface="+mj-lt"/>
                 <a:ea typeface="PingFang SC" panose="020B0400000000000000" pitchFamily="34" charset="-122"/>
               </a:rPr>
               <a:t> 短语</a:t>
             </a:r>
-            <a:endParaRPr lang="en-JP" sz="1200" b="1" dirty="0">
+            <a:endParaRPr lang="en-JP" sz="1600" b="1" dirty="0">
               <a:solidFill>
                 <a:schemeClr val="tx2">
-                  <a:lumMod val="50000"/>
-                  <a:lumOff val="50000"/>
+                  <a:lumMod val="25000"/>
+                  <a:lumOff val="75000"/>
                 </a:schemeClr>
               </a:solidFill>
-              <a:latin typeface="PingFang SC" panose="020B0400000000000000" pitchFamily="34" charset="-122"/>
+              <a:latin typeface="+mj-lt"/>
               <a:ea typeface="PingFang SC" panose="020B0400000000000000" pitchFamily="34" charset="-122"/>
             </a:endParaRPr>
           </a:p>
@@ -2604,7 +2114,7 @@
           <a:ln w="12700">
             <a:solidFill>
               <a:schemeClr val="bg1">
-                <a:lumMod val="85000"/>
+                <a:lumMod val="95000"/>
               </a:schemeClr>
             </a:solidFill>
           </a:ln>
@@ -2654,14 +2164,14 @@
           <a:lstStyle>
             <a:lvl1pPr marL="0" indent="0" algn="l">
               <a:buNone/>
-              <a:defRPr sz="1600" b="0" i="0">
+              <a:defRPr sz="1600" b="1" i="0">
                 <a:solidFill>
                   <a:schemeClr val="accent4">
                     <a:lumMod val="60000"/>
                     <a:lumOff val="40000"/>
                   </a:schemeClr>
                 </a:solidFill>
-                <a:latin typeface="Roboto Medium" pitchFamily="2" charset="0"/>
+                <a:latin typeface="+mj-lt"/>
                 <a:ea typeface="Roboto Medium" pitchFamily="2" charset="0"/>
               </a:defRPr>
             </a:lvl1pPr>
@@ -2720,7 +2230,7 @@
                     <a:lumMod val="75000"/>
                   </a:schemeClr>
                 </a:solidFill>
-                <a:latin typeface="PingFang SC Light" panose="020B0300000000000000" pitchFamily="34" charset="-122"/>
+                <a:latin typeface="+mj-lt"/>
                 <a:ea typeface="PingFang SC Light" panose="020B0300000000000000" pitchFamily="34" charset="-122"/>
               </a:defRPr>
             </a:lvl1pPr>
@@ -2765,14 +2275,14 @@
           <a:lstStyle>
             <a:lvl1pPr marL="0" indent="0" algn="l">
               <a:buNone/>
-              <a:defRPr sz="1600" b="0" i="0">
+              <a:defRPr sz="1600" b="1" i="0">
                 <a:solidFill>
                   <a:schemeClr val="accent4">
                     <a:lumMod val="60000"/>
                     <a:lumOff val="40000"/>
                   </a:schemeClr>
                 </a:solidFill>
-                <a:latin typeface="Roboto Medium" pitchFamily="2" charset="0"/>
+                <a:latin typeface="+mj-lt"/>
                 <a:ea typeface="Roboto Medium" pitchFamily="2" charset="0"/>
               </a:defRPr>
             </a:lvl1pPr>
@@ -2831,7 +2341,7 @@
                     <a:lumMod val="75000"/>
                   </a:schemeClr>
                 </a:solidFill>
-                <a:latin typeface="PingFang SC Light" panose="020B0300000000000000" pitchFamily="34" charset="-122"/>
+                <a:latin typeface="+mj-lt"/>
                 <a:ea typeface="PingFang SC Light" panose="020B0300000000000000" pitchFamily="34" charset="-122"/>
               </a:defRPr>
             </a:lvl1pPr>
@@ -2876,14 +2386,14 @@
           <a:lstStyle>
             <a:lvl1pPr marL="0" indent="0" algn="l">
               <a:buNone/>
-              <a:defRPr sz="1600" b="0" i="0">
+              <a:defRPr sz="1600" b="1" i="0">
                 <a:solidFill>
                   <a:schemeClr val="accent4">
                     <a:lumMod val="60000"/>
                     <a:lumOff val="40000"/>
                   </a:schemeClr>
                 </a:solidFill>
-                <a:latin typeface="Roboto Medium" pitchFamily="2" charset="0"/>
+                <a:latin typeface="+mj-lt"/>
                 <a:ea typeface="Roboto Medium" pitchFamily="2" charset="0"/>
               </a:defRPr>
             </a:lvl1pPr>
@@ -2942,7 +2452,7 @@
                     <a:lumMod val="75000"/>
                   </a:schemeClr>
                 </a:solidFill>
-                <a:latin typeface="PingFang SC Light" panose="020B0300000000000000" pitchFamily="34" charset="-122"/>
+                <a:latin typeface="+mj-lt"/>
                 <a:ea typeface="PingFang SC Light" panose="020B0300000000000000" pitchFamily="34" charset="-122"/>
               </a:defRPr>
             </a:lvl1pPr>
@@ -2987,14 +2497,14 @@
           <a:lstStyle>
             <a:lvl1pPr marL="0" indent="0" algn="l">
               <a:buNone/>
-              <a:defRPr sz="1600" b="0" i="0">
+              <a:defRPr sz="1600" b="1" i="0">
                 <a:solidFill>
                   <a:schemeClr val="accent4">
                     <a:lumMod val="60000"/>
                     <a:lumOff val="40000"/>
                   </a:schemeClr>
                 </a:solidFill>
-                <a:latin typeface="Roboto Medium" pitchFamily="2" charset="0"/>
+                <a:latin typeface="+mj-lt"/>
                 <a:ea typeface="Roboto Medium" pitchFamily="2" charset="0"/>
               </a:defRPr>
             </a:lvl1pPr>
@@ -3053,7 +2563,7 @@
                     <a:lumMod val="75000"/>
                   </a:schemeClr>
                 </a:solidFill>
-                <a:latin typeface="PingFang SC Light" panose="020B0300000000000000" pitchFamily="34" charset="-122"/>
+                <a:latin typeface="+mj-lt"/>
                 <a:ea typeface="PingFang SC Light" panose="020B0300000000000000" pitchFamily="34" charset="-122"/>
               </a:defRPr>
             </a:lvl1pPr>
@@ -3229,14 +2739,14 @@
           <a:lstStyle>
             <a:lvl1pPr marL="0" indent="0" algn="l">
               <a:buNone/>
-              <a:defRPr sz="1600" b="0" i="0">
+              <a:defRPr sz="1600" b="1" i="0">
                 <a:solidFill>
                   <a:schemeClr val="accent4">
                     <a:lumMod val="60000"/>
                     <a:lumOff val="40000"/>
                   </a:schemeClr>
                 </a:solidFill>
-                <a:latin typeface="Roboto Medium" pitchFamily="2" charset="0"/>
+                <a:latin typeface="+mj-lt"/>
                 <a:ea typeface="Roboto Medium" pitchFamily="2" charset="0"/>
               </a:defRPr>
             </a:lvl1pPr>
@@ -3270,6 +2780,57 @@
         <p:spPr>
           <a:xfrm>
             <a:off x="2519920" y="5090614"/>
+            <a:ext cx="1654828" cy="470078"/>
+          </a:xfrm>
+          <a:prstGeom prst="rect">
+            <a:avLst/>
+          </a:prstGeom>
+        </p:spPr>
+        <p:txBody>
+          <a:bodyPr anchor="ctr"/>
+          <a:lstStyle>
+            <a:lvl1pPr marL="0" indent="0" algn="l">
+              <a:buNone/>
+              <a:defRPr sz="1400" b="1" i="0">
+                <a:solidFill>
+                  <a:schemeClr val="accent3">
+                    <a:lumMod val="75000"/>
+                  </a:schemeClr>
+                </a:solidFill>
+                <a:latin typeface="+mj-lt"/>
+                <a:ea typeface="Roboto Medium" pitchFamily="2" charset="0"/>
+              </a:defRPr>
+            </a:lvl1pPr>
+          </a:lstStyle>
+          <a:p>
+            <a:pPr lvl="0"/>
+            <a:r>
+              <a:rPr lang="en-US" altLang="zh-CN" dirty="0"/>
+              <a:t>Original</a:t>
+            </a:r>
+            <a:endParaRPr lang="en-JP" dirty="0"/>
+          </a:p>
+        </p:txBody>
+      </p:sp>
+      <p:sp>
+        <p:nvSpPr>
+          <p:cNvPr id="125" name="Text Placeholder 13">
+            <a:extLst>
+              <a:ext uri="{FF2B5EF4-FFF2-40B4-BE49-F238E27FC236}">
+                <a16:creationId xmlns:a16="http://schemas.microsoft.com/office/drawing/2014/main" id="{B8BE1B41-E00E-2A47-A5A6-FCBFA54FA0EE}"/>
+              </a:ext>
+            </a:extLst>
+          </p:cNvPr>
+          <p:cNvSpPr>
+            <a:spLocks noGrp="1"/>
+          </p:cNvSpPr>
+          <p:nvPr>
+            <p:ph type="body" sz="quarter" idx="22" hasCustomPrompt="1"/>
+          </p:nvPr>
+        </p:nvSpPr>
+        <p:spPr>
+          <a:xfrm>
+            <a:off x="4244810" y="5090614"/>
             <a:ext cx="1654828" cy="470078"/>
           </a:xfrm>
           <a:prstGeom prst="rect">
@@ -3287,58 +2848,7 @@
                     <a:lumMod val="75000"/>
                   </a:schemeClr>
                 </a:solidFill>
-                <a:latin typeface="Roboto Medium" pitchFamily="2" charset="0"/>
-                <a:ea typeface="Roboto Medium" pitchFamily="2" charset="0"/>
-              </a:defRPr>
-            </a:lvl1pPr>
-          </a:lstStyle>
-          <a:p>
-            <a:pPr lvl="0"/>
-            <a:r>
-              <a:rPr lang="en-US" altLang="zh-CN" dirty="0"/>
-              <a:t>Original</a:t>
-            </a:r>
-            <a:endParaRPr lang="en-JP" dirty="0"/>
-          </a:p>
-        </p:txBody>
-      </p:sp>
-      <p:sp>
-        <p:nvSpPr>
-          <p:cNvPr id="125" name="Text Placeholder 13">
-            <a:extLst>
-              <a:ext uri="{FF2B5EF4-FFF2-40B4-BE49-F238E27FC236}">
-                <a16:creationId xmlns:a16="http://schemas.microsoft.com/office/drawing/2014/main" id="{B8BE1B41-E00E-2A47-A5A6-FCBFA54FA0EE}"/>
-              </a:ext>
-            </a:extLst>
-          </p:cNvPr>
-          <p:cNvSpPr>
-            <a:spLocks noGrp="1"/>
-          </p:cNvSpPr>
-          <p:nvPr>
-            <p:ph type="body" sz="quarter" idx="22" hasCustomPrompt="1"/>
-          </p:nvPr>
-        </p:nvSpPr>
-        <p:spPr>
-          <a:xfrm>
-            <a:off x="4244810" y="5090614"/>
-            <a:ext cx="1654828" cy="470078"/>
-          </a:xfrm>
-          <a:prstGeom prst="rect">
-            <a:avLst/>
-          </a:prstGeom>
-        </p:spPr>
-        <p:txBody>
-          <a:bodyPr anchor="ctr"/>
-          <a:lstStyle>
-            <a:lvl1pPr marL="0" indent="0" algn="l">
-              <a:buNone/>
-              <a:defRPr sz="1400" b="0" i="0">
-                <a:solidFill>
-                  <a:schemeClr val="accent3">
-                    <a:lumMod val="75000"/>
-                  </a:schemeClr>
-                </a:solidFill>
-                <a:latin typeface="PingFang SC Light" panose="020B0300000000000000" pitchFamily="34" charset="-122"/>
+                <a:latin typeface="+mj-lt"/>
                 <a:ea typeface="PingFang SC Light" panose="020B0300000000000000" pitchFamily="34" charset="-122"/>
               </a:defRPr>
             </a:lvl1pPr>
@@ -3376,10 +2886,10 @@
             </a:avLst>
           </a:prstGeom>
           <a:solidFill>
-            <a:schemeClr val="accent4">
-              <a:lumMod val="20000"/>
-              <a:lumOff val="80000"/>
-              <a:alpha val="15000"/>
+            <a:schemeClr val="tx2">
+              <a:lumMod val="10000"/>
+              <a:lumOff val="90000"/>
+              <a:alpha val="42000"/>
             </a:schemeClr>
           </a:solidFill>
           <a:ln>
@@ -3441,10 +2951,10 @@
             </a:avLst>
           </a:prstGeom>
           <a:solidFill>
-            <a:schemeClr val="accent4">
-              <a:lumMod val="20000"/>
-              <a:lumOff val="80000"/>
-              <a:alpha val="15000"/>
+            <a:schemeClr val="tx2">
+              <a:lumMod val="10000"/>
+              <a:lumOff val="90000"/>
+              <a:alpha val="42000"/>
             </a:schemeClr>
           </a:solidFill>
           <a:ln>
@@ -3506,10 +3016,10 @@
             </a:avLst>
           </a:prstGeom>
           <a:solidFill>
-            <a:schemeClr val="accent4">
-              <a:lumMod val="20000"/>
-              <a:lumOff val="80000"/>
-              <a:alpha val="15000"/>
+            <a:schemeClr val="tx2">
+              <a:lumMod val="10000"/>
+              <a:lumOff val="90000"/>
+              <a:alpha val="42000"/>
             </a:schemeClr>
           </a:solidFill>
           <a:ln>
@@ -3578,14 +3088,14 @@
           <a:lstStyle>
             <a:lvl1pPr marL="0" indent="0" algn="l">
               <a:buNone/>
-              <a:defRPr sz="1600" b="0" i="0">
+              <a:defRPr sz="1600" b="1" i="0">
                 <a:solidFill>
                   <a:schemeClr val="accent4">
                     <a:lumMod val="60000"/>
                     <a:lumOff val="40000"/>
                   </a:schemeClr>
                 </a:solidFill>
-                <a:latin typeface="Roboto Medium" pitchFamily="2" charset="0"/>
+                <a:latin typeface="+mj-lt"/>
                 <a:ea typeface="Roboto Medium" pitchFamily="2" charset="0"/>
               </a:defRPr>
             </a:lvl1pPr>
@@ -3619,6 +3129,57 @@
         <p:spPr>
           <a:xfrm>
             <a:off x="8081859" y="5090614"/>
+            <a:ext cx="1654828" cy="470078"/>
+          </a:xfrm>
+          <a:prstGeom prst="rect">
+            <a:avLst/>
+          </a:prstGeom>
+        </p:spPr>
+        <p:txBody>
+          <a:bodyPr anchor="ctr"/>
+          <a:lstStyle>
+            <a:lvl1pPr marL="0" indent="0" algn="l">
+              <a:buNone/>
+              <a:defRPr sz="1400" b="1" i="0">
+                <a:solidFill>
+                  <a:schemeClr val="accent3">
+                    <a:lumMod val="75000"/>
+                  </a:schemeClr>
+                </a:solidFill>
+                <a:latin typeface="+mj-lt"/>
+                <a:ea typeface="Roboto Medium" pitchFamily="2" charset="0"/>
+              </a:defRPr>
+            </a:lvl1pPr>
+          </a:lstStyle>
+          <a:p>
+            <a:pPr lvl="0"/>
+            <a:r>
+              <a:rPr lang="en-US" altLang="zh-CN" dirty="0"/>
+              <a:t>Original</a:t>
+            </a:r>
+            <a:endParaRPr lang="en-JP" dirty="0"/>
+          </a:p>
+        </p:txBody>
+      </p:sp>
+      <p:sp>
+        <p:nvSpPr>
+          <p:cNvPr id="131" name="Text Placeholder 13">
+            <a:extLst>
+              <a:ext uri="{FF2B5EF4-FFF2-40B4-BE49-F238E27FC236}">
+                <a16:creationId xmlns:a16="http://schemas.microsoft.com/office/drawing/2014/main" id="{5D48D11D-7470-F843-9D8A-A573A3062E7B}"/>
+              </a:ext>
+            </a:extLst>
+          </p:cNvPr>
+          <p:cNvSpPr>
+            <a:spLocks noGrp="1"/>
+          </p:cNvSpPr>
+          <p:nvPr>
+            <p:ph type="body" sz="quarter" idx="25" hasCustomPrompt="1"/>
+          </p:nvPr>
+        </p:nvSpPr>
+        <p:spPr>
+          <a:xfrm>
+            <a:off x="9806749" y="5090614"/>
             <a:ext cx="1654828" cy="470078"/>
           </a:xfrm>
           <a:prstGeom prst="rect">
@@ -3636,58 +3197,7 @@
                     <a:lumMod val="75000"/>
                   </a:schemeClr>
                 </a:solidFill>
-                <a:latin typeface="Roboto Medium" pitchFamily="2" charset="0"/>
-                <a:ea typeface="Roboto Medium" pitchFamily="2" charset="0"/>
-              </a:defRPr>
-            </a:lvl1pPr>
-          </a:lstStyle>
-          <a:p>
-            <a:pPr lvl="0"/>
-            <a:r>
-              <a:rPr lang="en-US" altLang="zh-CN" dirty="0"/>
-              <a:t>Original</a:t>
-            </a:r>
-            <a:endParaRPr lang="en-JP" dirty="0"/>
-          </a:p>
-        </p:txBody>
-      </p:sp>
-      <p:sp>
-        <p:nvSpPr>
-          <p:cNvPr id="131" name="Text Placeholder 13">
-            <a:extLst>
-              <a:ext uri="{FF2B5EF4-FFF2-40B4-BE49-F238E27FC236}">
-                <a16:creationId xmlns:a16="http://schemas.microsoft.com/office/drawing/2014/main" id="{5D48D11D-7470-F843-9D8A-A573A3062E7B}"/>
-              </a:ext>
-            </a:extLst>
-          </p:cNvPr>
-          <p:cNvSpPr>
-            <a:spLocks noGrp="1"/>
-          </p:cNvSpPr>
-          <p:nvPr>
-            <p:ph type="body" sz="quarter" idx="25" hasCustomPrompt="1"/>
-          </p:nvPr>
-        </p:nvSpPr>
-        <p:spPr>
-          <a:xfrm>
-            <a:off x="9806749" y="5090614"/>
-            <a:ext cx="1654828" cy="470078"/>
-          </a:xfrm>
-          <a:prstGeom prst="rect">
-            <a:avLst/>
-          </a:prstGeom>
-        </p:spPr>
-        <p:txBody>
-          <a:bodyPr anchor="ctr"/>
-          <a:lstStyle>
-            <a:lvl1pPr marL="0" indent="0" algn="l">
-              <a:buNone/>
-              <a:defRPr sz="1400" b="0" i="0">
-                <a:solidFill>
-                  <a:schemeClr val="accent3">
-                    <a:lumMod val="75000"/>
-                  </a:schemeClr>
-                </a:solidFill>
-                <a:latin typeface="PingFang SC Light" panose="020B0300000000000000" pitchFamily="34" charset="-122"/>
+                <a:latin typeface="+mj-lt"/>
                 <a:ea typeface="PingFang SC Light" panose="020B0300000000000000" pitchFamily="34" charset="-122"/>
               </a:defRPr>
             </a:lvl1pPr>
@@ -3725,10 +3235,10 @@
             </a:avLst>
           </a:prstGeom>
           <a:solidFill>
-            <a:schemeClr val="accent4">
-              <a:lumMod val="20000"/>
-              <a:lumOff val="80000"/>
-              <a:alpha val="15000"/>
+            <a:schemeClr val="tx2">
+              <a:lumMod val="10000"/>
+              <a:lumOff val="90000"/>
+              <a:alpha val="42000"/>
             </a:schemeClr>
           </a:solidFill>
           <a:ln>
@@ -3790,10 +3300,10 @@
             </a:avLst>
           </a:prstGeom>
           <a:solidFill>
-            <a:schemeClr val="accent4">
-              <a:lumMod val="20000"/>
-              <a:lumOff val="80000"/>
-              <a:alpha val="15000"/>
+            <a:schemeClr val="tx2">
+              <a:lumMod val="10000"/>
+              <a:lumOff val="90000"/>
+              <a:alpha val="42000"/>
             </a:schemeClr>
           </a:solidFill>
           <a:ln>
@@ -3855,10 +3365,10 @@
             </a:avLst>
           </a:prstGeom>
           <a:solidFill>
-            <a:schemeClr val="accent4">
-              <a:lumMod val="20000"/>
-              <a:lumOff val="80000"/>
-              <a:alpha val="15000"/>
+            <a:schemeClr val="tx2">
+              <a:lumMod val="10000"/>
+              <a:lumOff val="90000"/>
+              <a:alpha val="42000"/>
             </a:schemeClr>
           </a:solidFill>
           <a:ln>
@@ -3927,14 +3437,14 @@
           <a:lstStyle>
             <a:lvl1pPr marL="0" indent="0" algn="l">
               <a:buNone/>
-              <a:defRPr sz="1600" b="0" i="0">
+              <a:defRPr sz="1600" b="1" i="0">
                 <a:solidFill>
                   <a:schemeClr val="accent4">
                     <a:lumMod val="60000"/>
                     <a:lumOff val="40000"/>
                   </a:schemeClr>
                 </a:solidFill>
-                <a:latin typeface="Roboto Medium" pitchFamily="2" charset="0"/>
+                <a:latin typeface="+mj-lt"/>
                 <a:ea typeface="Roboto Medium" pitchFamily="2" charset="0"/>
               </a:defRPr>
             </a:lvl1pPr>
@@ -3968,6 +3478,57 @@
         <p:spPr>
           <a:xfrm>
             <a:off x="2519920" y="5641332"/>
+            <a:ext cx="1654828" cy="470078"/>
+          </a:xfrm>
+          <a:prstGeom prst="rect">
+            <a:avLst/>
+          </a:prstGeom>
+        </p:spPr>
+        <p:txBody>
+          <a:bodyPr anchor="ctr"/>
+          <a:lstStyle>
+            <a:lvl1pPr marL="0" indent="0" algn="l">
+              <a:buNone/>
+              <a:defRPr sz="1400" b="1" i="0">
+                <a:solidFill>
+                  <a:schemeClr val="accent3">
+                    <a:lumMod val="75000"/>
+                  </a:schemeClr>
+                </a:solidFill>
+                <a:latin typeface="+mj-lt"/>
+                <a:ea typeface="Roboto Medium" pitchFamily="2" charset="0"/>
+              </a:defRPr>
+            </a:lvl1pPr>
+          </a:lstStyle>
+          <a:p>
+            <a:pPr lvl="0"/>
+            <a:r>
+              <a:rPr lang="en-US" altLang="zh-CN" dirty="0"/>
+              <a:t>Original</a:t>
+            </a:r>
+            <a:endParaRPr lang="en-JP" dirty="0"/>
+          </a:p>
+        </p:txBody>
+      </p:sp>
+      <p:sp>
+        <p:nvSpPr>
+          <p:cNvPr id="137" name="Text Placeholder 13">
+            <a:extLst>
+              <a:ext uri="{FF2B5EF4-FFF2-40B4-BE49-F238E27FC236}">
+                <a16:creationId xmlns:a16="http://schemas.microsoft.com/office/drawing/2014/main" id="{B6FD8A0B-35D9-4C41-B438-F801836E00C0}"/>
+              </a:ext>
+            </a:extLst>
+          </p:cNvPr>
+          <p:cNvSpPr>
+            <a:spLocks noGrp="1"/>
+          </p:cNvSpPr>
+          <p:nvPr>
+            <p:ph type="body" sz="quarter" idx="28" hasCustomPrompt="1"/>
+          </p:nvPr>
+        </p:nvSpPr>
+        <p:spPr>
+          <a:xfrm>
+            <a:off x="4244810" y="5641332"/>
             <a:ext cx="1654828" cy="470078"/>
           </a:xfrm>
           <a:prstGeom prst="rect">
@@ -3985,58 +3546,7 @@
                     <a:lumMod val="75000"/>
                   </a:schemeClr>
                 </a:solidFill>
-                <a:latin typeface="Roboto Medium" pitchFamily="2" charset="0"/>
-                <a:ea typeface="Roboto Medium" pitchFamily="2" charset="0"/>
-              </a:defRPr>
-            </a:lvl1pPr>
-          </a:lstStyle>
-          <a:p>
-            <a:pPr lvl="0"/>
-            <a:r>
-              <a:rPr lang="en-US" altLang="zh-CN" dirty="0"/>
-              <a:t>Original</a:t>
-            </a:r>
-            <a:endParaRPr lang="en-JP" dirty="0"/>
-          </a:p>
-        </p:txBody>
-      </p:sp>
-      <p:sp>
-        <p:nvSpPr>
-          <p:cNvPr id="137" name="Text Placeholder 13">
-            <a:extLst>
-              <a:ext uri="{FF2B5EF4-FFF2-40B4-BE49-F238E27FC236}">
-                <a16:creationId xmlns:a16="http://schemas.microsoft.com/office/drawing/2014/main" id="{B6FD8A0B-35D9-4C41-B438-F801836E00C0}"/>
-              </a:ext>
-            </a:extLst>
-          </p:cNvPr>
-          <p:cNvSpPr>
-            <a:spLocks noGrp="1"/>
-          </p:cNvSpPr>
-          <p:nvPr>
-            <p:ph type="body" sz="quarter" idx="28" hasCustomPrompt="1"/>
-          </p:nvPr>
-        </p:nvSpPr>
-        <p:spPr>
-          <a:xfrm>
-            <a:off x="4244810" y="5641332"/>
-            <a:ext cx="1654828" cy="470078"/>
-          </a:xfrm>
-          <a:prstGeom prst="rect">
-            <a:avLst/>
-          </a:prstGeom>
-        </p:spPr>
-        <p:txBody>
-          <a:bodyPr anchor="ctr"/>
-          <a:lstStyle>
-            <a:lvl1pPr marL="0" indent="0" algn="l">
-              <a:buNone/>
-              <a:defRPr sz="1400" b="0" i="0">
-                <a:solidFill>
-                  <a:schemeClr val="accent3">
-                    <a:lumMod val="75000"/>
-                  </a:schemeClr>
-                </a:solidFill>
-                <a:latin typeface="PingFang SC Light" panose="020B0300000000000000" pitchFamily="34" charset="-122"/>
+                <a:latin typeface="+mj-lt"/>
                 <a:ea typeface="PingFang SC Light" panose="020B0300000000000000" pitchFamily="34" charset="-122"/>
               </a:defRPr>
             </a:lvl1pPr>
@@ -4074,10 +3584,10 @@
             </a:avLst>
           </a:prstGeom>
           <a:solidFill>
-            <a:schemeClr val="accent4">
-              <a:lumMod val="20000"/>
-              <a:lumOff val="80000"/>
-              <a:alpha val="15000"/>
+            <a:schemeClr val="tx2">
+              <a:lumMod val="10000"/>
+              <a:lumOff val="90000"/>
+              <a:alpha val="42000"/>
             </a:schemeClr>
           </a:solidFill>
           <a:ln>
@@ -4139,10 +3649,10 @@
             </a:avLst>
           </a:prstGeom>
           <a:solidFill>
-            <a:schemeClr val="accent4">
-              <a:lumMod val="20000"/>
-              <a:lumOff val="80000"/>
-              <a:alpha val="15000"/>
+            <a:schemeClr val="tx2">
+              <a:lumMod val="10000"/>
+              <a:lumOff val="90000"/>
+              <a:alpha val="42000"/>
             </a:schemeClr>
           </a:solidFill>
           <a:ln>
@@ -4204,10 +3714,10 @@
             </a:avLst>
           </a:prstGeom>
           <a:solidFill>
-            <a:schemeClr val="accent4">
-              <a:lumMod val="20000"/>
-              <a:lumOff val="80000"/>
-              <a:alpha val="15000"/>
+            <a:schemeClr val="tx2">
+              <a:lumMod val="10000"/>
+              <a:lumOff val="90000"/>
+              <a:alpha val="42000"/>
             </a:schemeClr>
           </a:solidFill>
           <a:ln>
@@ -4276,14 +3786,14 @@
           <a:lstStyle>
             <a:lvl1pPr marL="0" indent="0" algn="l">
               <a:buNone/>
-              <a:defRPr sz="1600" b="0" i="0">
+              <a:defRPr sz="1600" b="1" i="0">
                 <a:solidFill>
                   <a:schemeClr val="accent4">
                     <a:lumMod val="60000"/>
                     <a:lumOff val="40000"/>
                   </a:schemeClr>
                 </a:solidFill>
-                <a:latin typeface="Roboto Medium" pitchFamily="2" charset="0"/>
+                <a:latin typeface="+mj-lt"/>
                 <a:ea typeface="Roboto Medium" pitchFamily="2" charset="0"/>
               </a:defRPr>
             </a:lvl1pPr>
@@ -4317,6 +3827,57 @@
         <p:spPr>
           <a:xfrm>
             <a:off x="8081859" y="5641332"/>
+            <a:ext cx="1654828" cy="470078"/>
+          </a:xfrm>
+          <a:prstGeom prst="rect">
+            <a:avLst/>
+          </a:prstGeom>
+        </p:spPr>
+        <p:txBody>
+          <a:bodyPr anchor="ctr"/>
+          <a:lstStyle>
+            <a:lvl1pPr marL="0" indent="0" algn="l">
+              <a:buNone/>
+              <a:defRPr sz="1400" b="1" i="0">
+                <a:solidFill>
+                  <a:schemeClr val="accent3">
+                    <a:lumMod val="75000"/>
+                  </a:schemeClr>
+                </a:solidFill>
+                <a:latin typeface="+mj-lt"/>
+                <a:ea typeface="Roboto Medium" pitchFamily="2" charset="0"/>
+              </a:defRPr>
+            </a:lvl1pPr>
+          </a:lstStyle>
+          <a:p>
+            <a:pPr lvl="0"/>
+            <a:r>
+              <a:rPr lang="en-US" altLang="zh-CN" dirty="0"/>
+              <a:t>Original</a:t>
+            </a:r>
+            <a:endParaRPr lang="en-JP" dirty="0"/>
+          </a:p>
+        </p:txBody>
+      </p:sp>
+      <p:sp>
+        <p:nvSpPr>
+          <p:cNvPr id="143" name="Text Placeholder 13">
+            <a:extLst>
+              <a:ext uri="{FF2B5EF4-FFF2-40B4-BE49-F238E27FC236}">
+                <a16:creationId xmlns:a16="http://schemas.microsoft.com/office/drawing/2014/main" id="{6909E960-B648-DB45-985B-02FA5D5D8945}"/>
+              </a:ext>
+            </a:extLst>
+          </p:cNvPr>
+          <p:cNvSpPr>
+            <a:spLocks noGrp="1"/>
+          </p:cNvSpPr>
+          <p:nvPr>
+            <p:ph type="body" sz="quarter" idx="31" hasCustomPrompt="1"/>
+          </p:nvPr>
+        </p:nvSpPr>
+        <p:spPr>
+          <a:xfrm>
+            <a:off x="9806749" y="5641332"/>
             <a:ext cx="1654828" cy="470078"/>
           </a:xfrm>
           <a:prstGeom prst="rect">
@@ -4334,58 +3895,7 @@
                     <a:lumMod val="75000"/>
                   </a:schemeClr>
                 </a:solidFill>
-                <a:latin typeface="Roboto Medium" pitchFamily="2" charset="0"/>
-                <a:ea typeface="Roboto Medium" pitchFamily="2" charset="0"/>
-              </a:defRPr>
-            </a:lvl1pPr>
-          </a:lstStyle>
-          <a:p>
-            <a:pPr lvl="0"/>
-            <a:r>
-              <a:rPr lang="en-US" altLang="zh-CN" dirty="0"/>
-              <a:t>Original</a:t>
-            </a:r>
-            <a:endParaRPr lang="en-JP" dirty="0"/>
-          </a:p>
-        </p:txBody>
-      </p:sp>
-      <p:sp>
-        <p:nvSpPr>
-          <p:cNvPr id="143" name="Text Placeholder 13">
-            <a:extLst>
-              <a:ext uri="{FF2B5EF4-FFF2-40B4-BE49-F238E27FC236}">
-                <a16:creationId xmlns:a16="http://schemas.microsoft.com/office/drawing/2014/main" id="{6909E960-B648-DB45-985B-02FA5D5D8945}"/>
-              </a:ext>
-            </a:extLst>
-          </p:cNvPr>
-          <p:cNvSpPr>
-            <a:spLocks noGrp="1"/>
-          </p:cNvSpPr>
-          <p:nvPr>
-            <p:ph type="body" sz="quarter" idx="31" hasCustomPrompt="1"/>
-          </p:nvPr>
-        </p:nvSpPr>
-        <p:spPr>
-          <a:xfrm>
-            <a:off x="9806749" y="5641332"/>
-            <a:ext cx="1654828" cy="470078"/>
-          </a:xfrm>
-          <a:prstGeom prst="rect">
-            <a:avLst/>
-          </a:prstGeom>
-        </p:spPr>
-        <p:txBody>
-          <a:bodyPr anchor="ctr"/>
-          <a:lstStyle>
-            <a:lvl1pPr marL="0" indent="0" algn="l">
-              <a:buNone/>
-              <a:defRPr sz="1400" b="0" i="0">
-                <a:solidFill>
-                  <a:schemeClr val="accent3">
-                    <a:lumMod val="75000"/>
-                  </a:schemeClr>
-                </a:solidFill>
-                <a:latin typeface="PingFang SC Light" panose="020B0300000000000000" pitchFamily="34" charset="-122"/>
+                <a:latin typeface="+mj-lt"/>
                 <a:ea typeface="PingFang SC Light" panose="020B0300000000000000" pitchFamily="34" charset="-122"/>
               </a:defRPr>
             </a:lvl1pPr>
@@ -4413,7 +3923,7 @@
 </p:sldLayout>
 </file>
 
-<file path=ppt/slideLayouts/slideLayout5.xml><?xml version="1.0" encoding="utf-8"?>
+<file path=ppt/slideLayouts/slideLayout4.xml><?xml version="1.0" encoding="utf-8"?>
 <p:sldLayout xmlns:a="http://schemas.openxmlformats.org/drawingml/2006/main" xmlns:r="http://schemas.openxmlformats.org/officeDocument/2006/relationships" xmlns:p="http://schemas.openxmlformats.org/presentationml/2006/main" preserve="1" userDrawn="1">
   <p:cSld name="Blank">
     <p:bg>
@@ -4440,10 +3950,10 @@
       </p:grpSpPr>
       <p:pic>
         <p:nvPicPr>
-          <p:cNvPr id="3" name="Picture 2">
-            <a:extLst>
-              <a:ext uri="{FF2B5EF4-FFF2-40B4-BE49-F238E27FC236}">
-                <a16:creationId xmlns:a16="http://schemas.microsoft.com/office/drawing/2014/main" id="{6B11D472-279B-5B42-AD8F-D6EF9792DBAF}"/>
+          <p:cNvPr id="4" name="Picture 3">
+            <a:extLst>
+              <a:ext uri="{FF2B5EF4-FFF2-40B4-BE49-F238E27FC236}">
+                <a16:creationId xmlns:a16="http://schemas.microsoft.com/office/drawing/2014/main" id="{0BAF0B8B-BE43-B54F-8CB2-3BF26FA7EED2}"/>
               </a:ext>
             </a:extLst>
           </p:cNvPr>
@@ -4460,8 +3970,8 @@
         </p:blipFill>
         <p:spPr>
           <a:xfrm>
-            <a:off x="1" y="-1"/>
-            <a:ext cx="12221224" cy="6870535"/>
+            <a:off x="1" y="-988"/>
+            <a:ext cx="12200684" cy="6858988"/>
           </a:xfrm>
           <a:prstGeom prst="rect">
             <a:avLst/>
@@ -4481,7 +3991,7 @@
 </p:sldLayout>
 </file>
 
-<file path=ppt/slideLayouts/slideLayout6.xml><?xml version="1.0" encoding="utf-8"?>
+<file path=ppt/slideLayouts/slideLayout5.xml><?xml version="1.0" encoding="utf-8"?>
 <p:sldLayout xmlns:a="http://schemas.openxmlformats.org/drawingml/2006/main" xmlns:r="http://schemas.openxmlformats.org/officeDocument/2006/relationships" xmlns:p="http://schemas.openxmlformats.org/presentationml/2006/main" preserve="1" userDrawn="1">
   <p:cSld name="Thanks">
     <p:bg>
@@ -4506,172 +4016,444 @@
           <a:chExt cx="0" cy="0"/>
         </a:xfrm>
       </p:grpSpPr>
-      <p:pic>
-        <p:nvPicPr>
-          <p:cNvPr id="7" name="Picture 6">
-            <a:extLst>
-              <a:ext uri="{FF2B5EF4-FFF2-40B4-BE49-F238E27FC236}">
-                <a16:creationId xmlns:a16="http://schemas.microsoft.com/office/drawing/2014/main" id="{E2D29A84-597E-9044-A9AC-C1A3F512A820}"/>
-              </a:ext>
-            </a:extLst>
-          </p:cNvPr>
-          <p:cNvPicPr>
-            <a:picLocks noChangeAspect="1"/>
-          </p:cNvPicPr>
+      <p:grpSp>
+        <p:nvGrpSpPr>
+          <p:cNvPr id="8" name="Group 7">
+            <a:extLst>
+              <a:ext uri="{FF2B5EF4-FFF2-40B4-BE49-F238E27FC236}">
+                <a16:creationId xmlns:a16="http://schemas.microsoft.com/office/drawing/2014/main" id="{B0E2CC6E-9C3F-254F-8634-70A2CF822EF9}"/>
+              </a:ext>
+            </a:extLst>
+          </p:cNvPr>
+          <p:cNvGrpSpPr/>
           <p:nvPr userDrawn="1"/>
-        </p:nvPicPr>
-        <p:blipFill>
-          <a:blip r:embed="rId2"/>
-          <a:stretch>
-            <a:fillRect/>
-          </a:stretch>
-        </p:blipFill>
-        <p:spPr>
-          <a:xfrm>
-            <a:off x="-1" y="0"/>
-            <a:ext cx="12198927" cy="6858000"/>
+        </p:nvGrpSpPr>
+        <p:grpSpPr>
+          <a:xfrm>
+            <a:off x="3503712" y="514351"/>
+            <a:ext cx="5567770" cy="4050196"/>
+            <a:chOff x="3068402" y="711433"/>
+            <a:chExt cx="6640928" cy="4830849"/>
+          </a:xfrm>
+        </p:grpSpPr>
+        <p:sp>
+          <p:nvSpPr>
+            <p:cNvPr id="9" name="Diamond 8">
+              <a:extLst>
+                <a:ext uri="{FF2B5EF4-FFF2-40B4-BE49-F238E27FC236}">
+                  <a16:creationId xmlns:a16="http://schemas.microsoft.com/office/drawing/2014/main" id="{40E8C726-0573-5048-944E-8A92CF2F75F9}"/>
+                </a:ext>
+              </a:extLst>
+            </p:cNvPr>
+            <p:cNvSpPr/>
+            <p:nvPr userDrawn="1"/>
+          </p:nvSpPr>
+          <p:spPr>
+            <a:xfrm>
+              <a:off x="3068402" y="1580388"/>
+              <a:ext cx="5789572" cy="3961894"/>
+            </a:xfrm>
+            <a:prstGeom prst="diamond">
+              <a:avLst/>
+            </a:prstGeom>
+            <a:solidFill>
+              <a:schemeClr val="accent4">
+                <a:lumMod val="40000"/>
+                <a:lumOff val="60000"/>
+              </a:schemeClr>
+            </a:solidFill>
+            <a:ln>
+              <a:noFill/>
+            </a:ln>
+          </p:spPr>
+          <p:style>
+            <a:lnRef idx="2">
+              <a:schemeClr val="accent1">
+                <a:shade val="50000"/>
+              </a:schemeClr>
+            </a:lnRef>
+            <a:fillRef idx="1">
+              <a:schemeClr val="accent1"/>
+            </a:fillRef>
+            <a:effectRef idx="0">
+              <a:schemeClr val="accent1"/>
+            </a:effectRef>
+            <a:fontRef idx="minor">
+              <a:schemeClr val="lt1"/>
+            </a:fontRef>
+          </p:style>
+          <p:txBody>
+            <a:bodyPr rtlCol="0" anchor="ctr"/>
+            <a:lstStyle/>
+            <a:p>
+              <a:pPr algn="ctr"/>
+              <a:endParaRPr lang="en-CN"/>
+            </a:p>
+          </p:txBody>
+        </p:sp>
+        <p:sp>
+          <p:nvSpPr>
+            <p:cNvPr id="10" name="Diamond 9">
+              <a:extLst>
+                <a:ext uri="{FF2B5EF4-FFF2-40B4-BE49-F238E27FC236}">
+                  <a16:creationId xmlns:a16="http://schemas.microsoft.com/office/drawing/2014/main" id="{61D2B41A-537C-C54B-BF07-220158CC856A}"/>
+                </a:ext>
+              </a:extLst>
+            </p:cNvPr>
+            <p:cNvSpPr/>
+            <p:nvPr userDrawn="1"/>
+          </p:nvSpPr>
+          <p:spPr>
+            <a:xfrm>
+              <a:off x="4160720" y="1548550"/>
+              <a:ext cx="5387790" cy="3807521"/>
+            </a:xfrm>
+            <a:prstGeom prst="diamond">
+              <a:avLst/>
+            </a:prstGeom>
+            <a:solidFill>
+              <a:schemeClr val="accent3">
+                <a:lumMod val="60000"/>
+                <a:lumOff val="40000"/>
+                <a:alpha val="48000"/>
+              </a:schemeClr>
+            </a:solidFill>
+            <a:ln>
+              <a:noFill/>
+            </a:ln>
+          </p:spPr>
+          <p:style>
+            <a:lnRef idx="2">
+              <a:schemeClr val="accent1">
+                <a:shade val="50000"/>
+              </a:schemeClr>
+            </a:lnRef>
+            <a:fillRef idx="1">
+              <a:schemeClr val="accent1"/>
+            </a:fillRef>
+            <a:effectRef idx="0">
+              <a:schemeClr val="accent1"/>
+            </a:effectRef>
+            <a:fontRef idx="minor">
+              <a:schemeClr val="lt1"/>
+            </a:fontRef>
+          </p:style>
+          <p:txBody>
+            <a:bodyPr rtlCol="0" anchor="ctr"/>
+            <a:lstStyle/>
+            <a:p>
+              <a:pPr algn="ctr"/>
+              <a:endParaRPr lang="en-CN"/>
+            </a:p>
+          </p:txBody>
+        </p:sp>
+        <p:sp>
+          <p:nvSpPr>
+            <p:cNvPr id="11" name="Diamond 10">
+              <a:extLst>
+                <a:ext uri="{FF2B5EF4-FFF2-40B4-BE49-F238E27FC236}">
+                  <a16:creationId xmlns:a16="http://schemas.microsoft.com/office/drawing/2014/main" id="{4924582C-419F-7D48-92ED-A6DCC13B41BF}"/>
+                </a:ext>
+              </a:extLst>
+            </p:cNvPr>
+            <p:cNvSpPr/>
+            <p:nvPr userDrawn="1"/>
+          </p:nvSpPr>
+          <p:spPr>
+            <a:xfrm>
+              <a:off x="4160720" y="1022502"/>
+              <a:ext cx="5548610" cy="3325091"/>
+            </a:xfrm>
+            <a:prstGeom prst="diamond">
+              <a:avLst/>
+            </a:prstGeom>
+            <a:solidFill>
+              <a:schemeClr val="accent3">
+                <a:lumMod val="60000"/>
+                <a:lumOff val="40000"/>
+              </a:schemeClr>
+            </a:solidFill>
+            <a:ln>
+              <a:noFill/>
+            </a:ln>
+          </p:spPr>
+          <p:style>
+            <a:lnRef idx="2">
+              <a:schemeClr val="accent1">
+                <a:shade val="50000"/>
+              </a:schemeClr>
+            </a:lnRef>
+            <a:fillRef idx="1">
+              <a:schemeClr val="accent1"/>
+            </a:fillRef>
+            <a:effectRef idx="0">
+              <a:schemeClr val="accent1"/>
+            </a:effectRef>
+            <a:fontRef idx="minor">
+              <a:schemeClr val="lt1"/>
+            </a:fontRef>
+          </p:style>
+          <p:txBody>
+            <a:bodyPr rtlCol="0" anchor="ctr"/>
+            <a:lstStyle/>
+            <a:p>
+              <a:pPr algn="ctr"/>
+              <a:endParaRPr lang="en-CN"/>
+            </a:p>
+          </p:txBody>
+        </p:sp>
+        <p:sp>
+          <p:nvSpPr>
+            <p:cNvPr id="12" name="Diamond 11">
+              <a:extLst>
+                <a:ext uri="{FF2B5EF4-FFF2-40B4-BE49-F238E27FC236}">
+                  <a16:creationId xmlns:a16="http://schemas.microsoft.com/office/drawing/2014/main" id="{2634C8F8-8320-B649-A7B4-CE3F02D70CB3}"/>
+                </a:ext>
+              </a:extLst>
+            </p:cNvPr>
+            <p:cNvSpPr/>
+            <p:nvPr userDrawn="1"/>
+          </p:nvSpPr>
+          <p:spPr>
+            <a:xfrm>
+              <a:off x="3201214" y="711433"/>
+              <a:ext cx="5789572" cy="4237375"/>
+            </a:xfrm>
+            <a:prstGeom prst="diamond">
+              <a:avLst/>
+            </a:prstGeom>
+            <a:solidFill>
+              <a:schemeClr val="accent3">
+                <a:lumMod val="75000"/>
+              </a:schemeClr>
+            </a:solidFill>
+            <a:ln>
+              <a:noFill/>
+            </a:ln>
+          </p:spPr>
+          <p:style>
+            <a:lnRef idx="2">
+              <a:schemeClr val="accent1">
+                <a:shade val="50000"/>
+              </a:schemeClr>
+            </a:lnRef>
+            <a:fillRef idx="1">
+              <a:schemeClr val="accent1"/>
+            </a:fillRef>
+            <a:effectRef idx="0">
+              <a:schemeClr val="accent1"/>
+            </a:effectRef>
+            <a:fontRef idx="minor">
+              <a:schemeClr val="lt1"/>
+            </a:fontRef>
+          </p:style>
+          <p:txBody>
+            <a:bodyPr rtlCol="0" anchor="ctr"/>
+            <a:lstStyle/>
+            <a:p>
+              <a:pPr algn="ctr"/>
+              <a:endParaRPr lang="en-CN"/>
+            </a:p>
+          </p:txBody>
+        </p:sp>
+        <p:pic>
+          <p:nvPicPr>
+            <p:cNvPr id="14" name="Picture 13">
+              <a:extLst>
+                <a:ext uri="{FF2B5EF4-FFF2-40B4-BE49-F238E27FC236}">
+                  <a16:creationId xmlns:a16="http://schemas.microsoft.com/office/drawing/2014/main" id="{080914B3-C082-1441-857D-D30B73766263}"/>
+                </a:ext>
+              </a:extLst>
+            </p:cNvPr>
+            <p:cNvPicPr>
+              <a:picLocks noChangeAspect="1"/>
+            </p:cNvPicPr>
+            <p:nvPr userDrawn="1"/>
+          </p:nvPicPr>
+          <p:blipFill>
+            <a:blip r:embed="rId2"/>
+            <a:stretch>
+              <a:fillRect/>
+            </a:stretch>
+          </p:blipFill>
+          <p:spPr>
+            <a:xfrm>
+              <a:off x="5602457" y="1686506"/>
+              <a:ext cx="998541" cy="998541"/>
+            </a:xfrm>
+            <a:prstGeom prst="rect">
+              <a:avLst/>
+            </a:prstGeom>
+          </p:spPr>
+        </p:pic>
+        <p:sp>
+          <p:nvSpPr>
+            <p:cNvPr id="15" name="TextBox 14">
+              <a:extLst>
+                <a:ext uri="{FF2B5EF4-FFF2-40B4-BE49-F238E27FC236}">
+                  <a16:creationId xmlns:a16="http://schemas.microsoft.com/office/drawing/2014/main" id="{8D74A654-A3B2-0246-8EFA-D37BE6F7DD0E}"/>
+                </a:ext>
+              </a:extLst>
+            </p:cNvPr>
+            <p:cNvSpPr txBox="1"/>
+            <p:nvPr userDrawn="1"/>
+          </p:nvSpPr>
+          <p:spPr>
+            <a:xfrm>
+              <a:off x="3661954" y="2762054"/>
+              <a:ext cx="4868092" cy="461665"/>
+            </a:xfrm>
+            <a:prstGeom prst="rect">
+              <a:avLst/>
+            </a:prstGeom>
+            <a:noFill/>
+          </p:spPr>
+          <p:txBody>
+            <a:bodyPr wrap="square" rtlCol="0">
+              <a:spAutoFit/>
+            </a:bodyPr>
+            <a:lstStyle/>
+            <a:p>
+              <a:pPr algn="ctr"/>
+              <a:r>
+                <a:rPr lang="zh-CN" altLang="en-US" sz="2400" b="0" i="0" spc="300" dirty="0">
+                  <a:solidFill>
+                    <a:schemeClr val="bg1"/>
+                  </a:solidFill>
+                  <a:latin typeface="PingFang SC" panose="020B0400000000000000" pitchFamily="34" charset="-122"/>
+                  <a:ea typeface="PingFang SC" panose="020B0400000000000000" pitchFamily="34" charset="-122"/>
+                </a:rPr>
+                <a:t>歧舌</a:t>
+              </a:r>
+              <a:r>
+                <a:rPr lang="en-US" altLang="zh-CN" sz="2400" b="0" i="0" spc="300" dirty="0">
+                  <a:solidFill>
+                    <a:schemeClr val="bg1"/>
+                  </a:solidFill>
+                  <a:latin typeface="PingFang SC" panose="020B0400000000000000" pitchFamily="34" charset="-122"/>
+                  <a:ea typeface="PingFang SC" panose="020B0400000000000000" pitchFamily="34" charset="-122"/>
+                </a:rPr>
+                <a:t>AI</a:t>
+              </a:r>
+              <a:r>
+                <a:rPr lang="zh-CN" altLang="en-US" sz="2400" b="0" i="0" spc="300" dirty="0">
+                  <a:solidFill>
+                    <a:schemeClr val="bg1"/>
+                  </a:solidFill>
+                  <a:latin typeface="PingFang SC" panose="020B0400000000000000" pitchFamily="34" charset="-122"/>
+                  <a:ea typeface="PingFang SC" panose="020B0400000000000000" pitchFamily="34" charset="-122"/>
+                </a:rPr>
+                <a:t>备课助教</a:t>
+              </a:r>
+              <a:endParaRPr lang="en-CN" sz="2400" b="0" i="0" spc="300" dirty="0">
+                <a:solidFill>
+                  <a:schemeClr val="bg1"/>
+                </a:solidFill>
+                <a:latin typeface="PingFang SC" panose="020B0400000000000000" pitchFamily="34" charset="-122"/>
+                <a:ea typeface="PingFang SC" panose="020B0400000000000000" pitchFamily="34" charset="-122"/>
+              </a:endParaRPr>
+            </a:p>
+          </p:txBody>
+        </p:sp>
+        <p:sp>
+          <p:nvSpPr>
+            <p:cNvPr id="16" name="TextBox 15">
+              <a:extLst>
+                <a:ext uri="{FF2B5EF4-FFF2-40B4-BE49-F238E27FC236}">
+                  <a16:creationId xmlns:a16="http://schemas.microsoft.com/office/drawing/2014/main" id="{1ED422C3-ED70-C14D-8322-288C34F51947}"/>
+                </a:ext>
+              </a:extLst>
+            </p:cNvPr>
+            <p:cNvSpPr txBox="1"/>
+            <p:nvPr userDrawn="1"/>
+          </p:nvSpPr>
+          <p:spPr>
+            <a:xfrm>
+              <a:off x="4695314" y="3300726"/>
+              <a:ext cx="2801372" cy="461665"/>
+            </a:xfrm>
+            <a:prstGeom prst="rect">
+              <a:avLst/>
+            </a:prstGeom>
+            <a:noFill/>
+          </p:spPr>
+          <p:txBody>
+            <a:bodyPr wrap="square" rtlCol="0">
+              <a:spAutoFit/>
+            </a:bodyPr>
+            <a:lstStyle/>
+            <a:p>
+              <a:pPr algn="ctr"/>
+              <a:r>
+                <a:rPr lang="zh-CN" altLang="en-US" sz="2400" b="0" i="0" spc="300" dirty="0">
+                  <a:solidFill>
+                    <a:schemeClr val="bg1"/>
+                  </a:solidFill>
+                  <a:latin typeface="PingFang SC Medium" panose="020B0400000000000000" pitchFamily="34" charset="-122"/>
+                  <a:ea typeface="PingFang SC Medium" panose="020B0400000000000000" pitchFamily="34" charset="-122"/>
+                </a:rPr>
+                <a:t>英语</a:t>
+              </a:r>
+              <a:endParaRPr lang="en-CN" sz="2400" b="0" i="0" spc="300" dirty="0">
+                <a:solidFill>
+                  <a:schemeClr val="bg1"/>
+                </a:solidFill>
+                <a:latin typeface="PingFang SC Medium" panose="020B0400000000000000" pitchFamily="34" charset="-122"/>
+                <a:ea typeface="PingFang SC Medium" panose="020B0400000000000000" pitchFamily="34" charset="-122"/>
+              </a:endParaRPr>
+            </a:p>
+          </p:txBody>
+        </p:sp>
+      </p:grpSp>
+      <p:sp>
+        <p:nvSpPr>
+          <p:cNvPr id="17" name="TextBox 16">
+            <a:extLst>
+              <a:ext uri="{FF2B5EF4-FFF2-40B4-BE49-F238E27FC236}">
+                <a16:creationId xmlns:a16="http://schemas.microsoft.com/office/drawing/2014/main" id="{225D3C32-0ACA-D642-B1D2-C54DBE0B2DF8}"/>
+              </a:ext>
+            </a:extLst>
+          </p:cNvPr>
+          <p:cNvSpPr txBox="1"/>
+          <p:nvPr userDrawn="1"/>
+        </p:nvSpPr>
+        <p:spPr>
+          <a:xfrm>
+            <a:off x="5426586" y="5032279"/>
+            <a:ext cx="1338828" cy="276999"/>
           </a:xfrm>
           <a:prstGeom prst="rect">
             <a:avLst/>
           </a:prstGeom>
-        </p:spPr>
-      </p:pic>
-      <p:sp>
-        <p:nvSpPr>
-          <p:cNvPr id="43" name="TextBox 42">
-            <a:extLst>
-              <a:ext uri="{FF2B5EF4-FFF2-40B4-BE49-F238E27FC236}">
-                <a16:creationId xmlns:a16="http://schemas.microsoft.com/office/drawing/2014/main" id="{B09844E1-DDCC-2F4A-9F36-3DBE5642B30F}"/>
-              </a:ext>
-            </a:extLst>
-          </p:cNvPr>
-          <p:cNvSpPr txBox="1"/>
-          <p:nvPr userDrawn="1"/>
-        </p:nvSpPr>
-        <p:spPr>
-          <a:xfrm>
-            <a:off x="3661954" y="3316395"/>
-            <a:ext cx="4868092" cy="523220"/>
-          </a:xfrm>
-          <a:prstGeom prst="rect">
-            <a:avLst/>
-          </a:prstGeom>
           <a:noFill/>
         </p:spPr>
         <p:txBody>
-          <a:bodyPr wrap="square" rtlCol="0">
+          <a:bodyPr wrap="none" rtlCol="0">
             <a:spAutoFit/>
           </a:bodyPr>
           <a:lstStyle/>
           <a:p>
-            <a:pPr algn="ctr"/>
-            <a:r>
-              <a:rPr lang="zh-CN" altLang="en-US" sz="2800" b="0" i="0" spc="300" dirty="0">
+            <a:pPr algn="l"/>
+            <a:r>
+              <a:rPr lang="en-JP" sz="1200" spc="300" dirty="0">
                 <a:solidFill>
                   <a:schemeClr val="accent3">
                     <a:lumMod val="75000"/>
                   </a:schemeClr>
                 </a:solidFill>
-                <a:latin typeface="PingFang SC" panose="020B0400000000000000" pitchFamily="34" charset="-122"/>
-                <a:ea typeface="PingFang SC" panose="020B0400000000000000" pitchFamily="34" charset="-122"/>
+                <a:latin typeface="+mj-lt"/>
               </a:rPr>
-              <a:t>歧舌</a:t>
-            </a:r>
-            <a:r>
-              <a:rPr lang="en-US" altLang="zh-CN" sz="2800" b="0" i="0" spc="300" dirty="0">
-                <a:solidFill>
-                  <a:schemeClr val="accent3">
-                    <a:lumMod val="75000"/>
-                  </a:schemeClr>
-                </a:solidFill>
-                <a:latin typeface="PingFang SC" panose="020B0400000000000000" pitchFamily="34" charset="-122"/>
-                <a:ea typeface="PingFang SC" panose="020B0400000000000000" pitchFamily="34" charset="-122"/>
-              </a:rPr>
-              <a:t>AI</a:t>
-            </a:r>
-            <a:r>
-              <a:rPr lang="zh-CN" altLang="en-US" sz="2800" b="0" i="0" spc="300" dirty="0">
-                <a:solidFill>
-                  <a:schemeClr val="accent3">
-                    <a:lumMod val="75000"/>
-                  </a:schemeClr>
-                </a:solidFill>
-                <a:latin typeface="PingFang SC" panose="020B0400000000000000" pitchFamily="34" charset="-122"/>
-                <a:ea typeface="PingFang SC" panose="020B0400000000000000" pitchFamily="34" charset="-122"/>
-              </a:rPr>
-              <a:t>备课助教</a:t>
-            </a:r>
-            <a:endParaRPr lang="en-CN" sz="2800" b="0" i="0" spc="300" dirty="0">
-              <a:solidFill>
-                <a:schemeClr val="accent3">
-                  <a:lumMod val="75000"/>
-                </a:schemeClr>
-              </a:solidFill>
-              <a:latin typeface="PingFang SC" panose="020B0400000000000000" pitchFamily="34" charset="-122"/>
-              <a:ea typeface="PingFang SC" panose="020B0400000000000000" pitchFamily="34" charset="-122"/>
-            </a:endParaRPr>
-          </a:p>
-        </p:txBody>
-      </p:sp>
-      <p:sp>
-        <p:nvSpPr>
-          <p:cNvPr id="44" name="TextBox 43">
-            <a:extLst>
-              <a:ext uri="{FF2B5EF4-FFF2-40B4-BE49-F238E27FC236}">
-                <a16:creationId xmlns:a16="http://schemas.microsoft.com/office/drawing/2014/main" id="{35F62947-62CC-8544-8364-BB6A7925BE22}"/>
-              </a:ext>
-            </a:extLst>
-          </p:cNvPr>
-          <p:cNvSpPr txBox="1"/>
-          <p:nvPr userDrawn="1"/>
-        </p:nvSpPr>
-        <p:spPr>
-          <a:xfrm>
-            <a:off x="4695314" y="3855067"/>
-            <a:ext cx="2801372" cy="461665"/>
-          </a:xfrm>
-          <a:prstGeom prst="rect">
-            <a:avLst/>
-          </a:prstGeom>
-          <a:noFill/>
-        </p:spPr>
-        <p:txBody>
-          <a:bodyPr wrap="square" rtlCol="0">
-            <a:spAutoFit/>
-          </a:bodyPr>
-          <a:lstStyle/>
-          <a:p>
-            <a:pPr algn="ctr"/>
-            <a:r>
-              <a:rPr lang="zh-CN" altLang="en-US" sz="2400" b="0" i="0" spc="300" dirty="0">
-                <a:solidFill>
-                  <a:schemeClr val="accent3">
-                    <a:lumMod val="75000"/>
-                  </a:schemeClr>
-                </a:solidFill>
-                <a:latin typeface="PingFang SC Medium" panose="020B0400000000000000" pitchFamily="34" charset="-122"/>
-                <a:ea typeface="PingFang SC Medium" panose="020B0400000000000000" pitchFamily="34" charset="-122"/>
-              </a:rPr>
-              <a:t>英语</a:t>
-            </a:r>
-            <a:endParaRPr lang="en-CN" sz="2400" b="0" i="0" spc="300" dirty="0">
-              <a:solidFill>
-                <a:schemeClr val="accent3">
-                  <a:lumMod val="75000"/>
-                </a:schemeClr>
-              </a:solidFill>
-              <a:latin typeface="PingFang SC Medium" panose="020B0400000000000000" pitchFamily="34" charset="-122"/>
-              <a:ea typeface="PingFang SC Medium" panose="020B0400000000000000" pitchFamily="34" charset="-122"/>
-            </a:endParaRPr>
+              <a:t>扫码了解更多</a:t>
+            </a:r>
           </a:p>
         </p:txBody>
       </p:sp>
       <p:pic>
         <p:nvPicPr>
-          <p:cNvPr id="5" name="Picture 4">
-            <a:extLst>
-              <a:ext uri="{FF2B5EF4-FFF2-40B4-BE49-F238E27FC236}">
-                <a16:creationId xmlns:a16="http://schemas.microsoft.com/office/drawing/2014/main" id="{90EA518E-9B5C-E84C-8590-28A28376CA17}"/>
+          <p:cNvPr id="18" name="Picture 17">
+            <a:extLst>
+              <a:ext uri="{FF2B5EF4-FFF2-40B4-BE49-F238E27FC236}">
+                <a16:creationId xmlns:a16="http://schemas.microsoft.com/office/drawing/2014/main" id="{585E0FD0-E2FD-6C4B-8C68-16EA6D4198C4}"/>
               </a:ext>
             </a:extLst>
           </p:cNvPr>
@@ -4688,38 +4470,8 @@
         </p:blipFill>
         <p:spPr>
           <a:xfrm>
-            <a:off x="5476988" y="1990305"/>
-            <a:ext cx="1238024" cy="1238024"/>
-          </a:xfrm>
-          <a:prstGeom prst="rect">
-            <a:avLst/>
-          </a:prstGeom>
-        </p:spPr>
-      </p:pic>
-      <p:pic>
-        <p:nvPicPr>
-          <p:cNvPr id="13" name="Picture 12">
-            <a:extLst>
-              <a:ext uri="{FF2B5EF4-FFF2-40B4-BE49-F238E27FC236}">
-                <a16:creationId xmlns:a16="http://schemas.microsoft.com/office/drawing/2014/main" id="{3522076D-892E-C949-AF29-BADBF8022C9F}"/>
-              </a:ext>
-            </a:extLst>
-          </p:cNvPr>
-          <p:cNvPicPr>
-            <a:picLocks noChangeAspect="1"/>
-          </p:cNvPicPr>
-          <p:nvPr userDrawn="1"/>
-        </p:nvPicPr>
-        <p:blipFill>
-          <a:blip r:embed="rId4"/>
-          <a:stretch>
-            <a:fillRect/>
-          </a:stretch>
-        </p:blipFill>
-        <p:spPr>
-          <a:xfrm>
-            <a:off x="5646000" y="5611950"/>
-            <a:ext cx="900000" cy="900000"/>
+            <a:off x="5515890" y="5299723"/>
+            <a:ext cx="1160221" cy="1160221"/>
           </a:xfrm>
           <a:prstGeom prst="rect">
             <a:avLst/>
@@ -4773,12 +4525,11 @@
   </p:cSld>
   <p:clrMap bg1="lt1" tx1="dk1" bg2="lt2" tx2="dk2" accent1="accent1" accent2="accent2" accent3="accent3" accent4="accent4" accent5="accent5" accent6="accent6" hlink="hlink" folHlink="folHlink"/>
   <p:sldLayoutIdLst>
-    <p:sldLayoutId id="2147483853" r:id="rId1"/>
-    <p:sldLayoutId id="2147483946" r:id="rId2"/>
-    <p:sldLayoutId id="2147483948" r:id="rId3"/>
-    <p:sldLayoutId id="2147483944" r:id="rId4"/>
-    <p:sldLayoutId id="2147483931" r:id="rId5"/>
-    <p:sldLayoutId id="2147483928" r:id="rId6"/>
+    <p:sldLayoutId id="2147483946" r:id="rId1"/>
+    <p:sldLayoutId id="2147483948" r:id="rId2"/>
+    <p:sldLayoutId id="2147483944" r:id="rId3"/>
+    <p:sldLayoutId id="2147483931" r:id="rId4"/>
+    <p:sldLayoutId id="2147483928" r:id="rId5"/>
   </p:sldLayoutIdLst>
   <p:hf sldNum="0" hdr="0" ftr="0" dt="0"/>
   <p:txStyles>
@@ -5210,18 +4961,16 @@
         <a:srgbClr val="B26B02"/>
       </a:folHlink>
     </a:clrScheme>
-    <a:fontScheme name="Dividend">
+    <a:fontScheme name="Calibri-Cambria">
       <a:majorFont>
-        <a:latin typeface="Gill Sans MT" panose="020B0502020104020203"/>
+        <a:latin typeface="Calibri" panose="020F0502020204030204"/>
         <a:ea typeface=""/>
         <a:cs typeface=""/>
-        <a:font script="Grek" typeface="Corbel"/>
-        <a:font script="Cyrl" typeface="Corbel"/>
-        <a:font script="Jpan" typeface="HGｺﾞｼｯｸE"/>
-        <a:font script="Hang" typeface="휴먼매직체"/>
-        <a:font script="Hans" typeface="华文中宋"/>
-        <a:font script="Hant" typeface="微軟正黑體"/>
-        <a:font script="Arab" typeface="Majalla UI"/>
+        <a:font script="Jpan" typeface="HGｺﾞｼｯｸM"/>
+        <a:font script="Hang" typeface="맑은 고딕"/>
+        <a:font script="Hans" typeface="宋体"/>
+        <a:font script="Hant" typeface="新細明體"/>
+        <a:font script="Arab" typeface="Arial"/>
         <a:font script="Hebr" typeface="Arial"/>
         <a:font script="Thai" typeface="Cordia New"/>
         <a:font script="Ethi" typeface="Nyala"/>
@@ -5249,22 +4998,20 @@
         <a:font script="Geor" typeface="Sylfaen"/>
       </a:majorFont>
       <a:minorFont>
-        <a:latin typeface="Gill Sans MT" panose="020B0502020104020203"/>
+        <a:latin typeface="Cambria" panose="02040503050406030204"/>
         <a:ea typeface=""/>
         <a:cs typeface=""/>
-        <a:font script="Grek" typeface="Corbel"/>
-        <a:font script="Cyrl" typeface="Corbel"/>
-        <a:font script="Jpan" typeface="HGｺﾞｼｯｸE"/>
-        <a:font script="Hang" typeface="휴먼매직체"/>
-        <a:font script="Hans" typeface="华文中宋"/>
-        <a:font script="Hant" typeface="微軟正黑體"/>
-        <a:font script="Arab" typeface="Majalla UI"/>
-        <a:font script="Hebr" typeface="Arial"/>
-        <a:font script="Thai" typeface="Cordia New"/>
+        <a:font script="Jpan" typeface="HG明朝B"/>
+        <a:font script="Hang" typeface="맑은 고딕"/>
+        <a:font script="Hans" typeface="黑体"/>
+        <a:font script="Hant" typeface="新細明體"/>
+        <a:font script="Arab" typeface="Times New Roman"/>
+        <a:font script="Hebr" typeface="Times New Roman"/>
+        <a:font script="Thai" typeface="Angsana New"/>
         <a:font script="Ethi" typeface="Nyala"/>
         <a:font script="Beng" typeface="Vrinda"/>
         <a:font script="Gujr" typeface="Shruti"/>
-        <a:font script="Khmr" typeface="DaunPenh"/>
+        <a:font script="Khmr" typeface="MoolBoran"/>
         <a:font script="Knda" typeface="Tunga"/>
         <a:font script="Guru" typeface="Raavi"/>
         <a:font script="Cans" typeface="Euphemia"/>
@@ -5281,7 +5028,7 @@
         <a:font script="Laoo" typeface="DokChampa"/>
         <a:font script="Sinh" typeface="Iskoola Pota"/>
         <a:font script="Mong" typeface="Mongolian Baiti"/>
-        <a:font script="Viet" typeface="Tahoma"/>
+        <a:font script="Viet" typeface="Times New Roman"/>
         <a:font script="Uigh" typeface="Microsoft Uighur"/>
         <a:font script="Geor" typeface="Sylfaen"/>
       </a:minorFont>
